--- a/Regression Project presentation.pptx
+++ b/Regression Project presentation.pptx
@@ -10,19 +10,22 @@
     <p:sldId id="258" r:id="rId4"/>
     <p:sldId id="268" r:id="rId5"/>
     <p:sldId id="272" r:id="rId6"/>
-    <p:sldId id="261" r:id="rId7"/>
-    <p:sldId id="273" r:id="rId8"/>
-    <p:sldId id="274" r:id="rId9"/>
-    <p:sldId id="275" r:id="rId10"/>
-    <p:sldId id="276" r:id="rId11"/>
-    <p:sldId id="269" r:id="rId12"/>
-    <p:sldId id="260" r:id="rId13"/>
-    <p:sldId id="271" r:id="rId14"/>
-    <p:sldId id="266" r:id="rId15"/>
-    <p:sldId id="270" r:id="rId16"/>
-    <p:sldId id="277" r:id="rId17"/>
-    <p:sldId id="267" r:id="rId18"/>
-    <p:sldId id="278" r:id="rId19"/>
+    <p:sldId id="279" r:id="rId7"/>
+    <p:sldId id="261" r:id="rId8"/>
+    <p:sldId id="273" r:id="rId9"/>
+    <p:sldId id="280" r:id="rId10"/>
+    <p:sldId id="274" r:id="rId11"/>
+    <p:sldId id="281" r:id="rId12"/>
+    <p:sldId id="275" r:id="rId13"/>
+    <p:sldId id="276" r:id="rId14"/>
+    <p:sldId id="269" r:id="rId15"/>
+    <p:sldId id="260" r:id="rId16"/>
+    <p:sldId id="271" r:id="rId17"/>
+    <p:sldId id="266" r:id="rId18"/>
+    <p:sldId id="270" r:id="rId19"/>
+    <p:sldId id="277" r:id="rId20"/>
+    <p:sldId id="267" r:id="rId21"/>
+    <p:sldId id="278" r:id="rId22"/>
   </p:sldIdLst>
   <p:sldSz cx="9144000" cy="6858000" type="screen4x3"/>
   <p:notesSz cx="6858000" cy="9144000"/>
@@ -123,7 +126,7 @@
   </p:defaultTextStyle>
   <p:extLst>
     <p:ext uri="{EFAFB233-063F-42B5-8137-9DF3F51BA10A}">
-      <p15:sldGuideLst xmlns="" xmlns:p15="http://schemas.microsoft.com/office/powerpoint/2012/main">
+      <p15:sldGuideLst xmlns:p15="http://schemas.microsoft.com/office/powerpoint/2012/main">
         <p15:guide id="1" orient="horz" pos="2160">
           <p15:clr>
             <a:srgbClr val="A4A3A4"/>
@@ -312,7 +315,7 @@
             <a:fld id="{9B6EE121-CB7E-4D05-ABB7-08C1DEB5D2E2}" type="datetimeFigureOut">
               <a:rPr lang="en-US" smtClean="0"/>
               <a:pPr/>
-              <a:t>8/9/2021</a:t>
+              <a:t>8/10/2021</a:t>
             </a:fld>
             <a:endParaRPr lang="en-US"/>
           </a:p>
@@ -478,7 +481,7 @@
             <a:fld id="{9B6EE121-CB7E-4D05-ABB7-08C1DEB5D2E2}" type="datetimeFigureOut">
               <a:rPr lang="en-US" smtClean="0"/>
               <a:pPr/>
-              <a:t>8/9/2021</a:t>
+              <a:t>8/10/2021</a:t>
             </a:fld>
             <a:endParaRPr lang="en-US"/>
           </a:p>
@@ -654,7 +657,7 @@
             <a:fld id="{9B6EE121-CB7E-4D05-ABB7-08C1DEB5D2E2}" type="datetimeFigureOut">
               <a:rPr lang="en-US" smtClean="0"/>
               <a:pPr/>
-              <a:t>8/9/2021</a:t>
+              <a:t>8/10/2021</a:t>
             </a:fld>
             <a:endParaRPr lang="en-US"/>
           </a:p>
@@ -820,7 +823,7 @@
             <a:fld id="{9B6EE121-CB7E-4D05-ABB7-08C1DEB5D2E2}" type="datetimeFigureOut">
               <a:rPr lang="en-US" smtClean="0"/>
               <a:pPr/>
-              <a:t>8/9/2021</a:t>
+              <a:t>8/10/2021</a:t>
             </a:fld>
             <a:endParaRPr lang="en-US"/>
           </a:p>
@@ -1063,7 +1066,7 @@
             <a:fld id="{9B6EE121-CB7E-4D05-ABB7-08C1DEB5D2E2}" type="datetimeFigureOut">
               <a:rPr lang="en-US" smtClean="0"/>
               <a:pPr/>
-              <a:t>8/9/2021</a:t>
+              <a:t>8/10/2021</a:t>
             </a:fld>
             <a:endParaRPr lang="en-US"/>
           </a:p>
@@ -1328,7 +1331,7 @@
             <a:fld id="{9B6EE121-CB7E-4D05-ABB7-08C1DEB5D2E2}" type="datetimeFigureOut">
               <a:rPr lang="en-US" smtClean="0"/>
               <a:pPr/>
-              <a:t>8/9/2021</a:t>
+              <a:t>8/10/2021</a:t>
             </a:fld>
             <a:endParaRPr lang="en-US"/>
           </a:p>
@@ -1707,7 +1710,7 @@
             <a:fld id="{9B6EE121-CB7E-4D05-ABB7-08C1DEB5D2E2}" type="datetimeFigureOut">
               <a:rPr lang="en-US" smtClean="0"/>
               <a:pPr/>
-              <a:t>8/9/2021</a:t>
+              <a:t>8/10/2021</a:t>
             </a:fld>
             <a:endParaRPr lang="en-US"/>
           </a:p>
@@ -1858,7 +1861,7 @@
             <a:fld id="{9B6EE121-CB7E-4D05-ABB7-08C1DEB5D2E2}" type="datetimeFigureOut">
               <a:rPr lang="en-US" smtClean="0"/>
               <a:pPr/>
-              <a:t>8/9/2021</a:t>
+              <a:t>8/10/2021</a:t>
             </a:fld>
             <a:endParaRPr lang="en-US"/>
           </a:p>
@@ -1950,7 +1953,7 @@
             <a:fld id="{9B6EE121-CB7E-4D05-ABB7-08C1DEB5D2E2}" type="datetimeFigureOut">
               <a:rPr lang="en-US" smtClean="0"/>
               <a:pPr/>
-              <a:t>8/9/2021</a:t>
+              <a:t>8/10/2021</a:t>
             </a:fld>
             <a:endParaRPr lang="en-US"/>
           </a:p>
@@ -2212,7 +2215,7 @@
             <a:fld id="{9B6EE121-CB7E-4D05-ABB7-08C1DEB5D2E2}" type="datetimeFigureOut">
               <a:rPr lang="en-US" smtClean="0"/>
               <a:pPr/>
-              <a:t>8/9/2021</a:t>
+              <a:t>8/10/2021</a:t>
             </a:fld>
             <a:endParaRPr lang="en-US"/>
           </a:p>
@@ -2501,7 +2504,7 @@
             <a:fld id="{9B6EE121-CB7E-4D05-ABB7-08C1DEB5D2E2}" type="datetimeFigureOut">
               <a:rPr lang="en-US" smtClean="0"/>
               <a:pPr/>
-              <a:t>8/9/2021</a:t>
+              <a:t>8/10/2021</a:t>
             </a:fld>
             <a:endParaRPr lang="en-US"/>
           </a:p>
@@ -3272,7 +3275,7 @@
             <a:fld id="{9B6EE121-CB7E-4D05-ABB7-08C1DEB5D2E2}" type="datetimeFigureOut">
               <a:rPr lang="en-US" smtClean="0"/>
               <a:pPr/>
-              <a:t>8/9/2021</a:t>
+              <a:t>8/10/2021</a:t>
             </a:fld>
             <a:endParaRPr lang="en-US"/>
           </a:p>
@@ -4057,7 +4060,15 @@
                 <a:cs typeface="Arial" pitchFamily="34" charset="0"/>
                 <a:hlinkClick r:id="rId2"/>
               </a:rPr>
-              <a:t>Link to Notebook</a:t>
+              <a:t>Link to </a:t>
+            </a:r>
+            <a:r>
+              <a:rPr lang="en-US" sz="2400" dirty="0">
+                <a:latin typeface="Arial" pitchFamily="34" charset="0"/>
+                <a:cs typeface="Arial" pitchFamily="34" charset="0"/>
+                <a:hlinkClick r:id="rId3"/>
+              </a:rPr>
+              <a:t>Project</a:t>
             </a:r>
             <a:endParaRPr lang="en-US" sz="2400" dirty="0">
               <a:solidFill>
@@ -4081,7 +4092,7 @@
           <p:nvPr/>
         </p:nvPicPr>
         <p:blipFill>
-          <a:blip r:embed="rId3" cstate="print">
+          <a:blip r:embed="rId4" cstate="print">
             <a:extLst>
               <a:ext uri="{28A0092B-C50C-407E-A947-70E740481C1C}">
                 <a14:useLocalDpi xmlns:a14="http://schemas.microsoft.com/office/drawing/2010/main" val="0"/>
@@ -4145,7 +4156,7 @@
           <p:nvPr/>
         </p:nvPicPr>
         <p:blipFill>
-          <a:blip r:embed="rId4" cstate="print">
+          <a:blip r:embed="rId5" cstate="print">
             <a:extLst>
               <a:ext uri="{28A0092B-C50C-407E-A947-70E740481C1C}">
                 <a14:useLocalDpi xmlns:a14="http://schemas.microsoft.com/office/drawing/2010/main" val="0"/>
@@ -4210,13 +4221,6 @@
   <p:clrMapOvr>
     <a:masterClrMapping/>
   </p:clrMapOvr>
-  <p:timing>
-    <p:tnLst>
-      <p:par>
-        <p:cTn id="1" dur="indefinite" restart="never" nodeType="tmRoot"/>
-      </p:par>
-    </p:tnLst>
-  </p:timing>
 </p:sld>
 </file>
 
@@ -4247,32 +4251,741 @@
             <p:ph type="title"/>
           </p:nvPr>
         </p:nvSpPr>
+        <p:spPr/>
+        <p:txBody>
+          <a:bodyPr>
+            <a:normAutofit/>
+          </a:bodyPr>
+          <a:lstStyle/>
+          <a:p>
+            <a:pPr algn="ctr"/>
+            <a:r>
+              <a:rPr lang="en-US" sz="4000" dirty="0">
+                <a:latin typeface="Arial" pitchFamily="34" charset="0"/>
+                <a:cs typeface="Arial" pitchFamily="34" charset="0"/>
+              </a:rPr>
+              <a:t>Feature Selection - Lasso</a:t>
+            </a:r>
+            <a:endParaRPr lang="en-US" sz="4000" dirty="0"/>
+          </a:p>
+        </p:txBody>
+      </p:sp>
+      <p:sp>
+        <p:nvSpPr>
+          <p:cNvPr id="3" name="Content Placeholder 2"/>
+          <p:cNvSpPr>
+            <a:spLocks noGrp="1"/>
+          </p:cNvSpPr>
+          <p:nvPr>
+            <p:ph idx="1"/>
+          </p:nvPr>
+        </p:nvSpPr>
+        <p:spPr/>
+        <p:txBody>
+          <a:bodyPr>
+            <a:normAutofit/>
+          </a:bodyPr>
+          <a:lstStyle/>
+          <a:p>
+            <a:pPr marL="393192" lvl="1" indent="0">
+              <a:buNone/>
+            </a:pPr>
+            <a:r>
+              <a:rPr lang="en-US" sz="1800" dirty="0">
+                <a:latin typeface="Arial" pitchFamily="34" charset="0"/>
+                <a:cs typeface="Arial" pitchFamily="34" charset="0"/>
+              </a:rPr>
+              <a:t>3. </a:t>
+            </a:r>
+            <a:r>
+              <a:rPr lang="en-US" sz="1800" dirty="0">
+                <a:highlight>
+                  <a:srgbClr val="FFFF00"/>
+                </a:highlight>
+                <a:latin typeface="Arial" pitchFamily="34" charset="0"/>
+                <a:cs typeface="Arial" pitchFamily="34" charset="0"/>
+              </a:rPr>
+              <a:t>Lasso regression</a:t>
+            </a:r>
+          </a:p>
+          <a:p>
+            <a:pPr marL="393192" lvl="1" indent="0">
+              <a:buNone/>
+            </a:pPr>
+            <a:r>
+              <a:rPr lang="en-US" sz="1400" dirty="0">
+                <a:solidFill>
+                  <a:srgbClr val="212121"/>
+                </a:solidFill>
+                <a:latin typeface="Roboto" panose="02000000000000000000" pitchFamily="2" charset="0"/>
+              </a:rPr>
+              <a:t>Purpose: t</a:t>
+            </a:r>
+            <a:r>
+              <a:rPr lang="en-US" sz="1400" b="0" i="0" dirty="0">
+                <a:solidFill>
+                  <a:srgbClr val="212121"/>
+                </a:solidFill>
+                <a:effectLst/>
+                <a:latin typeface="Roboto" panose="02000000000000000000" pitchFamily="2" charset="0"/>
+              </a:rPr>
+              <a:t>o see the features coefficients and drop all the features with close to 0 coefficients.</a:t>
+            </a:r>
+          </a:p>
+          <a:p>
+            <a:pPr marL="393192" lvl="1" indent="0">
+              <a:buNone/>
+            </a:pPr>
+            <a:r>
+              <a:rPr lang="en-US" sz="1400" dirty="0">
+                <a:solidFill>
+                  <a:srgbClr val="212121"/>
+                </a:solidFill>
+                <a:latin typeface="Roboto" panose="02000000000000000000" pitchFamily="2" charset="0"/>
+                <a:cs typeface="Arial" pitchFamily="34" charset="0"/>
+              </a:rPr>
+              <a:t>Eliminated (</a:t>
+            </a:r>
+            <a:r>
+              <a:rPr lang="en-US" sz="1400" dirty="0" err="1">
+                <a:solidFill>
+                  <a:srgbClr val="212121"/>
+                </a:solidFill>
+                <a:latin typeface="Roboto" panose="02000000000000000000" pitchFamily="2" charset="0"/>
+                <a:cs typeface="Arial" pitchFamily="34" charset="0"/>
+              </a:rPr>
+              <a:t>model_coef</a:t>
+            </a:r>
+            <a:r>
+              <a:rPr lang="en-US" sz="1400" dirty="0">
+                <a:solidFill>
+                  <a:srgbClr val="212121"/>
+                </a:solidFill>
+                <a:latin typeface="Roboto" panose="02000000000000000000" pitchFamily="2" charset="0"/>
+                <a:cs typeface="Arial" pitchFamily="34" charset="0"/>
+              </a:rPr>
+              <a:t> == 0): 8 variables:</a:t>
+            </a:r>
+            <a:endParaRPr lang="en-US" sz="1800" dirty="0">
+              <a:latin typeface="Arial" pitchFamily="34" charset="0"/>
+              <a:cs typeface="Arial" pitchFamily="34" charset="0"/>
+            </a:endParaRPr>
+          </a:p>
+        </p:txBody>
+      </p:sp>
+      <p:pic>
+        <p:nvPicPr>
+          <p:cNvPr id="4" name="Picture 3"/>
+          <p:cNvPicPr>
+            <a:picLocks noChangeAspect="1" noChangeArrowheads="1"/>
+          </p:cNvPicPr>
+          <p:nvPr/>
+        </p:nvPicPr>
+        <p:blipFill>
+          <a:blip r:embed="rId2" cstate="print">
+            <a:extLst>
+              <a:ext uri="{28A0092B-C50C-407E-A947-70E740481C1C}">
+                <a14:useLocalDpi xmlns:a14="http://schemas.microsoft.com/office/drawing/2010/main" val="0"/>
+              </a:ext>
+            </a:extLst>
+          </a:blip>
+          <a:srcRect/>
+          <a:stretch>
+            <a:fillRect/>
+          </a:stretch>
+        </p:blipFill>
+        <p:spPr bwMode="auto">
+          <a:xfrm>
+            <a:off x="7524328" y="116632"/>
+            <a:ext cx="1497269" cy="1173536"/>
+          </a:xfrm>
+          <a:prstGeom prst="rect">
+            <a:avLst/>
+          </a:prstGeom>
+          <a:noFill/>
+          <a:ln>
+            <a:noFill/>
+          </a:ln>
+          <a:effectLst/>
+          <a:extLst>
+            <a:ext uri="{909E8E84-426E-40DD-AFC4-6F175D3DCCD1}">
+              <a14:hiddenFill xmlns:a14="http://schemas.microsoft.com/office/drawing/2010/main">
+                <a:solidFill>
+                  <a:schemeClr val="accent1"/>
+                </a:solidFill>
+              </a14:hiddenFill>
+            </a:ext>
+            <a:ext uri="{91240B29-F687-4F45-9708-019B960494DF}">
+              <a14:hiddenLine xmlns:a14="http://schemas.microsoft.com/office/drawing/2010/main" w="9525">
+                <a:solidFill>
+                  <a:schemeClr val="tx1"/>
+                </a:solidFill>
+                <a:miter lim="800000"/>
+                <a:headEnd/>
+                <a:tailEnd/>
+              </a14:hiddenLine>
+            </a:ext>
+            <a:ext uri="{AF507438-7753-43E0-B8FC-AC1667EBCBE1}">
+              <a14:hiddenEffects xmlns:a14="http://schemas.microsoft.com/office/drawing/2010/main">
+                <a:effectLst>
+                  <a:outerShdw dist="35921" dir="2700000" algn="ctr" rotWithShape="0">
+                    <a:schemeClr val="bg2"/>
+                  </a:outerShdw>
+                </a:effectLst>
+              </a14:hiddenEffects>
+            </a:ext>
+          </a:extLst>
+        </p:spPr>
+      </p:pic>
+      <p:sp>
+        <p:nvSpPr>
+          <p:cNvPr id="7" name="TextBox 6">
+            <a:extLst>
+              <a:ext uri="{FF2B5EF4-FFF2-40B4-BE49-F238E27FC236}">
+                <a16:creationId xmlns:a16="http://schemas.microsoft.com/office/drawing/2014/main" id="{E1342EB5-21BF-44B9-BF1A-91F82B01F49D}"/>
+              </a:ext>
+            </a:extLst>
+          </p:cNvPr>
+          <p:cNvSpPr txBox="1"/>
+          <p:nvPr/>
+        </p:nvSpPr>
         <p:spPr>
           <a:xfrm>
-            <a:off x="467544" y="332656"/>
+            <a:off x="179512" y="6324600"/>
+            <a:ext cx="4581524" cy="369332"/>
+          </a:xfrm>
+          <a:prstGeom prst="rect">
+            <a:avLst/>
+          </a:prstGeom>
+          <a:noFill/>
+        </p:spPr>
+        <p:txBody>
+          <a:bodyPr wrap="square">
+            <a:spAutoFit/>
+          </a:bodyPr>
+          <a:lstStyle/>
+          <a:p>
+            <a:pPr lvl="1"/>
+            <a:r>
+              <a:rPr lang="en-US" sz="1800" dirty="0">
+                <a:latin typeface="Arial" pitchFamily="34" charset="0"/>
+                <a:cs typeface="Arial" pitchFamily="34" charset="0"/>
+              </a:rPr>
+              <a:t>Train RMSE: 1.95, Test RMSE: 1.92</a:t>
+            </a:r>
+          </a:p>
+        </p:txBody>
+      </p:sp>
+      <p:pic>
+        <p:nvPicPr>
+          <p:cNvPr id="8" name="Picture 7" descr="Text&#10;&#10;Description automatically generated with low confidence">
+            <a:extLst>
+              <a:ext uri="{FF2B5EF4-FFF2-40B4-BE49-F238E27FC236}">
+                <a16:creationId xmlns:a16="http://schemas.microsoft.com/office/drawing/2014/main" id="{B1FE20F0-A2CD-4F55-86FF-13A3FA28FB6D}"/>
+              </a:ext>
+            </a:extLst>
+          </p:cNvPr>
+          <p:cNvPicPr>
+            <a:picLocks noChangeAspect="1"/>
+          </p:cNvPicPr>
+          <p:nvPr/>
+        </p:nvPicPr>
+        <p:blipFill>
+          <a:blip r:embed="rId3"/>
+          <a:stretch>
+            <a:fillRect/>
+          </a:stretch>
+        </p:blipFill>
+        <p:spPr>
+          <a:xfrm>
+            <a:off x="1395933" y="2975120"/>
+            <a:ext cx="3176067" cy="3274805"/>
+          </a:xfrm>
+          <a:prstGeom prst="rect">
+            <a:avLst/>
+          </a:prstGeom>
+        </p:spPr>
+      </p:pic>
+      <p:sp>
+        <p:nvSpPr>
+          <p:cNvPr id="9" name="Rectangle 8">
+            <a:extLst>
+              <a:ext uri="{FF2B5EF4-FFF2-40B4-BE49-F238E27FC236}">
+                <a16:creationId xmlns:a16="http://schemas.microsoft.com/office/drawing/2014/main" id="{EB88B295-18E1-4BA6-BD81-77ED96503E6D}"/>
+              </a:ext>
+            </a:extLst>
+          </p:cNvPr>
+          <p:cNvSpPr/>
+          <p:nvPr/>
+        </p:nvSpPr>
+        <p:spPr>
+          <a:xfrm>
+            <a:off x="1395932" y="4221088"/>
+            <a:ext cx="3176067" cy="1224136"/>
+          </a:xfrm>
+          <a:prstGeom prst="rect">
+            <a:avLst/>
+          </a:prstGeom>
+          <a:noFill/>
+        </p:spPr>
+        <p:style>
+          <a:lnRef idx="2">
+            <a:schemeClr val="accent1">
+              <a:shade val="50000"/>
+            </a:schemeClr>
+          </a:lnRef>
+          <a:fillRef idx="1">
+            <a:schemeClr val="accent1"/>
+          </a:fillRef>
+          <a:effectRef idx="0">
+            <a:schemeClr val="accent1"/>
+          </a:effectRef>
+          <a:fontRef idx="minor">
+            <a:schemeClr val="lt1"/>
+          </a:fontRef>
+        </p:style>
+        <p:txBody>
+          <a:bodyPr rtlCol="0" anchor="ctr"/>
+          <a:lstStyle/>
+          <a:p>
+            <a:pPr algn="ctr"/>
+            <a:endParaRPr lang="en-IL">
+              <a:noFill/>
+            </a:endParaRPr>
+          </a:p>
+        </p:txBody>
+      </p:sp>
+    </p:spTree>
+    <p:extLst>
+      <p:ext uri="{BB962C8B-B14F-4D97-AF65-F5344CB8AC3E}">
+        <p14:creationId xmlns:p14="http://schemas.microsoft.com/office/powerpoint/2010/main" val="3070569939"/>
+      </p:ext>
+    </p:extLst>
+  </p:cSld>
+  <p:clrMapOvr>
+    <a:masterClrMapping/>
+  </p:clrMapOvr>
+</p:sld>
+</file>
+
+<file path=ppt/slides/slide11.xml><?xml version="1.0" encoding="utf-8"?>
+<p:sld xmlns:a="http://schemas.openxmlformats.org/drawingml/2006/main" xmlns:r="http://schemas.openxmlformats.org/officeDocument/2006/relationships" xmlns:p="http://schemas.openxmlformats.org/presentationml/2006/main">
+  <p:cSld>
+    <p:spTree>
+      <p:nvGrpSpPr>
+        <p:cNvPr id="1" name=""/>
+        <p:cNvGrpSpPr/>
+        <p:nvPr/>
+      </p:nvGrpSpPr>
+      <p:grpSpPr>
+        <a:xfrm>
+          <a:off x="0" y="0"/>
+          <a:ext cx="0" cy="0"/>
+          <a:chOff x="0" y="0"/>
+          <a:chExt cx="0" cy="0"/>
+        </a:xfrm>
+      </p:grpSpPr>
+      <p:sp>
+        <p:nvSpPr>
+          <p:cNvPr id="2" name="Title 1"/>
+          <p:cNvSpPr>
+            <a:spLocks noGrp="1"/>
+          </p:cNvSpPr>
+          <p:nvPr>
+            <p:ph type="title"/>
+          </p:nvPr>
+        </p:nvSpPr>
+        <p:spPr>
+          <a:xfrm>
+            <a:off x="395536" y="1041324"/>
             <a:ext cx="8229600" cy="1143000"/>
           </a:xfrm>
         </p:spPr>
         <p:txBody>
           <a:bodyPr>
+            <a:normAutofit fontScale="90000"/>
+          </a:bodyPr>
+          <a:lstStyle/>
+          <a:p>
+            <a:pPr algn="ctr"/>
+            <a:r>
+              <a:rPr lang="en-US" sz="4000" dirty="0">
+                <a:latin typeface="Arial" pitchFamily="34" charset="0"/>
+                <a:cs typeface="Arial" pitchFamily="34" charset="0"/>
+              </a:rPr>
+              <a:t>Feature Selection - Decision Tree - Feature Importance</a:t>
+            </a:r>
+            <a:endParaRPr lang="en-US" sz="4000" dirty="0"/>
+          </a:p>
+        </p:txBody>
+      </p:sp>
+      <p:sp>
+        <p:nvSpPr>
+          <p:cNvPr id="3" name="Content Placeholder 2"/>
+          <p:cNvSpPr>
+            <a:spLocks noGrp="1"/>
+          </p:cNvSpPr>
+          <p:nvPr>
+            <p:ph idx="1"/>
+          </p:nvPr>
+        </p:nvSpPr>
+        <p:spPr/>
+        <p:txBody>
+          <a:bodyPr>
             <a:normAutofit/>
           </a:bodyPr>
           <a:lstStyle/>
           <a:p>
+            <a:pPr marL="393192" lvl="1" indent="0">
+              <a:buNone/>
+            </a:pPr>
+            <a:endParaRPr lang="en-US" sz="1800" dirty="0">
+              <a:latin typeface="Arial" pitchFamily="34" charset="0"/>
+              <a:cs typeface="Arial" pitchFamily="34" charset="0"/>
+            </a:endParaRPr>
+          </a:p>
+          <a:p>
+            <a:pPr marL="393192" lvl="1" indent="0">
+              <a:buNone/>
+            </a:pPr>
+            <a:r>
+              <a:rPr lang="en-US" sz="1800" dirty="0">
+                <a:latin typeface="Arial" pitchFamily="34" charset="0"/>
+                <a:cs typeface="Arial" pitchFamily="34" charset="0"/>
+              </a:rPr>
+              <a:t>4. </a:t>
+            </a:r>
+            <a:r>
+              <a:rPr lang="en-US" sz="1800" dirty="0">
+                <a:highlight>
+                  <a:srgbClr val="FFFF00"/>
+                </a:highlight>
+                <a:latin typeface="Arial" pitchFamily="34" charset="0"/>
+                <a:cs typeface="Arial" pitchFamily="34" charset="0"/>
+              </a:rPr>
+              <a:t>Feature Importance</a:t>
+            </a:r>
+          </a:p>
+          <a:p>
+            <a:pPr marL="393192" lvl="1" indent="0">
+              <a:buNone/>
+            </a:pPr>
+            <a:endParaRPr lang="en-US" sz="1800" dirty="0">
+              <a:highlight>
+                <a:srgbClr val="FFFF00"/>
+              </a:highlight>
+              <a:latin typeface="Arial" pitchFamily="34" charset="0"/>
+              <a:cs typeface="Arial" pitchFamily="34" charset="0"/>
+            </a:endParaRPr>
+          </a:p>
+        </p:txBody>
+      </p:sp>
+      <p:pic>
+        <p:nvPicPr>
+          <p:cNvPr id="4" name="Picture 3"/>
+          <p:cNvPicPr>
+            <a:picLocks noChangeAspect="1" noChangeArrowheads="1"/>
+          </p:cNvPicPr>
+          <p:nvPr/>
+        </p:nvPicPr>
+        <p:blipFill>
+          <a:blip r:embed="rId2" cstate="print">
+            <a:extLst>
+              <a:ext uri="{28A0092B-C50C-407E-A947-70E740481C1C}">
+                <a14:useLocalDpi xmlns:a14="http://schemas.microsoft.com/office/drawing/2010/main" val="0"/>
+              </a:ext>
+            </a:extLst>
+          </a:blip>
+          <a:srcRect/>
+          <a:stretch>
+            <a:fillRect/>
+          </a:stretch>
+        </p:blipFill>
+        <p:spPr bwMode="auto">
+          <a:xfrm>
+            <a:off x="7524328" y="116632"/>
+            <a:ext cx="1497269" cy="1173536"/>
+          </a:xfrm>
+          <a:prstGeom prst="rect">
+            <a:avLst/>
+          </a:prstGeom>
+          <a:noFill/>
+          <a:ln>
+            <a:noFill/>
+          </a:ln>
+          <a:effectLst/>
+          <a:extLst>
+            <a:ext uri="{909E8E84-426E-40DD-AFC4-6F175D3DCCD1}">
+              <a14:hiddenFill xmlns:a14="http://schemas.microsoft.com/office/drawing/2010/main">
+                <a:solidFill>
+                  <a:schemeClr val="accent1"/>
+                </a:solidFill>
+              </a14:hiddenFill>
+            </a:ext>
+            <a:ext uri="{91240B29-F687-4F45-9708-019B960494DF}">
+              <a14:hiddenLine xmlns:a14="http://schemas.microsoft.com/office/drawing/2010/main" w="9525">
+                <a:solidFill>
+                  <a:schemeClr val="tx1"/>
+                </a:solidFill>
+                <a:miter lim="800000"/>
+                <a:headEnd/>
+                <a:tailEnd/>
+              </a14:hiddenLine>
+            </a:ext>
+            <a:ext uri="{AF507438-7753-43E0-B8FC-AC1667EBCBE1}">
+              <a14:hiddenEffects xmlns:a14="http://schemas.microsoft.com/office/drawing/2010/main">
+                <a:effectLst>
+                  <a:outerShdw dist="35921" dir="2700000" algn="ctr" rotWithShape="0">
+                    <a:schemeClr val="bg2"/>
+                  </a:outerShdw>
+                </a:effectLst>
+              </a14:hiddenEffects>
+            </a:ext>
+          </a:extLst>
+        </p:spPr>
+      </p:pic>
+      <p:pic>
+        <p:nvPicPr>
+          <p:cNvPr id="6" name="Picture 5" descr="Text, table&#10;&#10;Description automatically generated with medium confidence">
+            <a:extLst>
+              <a:ext uri="{FF2B5EF4-FFF2-40B4-BE49-F238E27FC236}">
+                <a16:creationId xmlns:a16="http://schemas.microsoft.com/office/drawing/2014/main" id="{2AC3FC4D-7174-46BF-A1DE-B6E0D18AAA66}"/>
+              </a:ext>
+            </a:extLst>
+          </p:cNvPr>
+          <p:cNvPicPr>
+            <a:picLocks noChangeAspect="1"/>
+          </p:cNvPicPr>
+          <p:nvPr/>
+        </p:nvPicPr>
+        <p:blipFill>
+          <a:blip r:embed="rId3"/>
+          <a:stretch>
+            <a:fillRect/>
+          </a:stretch>
+        </p:blipFill>
+        <p:spPr>
+          <a:xfrm>
+            <a:off x="3779912" y="2357239"/>
+            <a:ext cx="3457575" cy="3943350"/>
+          </a:xfrm>
+          <a:prstGeom prst="rect">
+            <a:avLst/>
+          </a:prstGeom>
+        </p:spPr>
+      </p:pic>
+      <p:sp>
+        <p:nvSpPr>
+          <p:cNvPr id="10" name="Rectangle 9">
+            <a:extLst>
+              <a:ext uri="{FF2B5EF4-FFF2-40B4-BE49-F238E27FC236}">
+                <a16:creationId xmlns:a16="http://schemas.microsoft.com/office/drawing/2014/main" id="{94CB755D-B075-4E9F-B289-7AE8F5E5498B}"/>
+              </a:ext>
+            </a:extLst>
+          </p:cNvPr>
+          <p:cNvSpPr/>
+          <p:nvPr/>
+        </p:nvSpPr>
+        <p:spPr>
+          <a:xfrm>
+            <a:off x="3842395" y="2366764"/>
+            <a:ext cx="432048" cy="207665"/>
+          </a:xfrm>
+          <a:prstGeom prst="rect">
+            <a:avLst/>
+          </a:prstGeom>
+          <a:noFill/>
+        </p:spPr>
+        <p:style>
+          <a:lnRef idx="2">
+            <a:schemeClr val="accent1">
+              <a:shade val="50000"/>
+            </a:schemeClr>
+          </a:lnRef>
+          <a:fillRef idx="1">
+            <a:schemeClr val="accent1"/>
+          </a:fillRef>
+          <a:effectRef idx="0">
+            <a:schemeClr val="accent1"/>
+          </a:effectRef>
+          <a:fontRef idx="minor">
+            <a:schemeClr val="lt1"/>
+          </a:fontRef>
+        </p:style>
+        <p:txBody>
+          <a:bodyPr rtlCol="0" anchor="ctr"/>
+          <a:lstStyle/>
+          <a:p>
             <a:pPr algn="ctr"/>
-            <a:r>
+            <a:endParaRPr lang="en-IL"/>
+          </a:p>
+        </p:txBody>
+      </p:sp>
+      <p:sp>
+        <p:nvSpPr>
+          <p:cNvPr id="11" name="Rectangle 10">
+            <a:extLst>
+              <a:ext uri="{FF2B5EF4-FFF2-40B4-BE49-F238E27FC236}">
+                <a16:creationId xmlns:a16="http://schemas.microsoft.com/office/drawing/2014/main" id="{ED661777-30ED-4DC8-8FFA-60D09C6F9467}"/>
+              </a:ext>
+            </a:extLst>
+          </p:cNvPr>
+          <p:cNvSpPr/>
+          <p:nvPr/>
+        </p:nvSpPr>
+        <p:spPr>
+          <a:xfrm>
+            <a:off x="3851920" y="2738578"/>
+            <a:ext cx="1296144" cy="207665"/>
+          </a:xfrm>
+          <a:prstGeom prst="rect">
+            <a:avLst/>
+          </a:prstGeom>
+          <a:noFill/>
+        </p:spPr>
+        <p:style>
+          <a:lnRef idx="2">
+            <a:schemeClr val="accent1">
+              <a:shade val="50000"/>
+            </a:schemeClr>
+          </a:lnRef>
+          <a:fillRef idx="1">
+            <a:schemeClr val="accent1"/>
+          </a:fillRef>
+          <a:effectRef idx="0">
+            <a:schemeClr val="accent1"/>
+          </a:effectRef>
+          <a:fontRef idx="minor">
+            <a:schemeClr val="lt1"/>
+          </a:fontRef>
+        </p:style>
+        <p:txBody>
+          <a:bodyPr rtlCol="0" anchor="ctr"/>
+          <a:lstStyle/>
+          <a:p>
+            <a:pPr algn="ctr"/>
+            <a:endParaRPr lang="en-IL"/>
+          </a:p>
+        </p:txBody>
+      </p:sp>
+      <p:sp>
+        <p:nvSpPr>
+          <p:cNvPr id="12" name="Rectangle 11">
+            <a:extLst>
+              <a:ext uri="{FF2B5EF4-FFF2-40B4-BE49-F238E27FC236}">
+                <a16:creationId xmlns:a16="http://schemas.microsoft.com/office/drawing/2014/main" id="{87D28AAE-AC10-413A-8191-E458FD635142}"/>
+              </a:ext>
+            </a:extLst>
+          </p:cNvPr>
+          <p:cNvSpPr/>
+          <p:nvPr/>
+        </p:nvSpPr>
+        <p:spPr>
+          <a:xfrm>
+            <a:off x="3870970" y="5996670"/>
+            <a:ext cx="1277094" cy="239324"/>
+          </a:xfrm>
+          <a:prstGeom prst="rect">
+            <a:avLst/>
+          </a:prstGeom>
+          <a:noFill/>
+        </p:spPr>
+        <p:style>
+          <a:lnRef idx="2">
+            <a:schemeClr val="accent1">
+              <a:shade val="50000"/>
+            </a:schemeClr>
+          </a:lnRef>
+          <a:fillRef idx="1">
+            <a:schemeClr val="accent1"/>
+          </a:fillRef>
+          <a:effectRef idx="0">
+            <a:schemeClr val="accent1"/>
+          </a:effectRef>
+          <a:fontRef idx="minor">
+            <a:schemeClr val="lt1"/>
+          </a:fontRef>
+        </p:style>
+        <p:txBody>
+          <a:bodyPr rtlCol="0" anchor="ctr"/>
+          <a:lstStyle/>
+          <a:p>
+            <a:pPr algn="ctr"/>
+            <a:endParaRPr lang="en-IL"/>
+          </a:p>
+        </p:txBody>
+      </p:sp>
+    </p:spTree>
+    <p:extLst>
+      <p:ext uri="{BB962C8B-B14F-4D97-AF65-F5344CB8AC3E}">
+        <p14:creationId xmlns:p14="http://schemas.microsoft.com/office/powerpoint/2010/main" val="2280841852"/>
+      </p:ext>
+    </p:extLst>
+  </p:cSld>
+  <p:clrMapOvr>
+    <a:masterClrMapping/>
+  </p:clrMapOvr>
+</p:sld>
+</file>
+
+<file path=ppt/slides/slide12.xml><?xml version="1.0" encoding="utf-8"?>
+<p:sld xmlns:a="http://schemas.openxmlformats.org/drawingml/2006/main" xmlns:r="http://schemas.openxmlformats.org/officeDocument/2006/relationships" xmlns:p="http://schemas.openxmlformats.org/presentationml/2006/main">
+  <p:cSld>
+    <p:spTree>
+      <p:nvGrpSpPr>
+        <p:cNvPr id="1" name=""/>
+        <p:cNvGrpSpPr/>
+        <p:nvPr/>
+      </p:nvGrpSpPr>
+      <p:grpSpPr>
+        <a:xfrm>
+          <a:off x="0" y="0"/>
+          <a:ext cx="0" cy="0"/>
+          <a:chOff x="0" y="0"/>
+          <a:chExt cx="0" cy="0"/>
+        </a:xfrm>
+      </p:grpSpPr>
+      <p:sp>
+        <p:nvSpPr>
+          <p:cNvPr id="2" name="Title 1"/>
+          <p:cNvSpPr>
+            <a:spLocks noGrp="1"/>
+          </p:cNvSpPr>
+          <p:nvPr>
+            <p:ph type="title"/>
+          </p:nvPr>
+        </p:nvSpPr>
+        <p:spPr>
+          <a:xfrm>
+            <a:off x="374848" y="650640"/>
+            <a:ext cx="8229600" cy="1143000"/>
+          </a:xfrm>
+        </p:spPr>
+        <p:txBody>
+          <a:bodyPr>
+            <a:normAutofit fontScale="90000"/>
+          </a:bodyPr>
+          <a:lstStyle/>
+          <a:p>
+            <a:pPr algn="ctr"/>
+            <a:br>
               <a:rPr lang="en-US" sz="4000" dirty="0">
                 <a:latin typeface="Arial" pitchFamily="34" charset="0"/>
                 <a:cs typeface="Arial" pitchFamily="34" charset="0"/>
               </a:rPr>
-              <a:t>Feature Selection </a:t>
-            </a:r>
-            <a:r>
-              <a:rPr lang="en-US" sz="4000" dirty="0" smtClean="0">
-                <a:latin typeface="Arial" pitchFamily="34" charset="0"/>
-                <a:cs typeface="Arial" pitchFamily="34" charset="0"/>
-              </a:rPr>
-              <a:t>(4)</a:t>
+            </a:br>
+            <a:br>
+              <a:rPr lang="en-US" sz="4000" dirty="0">
+                <a:latin typeface="Arial" pitchFamily="34" charset="0"/>
+                <a:cs typeface="Arial" pitchFamily="34" charset="0"/>
+              </a:rPr>
+            </a:br>
+            <a:r>
+              <a:rPr lang="en-US" sz="4000" dirty="0">
+                <a:latin typeface="Arial" pitchFamily="34" charset="0"/>
+                <a:cs typeface="Arial" pitchFamily="34" charset="0"/>
+              </a:rPr>
+              <a:t>Feature Selection - SHAP values (1)</a:t>
             </a:r>
             <a:endParaRPr lang="en-US" sz="4000" dirty="0"/>
           </a:p>
@@ -4290,7 +5003,7 @@
         </p:nvSpPr>
         <p:spPr>
           <a:xfrm>
-            <a:off x="548865" y="1628800"/>
+            <a:off x="457200" y="1922955"/>
             <a:ext cx="8229600" cy="4389120"/>
           </a:xfrm>
         </p:spPr>
@@ -4300,22 +5013,380 @@
           </a:bodyPr>
           <a:lstStyle/>
           <a:p>
-            <a:r>
-              <a:rPr lang="en-US" sz="1800" dirty="0" smtClean="0">
-                <a:latin typeface="Arial" pitchFamily="34" charset="0"/>
-                <a:cs typeface="Arial" pitchFamily="34" charset="0"/>
-              </a:rPr>
-              <a:t>SHAP values – When we drop ‘Country’ column </a:t>
-            </a:r>
-            <a:r>
-              <a:rPr lang="en-US" sz="1800" b="1" dirty="0" smtClean="0">
+            <a:pPr marL="0" indent="0">
+              <a:buNone/>
+            </a:pPr>
+            <a:r>
+              <a:rPr lang="en-US" sz="1800" dirty="0">
+                <a:latin typeface="Arial" pitchFamily="34" charset="0"/>
+                <a:cs typeface="Arial" pitchFamily="34" charset="0"/>
+              </a:rPr>
+              <a:t>5. </a:t>
+            </a:r>
+            <a:r>
+              <a:rPr lang="en-US" sz="1800" dirty="0">
+                <a:highlight>
+                  <a:srgbClr val="FFFF00"/>
+                </a:highlight>
+                <a:latin typeface="Arial" pitchFamily="34" charset="0"/>
+                <a:cs typeface="Arial" pitchFamily="34" charset="0"/>
+              </a:rPr>
+              <a:t>SHAP values</a:t>
+            </a:r>
+            <a:r>
+              <a:rPr lang="en-US" sz="1800" dirty="0">
+                <a:latin typeface="Arial" pitchFamily="34" charset="0"/>
+                <a:cs typeface="Arial" pitchFamily="34" charset="0"/>
+              </a:rPr>
+              <a:t> (</a:t>
+            </a:r>
+            <a:r>
+              <a:rPr lang="en-US" sz="1800" dirty="0" err="1">
+                <a:latin typeface="Arial" pitchFamily="34" charset="0"/>
+                <a:cs typeface="Arial" pitchFamily="34" charset="0"/>
+              </a:rPr>
+              <a:t>SHapley</a:t>
+            </a:r>
+            <a:r>
+              <a:rPr lang="en-US" sz="1800" dirty="0">
+                <a:latin typeface="Arial" pitchFamily="34" charset="0"/>
+                <a:cs typeface="Arial" pitchFamily="34" charset="0"/>
+              </a:rPr>
+              <a:t> Additive </a:t>
+            </a:r>
+            <a:r>
+              <a:rPr lang="en-US" sz="1800" dirty="0" err="1">
+                <a:latin typeface="Arial" pitchFamily="34" charset="0"/>
+                <a:cs typeface="Arial" pitchFamily="34" charset="0"/>
+              </a:rPr>
+              <a:t>exPlanations</a:t>
+            </a:r>
+            <a:r>
+              <a:rPr lang="en-US" sz="1800" dirty="0">
+                <a:latin typeface="Arial" pitchFamily="34" charset="0"/>
+                <a:cs typeface="Arial" pitchFamily="34" charset="0"/>
+              </a:rPr>
+              <a:t>) is a </a:t>
+            </a:r>
+            <a:r>
+              <a:rPr lang="en-US" sz="1800" b="1" dirty="0">
+                <a:latin typeface="Arial" pitchFamily="34" charset="0"/>
+                <a:cs typeface="Arial" pitchFamily="34" charset="0"/>
+              </a:rPr>
+              <a:t>unified approach to explain the output of any machine learning model</a:t>
+            </a:r>
+            <a:r>
+              <a:rPr lang="en-US" sz="1800" dirty="0">
+                <a:latin typeface="Arial" pitchFamily="34" charset="0"/>
+                <a:cs typeface="Arial" pitchFamily="34" charset="0"/>
+              </a:rPr>
+              <a:t>.</a:t>
+            </a:r>
+          </a:p>
+          <a:p>
+            <a:r>
+              <a:rPr lang="en-US" sz="2000" dirty="0">
+                <a:hlinkClick r:id="rId2"/>
+              </a:rPr>
+              <a:t>https://towardsdatascience.com/explain-your-model-with-the-shap-values-bc36aac4de3d</a:t>
+            </a:r>
+            <a:endParaRPr lang="en-US" sz="2000" dirty="0"/>
+          </a:p>
+          <a:p>
+            <a:endParaRPr lang="en-US" sz="2000" dirty="0"/>
+          </a:p>
+          <a:p>
+            <a:pPr marL="0" indent="0">
+              <a:buNone/>
+            </a:pPr>
+            <a:endParaRPr lang="en-GB" sz="2000" dirty="0">
+              <a:latin typeface="Arial" pitchFamily="34" charset="0"/>
+              <a:cs typeface="Arial" pitchFamily="34" charset="0"/>
+            </a:endParaRPr>
+          </a:p>
+          <a:p>
+            <a:pPr marL="0" indent="0">
+              <a:buNone/>
+            </a:pPr>
+            <a:endParaRPr lang="en-US" sz="2000" dirty="0">
+              <a:latin typeface="Arial" pitchFamily="34" charset="0"/>
+              <a:cs typeface="Arial" pitchFamily="34" charset="0"/>
+            </a:endParaRPr>
+          </a:p>
+        </p:txBody>
+      </p:sp>
+      <p:pic>
+        <p:nvPicPr>
+          <p:cNvPr id="2050" name="Picture 2"/>
+          <p:cNvPicPr>
+            <a:picLocks noChangeAspect="1" noChangeArrowheads="1"/>
+          </p:cNvPicPr>
+          <p:nvPr/>
+        </p:nvPicPr>
+        <p:blipFill>
+          <a:blip r:embed="rId3">
+            <a:extLst>
+              <a:ext uri="{28A0092B-C50C-407E-A947-70E740481C1C}">
+                <a14:useLocalDpi xmlns:a14="http://schemas.microsoft.com/office/drawing/2010/main" val="0"/>
+              </a:ext>
+            </a:extLst>
+          </a:blip>
+          <a:srcRect/>
+          <a:stretch>
+            <a:fillRect/>
+          </a:stretch>
+        </p:blipFill>
+        <p:spPr bwMode="auto">
+          <a:xfrm>
+            <a:off x="601216" y="3651147"/>
+            <a:ext cx="3584451" cy="3109296"/>
+          </a:xfrm>
+          <a:prstGeom prst="rect">
+            <a:avLst/>
+          </a:prstGeom>
+          <a:noFill/>
+          <a:ln>
+            <a:noFill/>
+          </a:ln>
+          <a:effectLst/>
+          <a:extLst>
+            <a:ext uri="{909E8E84-426E-40DD-AFC4-6F175D3DCCD1}">
+              <a14:hiddenFill xmlns:a14="http://schemas.microsoft.com/office/drawing/2010/main">
+                <a:solidFill>
+                  <a:schemeClr val="accent1"/>
+                </a:solidFill>
+              </a14:hiddenFill>
+            </a:ext>
+            <a:ext uri="{91240B29-F687-4F45-9708-019B960494DF}">
+              <a14:hiddenLine xmlns:a14="http://schemas.microsoft.com/office/drawing/2010/main" w="9525">
+                <a:solidFill>
+                  <a:schemeClr val="tx1"/>
+                </a:solidFill>
+                <a:miter lim="800000"/>
+                <a:headEnd/>
+                <a:tailEnd/>
+              </a14:hiddenLine>
+            </a:ext>
+            <a:ext uri="{AF507438-7753-43E0-B8FC-AC1667EBCBE1}">
+              <a14:hiddenEffects xmlns:a14="http://schemas.microsoft.com/office/drawing/2010/main">
+                <a:effectLst>
+                  <a:outerShdw dist="35921" dir="2700000" algn="ctr" rotWithShape="0">
+                    <a:schemeClr val="bg2"/>
+                  </a:outerShdw>
+                </a:effectLst>
+              </a14:hiddenEffects>
+            </a:ext>
+          </a:extLst>
+        </p:spPr>
+      </p:pic>
+      <p:pic>
+        <p:nvPicPr>
+          <p:cNvPr id="2051" name="Picture 3"/>
+          <p:cNvPicPr>
+            <a:picLocks noChangeAspect="1" noChangeArrowheads="1"/>
+          </p:cNvPicPr>
+          <p:nvPr/>
+        </p:nvPicPr>
+        <p:blipFill>
+          <a:blip r:embed="rId4">
+            <a:extLst>
+              <a:ext uri="{28A0092B-C50C-407E-A947-70E740481C1C}">
+                <a14:useLocalDpi xmlns:a14="http://schemas.microsoft.com/office/drawing/2010/main" val="0"/>
+              </a:ext>
+            </a:extLst>
+          </a:blip>
+          <a:srcRect/>
+          <a:stretch>
+            <a:fillRect/>
+          </a:stretch>
+        </p:blipFill>
+        <p:spPr bwMode="auto">
+          <a:xfrm>
+            <a:off x="4489648" y="3440112"/>
+            <a:ext cx="4483025" cy="3320331"/>
+          </a:xfrm>
+          <a:prstGeom prst="rect">
+            <a:avLst/>
+          </a:prstGeom>
+          <a:noFill/>
+          <a:ln>
+            <a:noFill/>
+          </a:ln>
+          <a:effectLst/>
+          <a:extLst>
+            <a:ext uri="{909E8E84-426E-40DD-AFC4-6F175D3DCCD1}">
+              <a14:hiddenFill xmlns:a14="http://schemas.microsoft.com/office/drawing/2010/main">
+                <a:solidFill>
+                  <a:schemeClr val="accent1"/>
+                </a:solidFill>
+              </a14:hiddenFill>
+            </a:ext>
+            <a:ext uri="{91240B29-F687-4F45-9708-019B960494DF}">
+              <a14:hiddenLine xmlns:a14="http://schemas.microsoft.com/office/drawing/2010/main" w="9525">
+                <a:solidFill>
+                  <a:schemeClr val="tx1"/>
+                </a:solidFill>
+                <a:miter lim="800000"/>
+                <a:headEnd/>
+                <a:tailEnd/>
+              </a14:hiddenLine>
+            </a:ext>
+            <a:ext uri="{AF507438-7753-43E0-B8FC-AC1667EBCBE1}">
+              <a14:hiddenEffects xmlns:a14="http://schemas.microsoft.com/office/drawing/2010/main">
+                <a:effectLst>
+                  <a:outerShdw dist="35921" dir="2700000" algn="ctr" rotWithShape="0">
+                    <a:schemeClr val="bg2"/>
+                  </a:outerShdw>
+                </a:effectLst>
+              </a14:hiddenEffects>
+            </a:ext>
+          </a:extLst>
+        </p:spPr>
+      </p:pic>
+      <p:pic>
+        <p:nvPicPr>
+          <p:cNvPr id="6" name="Picture 5">
+            <a:extLst>
+              <a:ext uri="{FF2B5EF4-FFF2-40B4-BE49-F238E27FC236}">
+                <a16:creationId xmlns:a16="http://schemas.microsoft.com/office/drawing/2014/main" id="{66C0FB50-0985-40CA-8E20-2EB42D81C16A}"/>
+              </a:ext>
+            </a:extLst>
+          </p:cNvPr>
+          <p:cNvPicPr>
+            <a:picLocks noChangeAspect="1" noChangeArrowheads="1"/>
+          </p:cNvPicPr>
+          <p:nvPr/>
+        </p:nvPicPr>
+        <p:blipFill>
+          <a:blip r:embed="rId5" cstate="print">
+            <a:extLst>
+              <a:ext uri="{28A0092B-C50C-407E-A947-70E740481C1C}">
+                <a14:useLocalDpi xmlns:a14="http://schemas.microsoft.com/office/drawing/2010/main" val="0"/>
+              </a:ext>
+            </a:extLst>
+          </a:blip>
+          <a:srcRect/>
+          <a:stretch>
+            <a:fillRect/>
+          </a:stretch>
+        </p:blipFill>
+        <p:spPr bwMode="auto">
+          <a:xfrm>
+            <a:off x="7524328" y="116632"/>
+            <a:ext cx="1497269" cy="1173536"/>
+          </a:xfrm>
+          <a:prstGeom prst="rect">
+            <a:avLst/>
+          </a:prstGeom>
+          <a:noFill/>
+          <a:ln>
+            <a:noFill/>
+          </a:ln>
+          <a:effectLst/>
+          <a:extLst>
+            <a:ext uri="{909E8E84-426E-40DD-AFC4-6F175D3DCCD1}">
+              <a14:hiddenFill xmlns:a14="http://schemas.microsoft.com/office/drawing/2010/main">
+                <a:solidFill>
+                  <a:schemeClr val="accent1"/>
+                </a:solidFill>
+              </a14:hiddenFill>
+            </a:ext>
+            <a:ext uri="{91240B29-F687-4F45-9708-019B960494DF}">
+              <a14:hiddenLine xmlns:a14="http://schemas.microsoft.com/office/drawing/2010/main" w="9525">
+                <a:solidFill>
+                  <a:schemeClr val="tx1"/>
+                </a:solidFill>
+                <a:miter lim="800000"/>
+                <a:headEnd/>
+                <a:tailEnd/>
+              </a14:hiddenLine>
+            </a:ext>
+            <a:ext uri="{AF507438-7753-43E0-B8FC-AC1667EBCBE1}">
+              <a14:hiddenEffects xmlns:a14="http://schemas.microsoft.com/office/drawing/2010/main">
+                <a:effectLst>
+                  <a:outerShdw dist="35921" dir="2700000" algn="ctr" rotWithShape="0">
+                    <a:schemeClr val="bg2"/>
+                  </a:outerShdw>
+                </a:effectLst>
+              </a14:hiddenEffects>
+            </a:ext>
+          </a:extLst>
+        </p:spPr>
+      </p:pic>
+    </p:spTree>
+    <p:extLst>
+      <p:ext uri="{BB962C8B-B14F-4D97-AF65-F5344CB8AC3E}">
+        <p14:creationId xmlns:p14="http://schemas.microsoft.com/office/powerpoint/2010/main" val="3738416810"/>
+      </p:ext>
+    </p:extLst>
+  </p:cSld>
+  <p:clrMapOvr>
+    <a:masterClrMapping/>
+  </p:clrMapOvr>
+</p:sld>
+</file>
+
+<file path=ppt/slides/slide13.xml><?xml version="1.0" encoding="utf-8"?>
+<p:sld xmlns:a="http://schemas.openxmlformats.org/drawingml/2006/main" xmlns:r="http://schemas.openxmlformats.org/officeDocument/2006/relationships" xmlns:p="http://schemas.openxmlformats.org/presentationml/2006/main">
+  <p:cSld>
+    <p:spTree>
+      <p:nvGrpSpPr>
+        <p:cNvPr id="1" name=""/>
+        <p:cNvGrpSpPr/>
+        <p:nvPr/>
+      </p:nvGrpSpPr>
+      <p:grpSpPr>
+        <a:xfrm>
+          <a:off x="0" y="0"/>
+          <a:ext cx="0" cy="0"/>
+          <a:chOff x="0" y="0"/>
+          <a:chExt cx="0" cy="0"/>
+        </a:xfrm>
+      </p:grpSpPr>
+      <p:sp>
+        <p:nvSpPr>
+          <p:cNvPr id="3" name="Content Placeholder 2"/>
+          <p:cNvSpPr>
+            <a:spLocks noGrp="1"/>
+          </p:cNvSpPr>
+          <p:nvPr>
+            <p:ph idx="1"/>
+          </p:nvPr>
+        </p:nvSpPr>
+        <p:spPr>
+          <a:xfrm>
+            <a:off x="548865" y="1844824"/>
+            <a:ext cx="8229600" cy="4173096"/>
+          </a:xfrm>
+        </p:spPr>
+        <p:txBody>
+          <a:bodyPr>
+            <a:normAutofit/>
+          </a:bodyPr>
+          <a:lstStyle/>
+          <a:p>
+            <a:endParaRPr lang="en-US" sz="1800" dirty="0">
+              <a:latin typeface="Arial" pitchFamily="34" charset="0"/>
+              <a:cs typeface="Arial" pitchFamily="34" charset="0"/>
+            </a:endParaRPr>
+          </a:p>
+          <a:p>
+            <a:r>
+              <a:rPr lang="en-US" sz="1800" dirty="0">
+                <a:latin typeface="Arial" pitchFamily="34" charset="0"/>
+                <a:cs typeface="Arial" pitchFamily="34" charset="0"/>
+              </a:rPr>
+              <a:t>SHAP values - when we drop ‘Country’ column </a:t>
+            </a:r>
+            <a:r>
+              <a:rPr lang="en-US" sz="1800" b="1" dirty="0">
                 <a:latin typeface="Arial" pitchFamily="34" charset="0"/>
                 <a:cs typeface="Arial" pitchFamily="34" charset="0"/>
               </a:rPr>
               <a:t>without</a:t>
             </a:r>
             <a:r>
-              <a:rPr lang="en-US" sz="1800" dirty="0" smtClean="0">
+              <a:rPr lang="en-US" sz="1800" dirty="0">
                 <a:latin typeface="Arial" pitchFamily="34" charset="0"/>
                 <a:cs typeface="Arial" pitchFamily="34" charset="0"/>
               </a:rPr>
@@ -4323,7 +5394,7 @@
             </a:r>
           </a:p>
           <a:p>
-            <a:endParaRPr lang="en-US" sz="1800" dirty="0" smtClean="0">
+            <a:endParaRPr lang="en-US" sz="1800" dirty="0">
               <a:latin typeface="Arial" pitchFamily="34" charset="0"/>
               <a:cs typeface="Arial" pitchFamily="34" charset="0"/>
             </a:endParaRPr>
@@ -4479,6 +5550,128 @@
           </a:extLst>
         </p:spPr>
       </p:pic>
+      <p:pic>
+        <p:nvPicPr>
+          <p:cNvPr id="6" name="Picture 5">
+            <a:extLst>
+              <a:ext uri="{FF2B5EF4-FFF2-40B4-BE49-F238E27FC236}">
+                <a16:creationId xmlns:a16="http://schemas.microsoft.com/office/drawing/2014/main" id="{399B0CF2-F349-41EC-86CD-B617833F9672}"/>
+              </a:ext>
+            </a:extLst>
+          </p:cNvPr>
+          <p:cNvPicPr>
+            <a:picLocks noChangeAspect="1" noChangeArrowheads="1"/>
+          </p:cNvPicPr>
+          <p:nvPr/>
+        </p:nvPicPr>
+        <p:blipFill>
+          <a:blip r:embed="rId4" cstate="print">
+            <a:extLst>
+              <a:ext uri="{28A0092B-C50C-407E-A947-70E740481C1C}">
+                <a14:useLocalDpi xmlns:a14="http://schemas.microsoft.com/office/drawing/2010/main" val="0"/>
+              </a:ext>
+            </a:extLst>
+          </a:blip>
+          <a:srcRect/>
+          <a:stretch>
+            <a:fillRect/>
+          </a:stretch>
+        </p:blipFill>
+        <p:spPr bwMode="auto">
+          <a:xfrm>
+            <a:off x="7524328" y="116632"/>
+            <a:ext cx="1497269" cy="1173536"/>
+          </a:xfrm>
+          <a:prstGeom prst="rect">
+            <a:avLst/>
+          </a:prstGeom>
+          <a:noFill/>
+          <a:ln>
+            <a:noFill/>
+          </a:ln>
+          <a:effectLst/>
+          <a:extLst>
+            <a:ext uri="{909E8E84-426E-40DD-AFC4-6F175D3DCCD1}">
+              <a14:hiddenFill xmlns:a14="http://schemas.microsoft.com/office/drawing/2010/main">
+                <a:solidFill>
+                  <a:schemeClr val="accent1"/>
+                </a:solidFill>
+              </a14:hiddenFill>
+            </a:ext>
+            <a:ext uri="{91240B29-F687-4F45-9708-019B960494DF}">
+              <a14:hiddenLine xmlns:a14="http://schemas.microsoft.com/office/drawing/2010/main" w="9525">
+                <a:solidFill>
+                  <a:schemeClr val="tx1"/>
+                </a:solidFill>
+                <a:miter lim="800000"/>
+                <a:headEnd/>
+                <a:tailEnd/>
+              </a14:hiddenLine>
+            </a:ext>
+            <a:ext uri="{AF507438-7753-43E0-B8FC-AC1667EBCBE1}">
+              <a14:hiddenEffects xmlns:a14="http://schemas.microsoft.com/office/drawing/2010/main">
+                <a:effectLst>
+                  <a:outerShdw dist="35921" dir="2700000" algn="ctr" rotWithShape="0">
+                    <a:schemeClr val="bg2"/>
+                  </a:outerShdw>
+                </a:effectLst>
+              </a14:hiddenEffects>
+            </a:ext>
+          </a:extLst>
+        </p:spPr>
+      </p:pic>
+      <p:sp>
+        <p:nvSpPr>
+          <p:cNvPr id="10" name="Title 1">
+            <a:extLst>
+              <a:ext uri="{FF2B5EF4-FFF2-40B4-BE49-F238E27FC236}">
+                <a16:creationId xmlns:a16="http://schemas.microsoft.com/office/drawing/2014/main" id="{985F87AE-914B-4B95-9DB6-C6A5822CC0B6}"/>
+              </a:ext>
+            </a:extLst>
+          </p:cNvPr>
+          <p:cNvSpPr>
+            <a:spLocks noGrp="1"/>
+          </p:cNvSpPr>
+          <p:nvPr>
+            <p:ph type="title"/>
+          </p:nvPr>
+        </p:nvSpPr>
+        <p:spPr>
+          <a:xfrm>
+            <a:off x="374848" y="650640"/>
+            <a:ext cx="8229600" cy="1143000"/>
+          </a:xfrm>
+        </p:spPr>
+        <p:txBody>
+          <a:bodyPr>
+            <a:normAutofit fontScale="90000"/>
+          </a:bodyPr>
+          <a:lstStyle/>
+          <a:p>
+            <a:pPr algn="ctr"/>
+            <a:br>
+              <a:rPr lang="en-US" sz="4000" dirty="0">
+                <a:latin typeface="Arial" pitchFamily="34" charset="0"/>
+                <a:cs typeface="Arial" pitchFamily="34" charset="0"/>
+              </a:rPr>
+            </a:br>
+            <a:br>
+              <a:rPr lang="en-US" sz="4000" dirty="0">
+                <a:latin typeface="Arial" pitchFamily="34" charset="0"/>
+                <a:cs typeface="Arial" pitchFamily="34" charset="0"/>
+              </a:rPr>
+            </a:br>
+            <a:r>
+              <a:rPr lang="en-US" sz="4000" dirty="0">
+                <a:latin typeface="Arial" pitchFamily="34" charset="0"/>
+                <a:cs typeface="Arial" pitchFamily="34" charset="0"/>
+              </a:rPr>
+              <a:t>Feature Selection - SHAP values (2)</a:t>
+            </a:r>
+            <a:endParaRPr lang="en-US" sz="4000" dirty="0"/>
+          </a:p>
+        </p:txBody>
+      </p:sp>
     </p:spTree>
     <p:extLst>
       <p:ext uri="{BB962C8B-B14F-4D97-AF65-F5344CB8AC3E}">
@@ -4489,17 +5682,10 @@
   <p:clrMapOvr>
     <a:masterClrMapping/>
   </p:clrMapOvr>
-  <p:timing>
-    <p:tnLst>
-      <p:par>
-        <p:cTn id="1" dur="indefinite" restart="never" nodeType="tmRoot"/>
-      </p:par>
-    </p:tnLst>
-  </p:timing>
 </p:sld>
 </file>
 
-<file path=ppt/slides/slide11.xml><?xml version="1.0" encoding="utf-8"?>
+<file path=ppt/slides/slide14.xml><?xml version="1.0" encoding="utf-8"?>
 <p:sld xmlns:a="http://schemas.openxmlformats.org/drawingml/2006/main" xmlns:r="http://schemas.openxmlformats.org/officeDocument/2006/relationships" xmlns:p="http://schemas.openxmlformats.org/presentationml/2006/main">
   <p:cSld>
     <p:spTree>
@@ -4539,7 +5725,7 @@
                 <a:latin typeface="Arial" pitchFamily="34" charset="0"/>
                 <a:cs typeface="Arial" pitchFamily="34" charset="0"/>
               </a:rPr>
-              <a:t>Preparing data for models</a:t>
+              <a:t>Preparing Data for Models</a:t>
             </a:r>
             <a:endParaRPr lang="en-US" sz="4000" dirty="0"/>
           </a:p>
@@ -4555,7 +5741,12 @@
             <p:ph idx="1"/>
           </p:nvPr>
         </p:nvSpPr>
-        <p:spPr/>
+        <p:spPr>
+          <a:xfrm>
+            <a:off x="457199" y="1935480"/>
+            <a:ext cx="8564397" cy="4389120"/>
+          </a:xfrm>
+        </p:spPr>
         <p:txBody>
           <a:bodyPr>
             <a:normAutofit/>
@@ -4653,21 +5844,19 @@
                 <a:latin typeface="Arial" pitchFamily="34" charset="0"/>
                 <a:cs typeface="Arial" pitchFamily="34" charset="0"/>
               </a:rPr>
-              <a:t>Thoughts to combine Country into </a:t>
-            </a:r>
-            <a:r>
-              <a:rPr lang="en-US" sz="2000" dirty="0" smtClean="0">
-                <a:latin typeface="Arial" pitchFamily="34" charset="0"/>
-                <a:cs typeface="Arial" pitchFamily="34" charset="0"/>
-              </a:rPr>
-              <a:t>sub-groups </a:t>
-            </a:r>
+              <a:t>Tried the additive smoothing approach (“smooth” the average by including the overall average) - didn't achieve significant difference </a:t>
+            </a:r>
+          </a:p>
+          <a:p>
+            <a:pPr marL="736092" lvl="1" indent="-342900">
+              <a:buAutoNum type="arabicPeriod"/>
+            </a:pPr>
             <a:r>
               <a:rPr lang="en-US" sz="2000" dirty="0">
                 <a:latin typeface="Arial" pitchFamily="34" charset="0"/>
                 <a:cs typeface="Arial" pitchFamily="34" charset="0"/>
               </a:rPr>
-              <a:t>(by social-economic index or by continents for example)</a:t>
+              <a:t>Thoughts to combine Country into sub-groups (by social-economic index or by continents for example)</a:t>
             </a:r>
           </a:p>
         </p:txBody>
@@ -4746,17 +5935,10 @@
   <p:clrMapOvr>
     <a:masterClrMapping/>
   </p:clrMapOvr>
-  <p:timing>
-    <p:tnLst>
-      <p:par>
-        <p:cTn id="1" dur="indefinite" restart="never" nodeType="tmRoot"/>
-      </p:par>
-    </p:tnLst>
-  </p:timing>
 </p:sld>
 </file>
 
-<file path=ppt/slides/slide12.xml><?xml version="1.0" encoding="utf-8"?>
+<file path=ppt/slides/slide15.xml><?xml version="1.0" encoding="utf-8"?>
 <p:sld xmlns:a="http://schemas.openxmlformats.org/drawingml/2006/main" xmlns:r="http://schemas.openxmlformats.org/officeDocument/2006/relationships" xmlns:p="http://schemas.openxmlformats.org/presentationml/2006/main">
   <p:cSld>
     <p:spTree>
@@ -4786,7 +5968,7 @@
         <p:spPr/>
         <p:txBody>
           <a:bodyPr>
-            <a:normAutofit/>
+            <a:normAutofit fontScale="90000"/>
           </a:bodyPr>
           <a:lstStyle/>
           <a:p>
@@ -4796,7 +5978,7 @@
                 <a:latin typeface="Arial" pitchFamily="34" charset="0"/>
                 <a:cs typeface="Arial" pitchFamily="34" charset="0"/>
               </a:rPr>
-              <a:t>Using the Models and Results</a:t>
+              <a:t>Models and Results - Linear Regression</a:t>
             </a:r>
           </a:p>
         </p:txBody>
@@ -4818,36 +6000,6 @@
           </a:bodyPr>
           <a:lstStyle/>
           <a:p>
-            <a:pPr marL="274320" lvl="1" indent="-274320">
-              <a:buClr>
-                <a:schemeClr val="accent3"/>
-              </a:buClr>
-              <a:buSzPct val="95000"/>
-            </a:pPr>
-            <a:r>
-              <a:rPr lang="en-US" sz="2000" dirty="0">
-                <a:latin typeface="Arial" pitchFamily="34" charset="0"/>
-                <a:cs typeface="Arial" pitchFamily="34" charset="0"/>
-              </a:rPr>
-              <a:t>Life expectancy: </a:t>
-            </a:r>
-          </a:p>
-          <a:p>
-            <a:pPr marL="548640" lvl="2" indent="-274320">
-              <a:buClr>
-                <a:schemeClr val="accent3"/>
-              </a:buClr>
-              <a:buSzPct val="95000"/>
-            </a:pPr>
-            <a:r>
-              <a:rPr lang="en-US" sz="2000" dirty="0">
-                <a:latin typeface="Arial" pitchFamily="34" charset="0"/>
-                <a:cs typeface="Arial" pitchFamily="34" charset="0"/>
-              </a:rPr>
-              <a:t>Mean: 69.23, Std: 9.5, Min: 36.3, Median: 72.1, Max: 89.0</a:t>
-            </a:r>
-          </a:p>
-          <a:p>
             <a:pPr marL="548640" lvl="2" indent="-274320">
               <a:buClr>
                 <a:schemeClr val="accent3"/>
@@ -4861,35 +6013,6 @@
             </a:endParaRPr>
           </a:p>
           <a:p>
-            <a:pPr marL="274320" lvl="1" indent="-274320">
-              <a:buClr>
-                <a:schemeClr val="accent3"/>
-              </a:buClr>
-              <a:buSzPct val="95000"/>
-            </a:pPr>
-            <a:r>
-              <a:rPr lang="en-US" sz="2000" u="sng" dirty="0">
-                <a:latin typeface="Arial" pitchFamily="34" charset="0"/>
-                <a:cs typeface="Arial" pitchFamily="34" charset="0"/>
-              </a:rPr>
-              <a:t>1</a:t>
-            </a:r>
-            <a:r>
-              <a:rPr lang="en-US" sz="2000" u="sng" baseline="30000" dirty="0">
-                <a:latin typeface="Arial" pitchFamily="34" charset="0"/>
-                <a:cs typeface="Arial" pitchFamily="34" charset="0"/>
-              </a:rPr>
-              <a:t>st</a:t>
-            </a:r>
-            <a:r>
-              <a:rPr lang="en-US" sz="2000" u="sng" dirty="0">
-                <a:latin typeface="Arial" pitchFamily="34" charset="0"/>
-                <a:cs typeface="Arial" pitchFamily="34" charset="0"/>
-              </a:rPr>
-              <a:t> model: Linear Regression:</a:t>
-            </a:r>
-          </a:p>
-          <a:p>
             <a:pPr marL="548640" lvl="2" indent="-274320">
               <a:buClr>
                 <a:schemeClr val="accent3"/>
@@ -4927,17 +6050,10 @@
                 <a:latin typeface="Arial" pitchFamily="34" charset="0"/>
                 <a:cs typeface="Arial" pitchFamily="34" charset="0"/>
               </a:rPr>
-              <a:t>Train RMSE: </a:t>
-            </a:r>
-            <a:r>
-              <a:rPr lang="en-US" sz="2000" dirty="0" smtClean="0">
-                <a:latin typeface="Arial" pitchFamily="34" charset="0"/>
-                <a:cs typeface="Arial" pitchFamily="34" charset="0"/>
-              </a:rPr>
-              <a:t>1.99</a:t>
-            </a:r>
-            <a:r>
-              <a:rPr lang="en-US" sz="2000" dirty="0" smtClean="0"/>
+              <a:t>Train RMSE: 1.94</a:t>
+            </a:r>
+            <a:r>
+              <a:rPr lang="en-US" sz="2000" dirty="0"/>
               <a:t> </a:t>
             </a:r>
             <a:r>
@@ -4960,14 +6076,7 @@
                 <a:latin typeface="Arial" pitchFamily="34" charset="0"/>
                 <a:cs typeface="Arial" pitchFamily="34" charset="0"/>
               </a:rPr>
-              <a:t>Test RMSE: </a:t>
-            </a:r>
-            <a:r>
-              <a:rPr lang="en-US" sz="2000" dirty="0" smtClean="0">
-                <a:latin typeface="Arial" pitchFamily="34" charset="0"/>
-                <a:cs typeface="Arial" pitchFamily="34" charset="0"/>
-              </a:rPr>
-              <a:t>1.99</a:t>
+              <a:t>Test RMSE: 1.93</a:t>
             </a:r>
             <a:endParaRPr lang="en-US" sz="2000" u="sng" dirty="0">
               <a:latin typeface="Arial" pitchFamily="34" charset="0"/>
@@ -5089,6 +6198,36 @@
           </a:extLst>
         </p:spPr>
       </p:pic>
+      <p:pic>
+        <p:nvPicPr>
+          <p:cNvPr id="6" name="Picture 5" descr="Chart, scatter chart&#10;&#10;Description automatically generated">
+            <a:extLst>
+              <a:ext uri="{FF2B5EF4-FFF2-40B4-BE49-F238E27FC236}">
+                <a16:creationId xmlns:a16="http://schemas.microsoft.com/office/drawing/2014/main" id="{6DD470FD-4B16-468F-A1E7-8AFBACEC65DD}"/>
+              </a:ext>
+            </a:extLst>
+          </p:cNvPr>
+          <p:cNvPicPr>
+            <a:picLocks noChangeAspect="1"/>
+          </p:cNvPicPr>
+          <p:nvPr/>
+        </p:nvPicPr>
+        <p:blipFill>
+          <a:blip r:embed="rId3"/>
+          <a:stretch>
+            <a:fillRect/>
+          </a:stretch>
+        </p:blipFill>
+        <p:spPr>
+          <a:xfrm>
+            <a:off x="2267744" y="3645024"/>
+            <a:ext cx="4057650" cy="2867025"/>
+          </a:xfrm>
+          <a:prstGeom prst="rect">
+            <a:avLst/>
+          </a:prstGeom>
+        </p:spPr>
+      </p:pic>
     </p:spTree>
     <p:extLst>
       <p:ext uri="{BB962C8B-B14F-4D97-AF65-F5344CB8AC3E}">
@@ -5099,17 +6238,10 @@
   <p:clrMapOvr>
     <a:masterClrMapping/>
   </p:clrMapOvr>
-  <p:timing>
-    <p:tnLst>
-      <p:par>
-        <p:cTn id="1" dur="indefinite" restart="never" nodeType="tmRoot"/>
-      </p:par>
-    </p:tnLst>
-  </p:timing>
 </p:sld>
 </file>
 
-<file path=ppt/slides/slide13.xml><?xml version="1.0" encoding="utf-8"?>
+<file path=ppt/slides/slide16.xml><?xml version="1.0" encoding="utf-8"?>
 <p:sld xmlns:a="http://schemas.openxmlformats.org/drawingml/2006/main" xmlns:r="http://schemas.openxmlformats.org/officeDocument/2006/relationships" xmlns:p="http://schemas.openxmlformats.org/presentationml/2006/main">
   <p:cSld>
     <p:spTree>
@@ -5148,7 +6280,7 @@
                 <a:latin typeface="Arial" pitchFamily="34" charset="0"/>
                 <a:cs typeface="Arial" pitchFamily="34" charset="0"/>
               </a:rPr>
-              <a:t>Using the Models and Results (2)</a:t>
+              <a:t>Models and Results - Decision Tree</a:t>
             </a:r>
             <a:endParaRPr lang="en-US" sz="4000" dirty="0"/>
           </a:p>
@@ -5169,73 +6301,21 @@
           <a:bodyPr/>
           <a:lstStyle/>
           <a:p>
-            <a:r>
-              <a:rPr lang="en-US" sz="2000" u="sng" dirty="0">
-                <a:latin typeface="Arial" pitchFamily="34" charset="0"/>
-                <a:cs typeface="Arial" pitchFamily="34" charset="0"/>
-              </a:rPr>
-              <a:t>2</a:t>
-            </a:r>
-            <a:r>
-              <a:rPr lang="en-US" sz="2000" u="sng" baseline="30000" dirty="0">
-                <a:latin typeface="Arial" pitchFamily="34" charset="0"/>
-                <a:cs typeface="Arial" pitchFamily="34" charset="0"/>
-              </a:rPr>
-              <a:t>nd</a:t>
-            </a:r>
-            <a:r>
-              <a:rPr lang="en-US" sz="2000" u="sng" dirty="0">
-                <a:latin typeface="Arial" pitchFamily="34" charset="0"/>
-                <a:cs typeface="Arial" pitchFamily="34" charset="0"/>
-              </a:rPr>
-              <a:t> Model - Decision Tree </a:t>
-            </a:r>
-            <a:r>
-              <a:rPr lang="en-US" sz="2000" u="sng" dirty="0" err="1">
-                <a:latin typeface="Arial" pitchFamily="34" charset="0"/>
-                <a:cs typeface="Arial" pitchFamily="34" charset="0"/>
-              </a:rPr>
-              <a:t>Regressor</a:t>
-            </a:r>
-            <a:r>
-              <a:rPr lang="en-US" sz="2000" u="sng" dirty="0">
-                <a:latin typeface="Arial" pitchFamily="34" charset="0"/>
-                <a:cs typeface="Arial" pitchFamily="34" charset="0"/>
-              </a:rPr>
-              <a:t>:</a:t>
-            </a:r>
-            <a:r>
-              <a:rPr lang="en-US" sz="2000" dirty="0">
-                <a:latin typeface="Arial" pitchFamily="34" charset="0"/>
-                <a:cs typeface="Arial" pitchFamily="34" charset="0"/>
-              </a:rPr>
-              <a:t> </a:t>
-            </a:r>
-            <a:r>
-              <a:rPr lang="en-US" sz="2000" dirty="0" err="1">
+            <a:pPr lvl="1"/>
+            <a:r>
+              <a:rPr lang="en-US" sz="1800" dirty="0" err="1">
                 <a:latin typeface="Arial" pitchFamily="34" charset="0"/>
                 <a:cs typeface="Arial" pitchFamily="34" charset="0"/>
               </a:rPr>
               <a:t>max_leaf_nodes</a:t>
             </a:r>
             <a:r>
-              <a:rPr lang="en-US" sz="2000" dirty="0">
-                <a:latin typeface="Arial" pitchFamily="34" charset="0"/>
-                <a:cs typeface="Arial" pitchFamily="34" charset="0"/>
-              </a:rPr>
-              <a:t> = </a:t>
-            </a:r>
-            <a:r>
-              <a:rPr lang="en-US" sz="2000" dirty="0" smtClean="0">
-                <a:latin typeface="Arial" pitchFamily="34" charset="0"/>
-                <a:cs typeface="Arial" pitchFamily="34" charset="0"/>
-              </a:rPr>
-              <a:t>10</a:t>
-            </a:r>
-            <a:endParaRPr lang="en-US" sz="2000" dirty="0">
-              <a:latin typeface="Arial" pitchFamily="34" charset="0"/>
-              <a:cs typeface="Arial" pitchFamily="34" charset="0"/>
-            </a:endParaRPr>
+              <a:rPr lang="en-US" sz="1800" dirty="0">
+                <a:latin typeface="Arial" pitchFamily="34" charset="0"/>
+                <a:cs typeface="Arial" pitchFamily="34" charset="0"/>
+              </a:rPr>
+              <a:t> = 10</a:t>
+            </a:r>
           </a:p>
           <a:p>
             <a:pPr lvl="1"/>
@@ -5244,61 +6324,18 @@
                 <a:latin typeface="Arial" pitchFamily="34" charset="0"/>
                 <a:cs typeface="Arial" pitchFamily="34" charset="0"/>
               </a:rPr>
-              <a:t>Train RMSE: </a:t>
-            </a:r>
-            <a:r>
-              <a:rPr lang="en-US" sz="1800" dirty="0" smtClean="0">
-                <a:latin typeface="Arial" pitchFamily="34" charset="0"/>
-                <a:cs typeface="Arial" pitchFamily="34" charset="0"/>
-              </a:rPr>
-              <a:t>2.54, </a:t>
-            </a:r>
+              <a:t>Train RMSE: 2.54, Test RMSE: 2.67</a:t>
+            </a:r>
+          </a:p>
+          <a:p>
+            <a:pPr lvl="1"/>
             <a:r>
               <a:rPr lang="en-US" sz="1800" dirty="0">
                 <a:latin typeface="Arial" pitchFamily="34" charset="0"/>
                 <a:cs typeface="Arial" pitchFamily="34" charset="0"/>
               </a:rPr>
-              <a:t>Test RMSE: </a:t>
-            </a:r>
-            <a:r>
-              <a:rPr lang="en-US" sz="1800" dirty="0" smtClean="0">
-                <a:latin typeface="Arial" pitchFamily="34" charset="0"/>
-                <a:cs typeface="Arial" pitchFamily="34" charset="0"/>
-              </a:rPr>
-              <a:t>2.67</a:t>
-            </a:r>
-            <a:endParaRPr lang="en-US" sz="1800" dirty="0">
-              <a:latin typeface="Arial" pitchFamily="34" charset="0"/>
-              <a:cs typeface="Arial" pitchFamily="34" charset="0"/>
-            </a:endParaRPr>
-          </a:p>
-          <a:p>
-            <a:pPr lvl="1"/>
-            <a:r>
-              <a:rPr lang="en-US" sz="1800" dirty="0">
-                <a:latin typeface="Arial" pitchFamily="34" charset="0"/>
-                <a:cs typeface="Arial" pitchFamily="34" charset="0"/>
-              </a:rPr>
-              <a:t>Feature </a:t>
-            </a:r>
-            <a:r>
-              <a:rPr lang="en-US" sz="1800" dirty="0" err="1">
-                <a:latin typeface="Arial" pitchFamily="34" charset="0"/>
-                <a:cs typeface="Arial" pitchFamily="34" charset="0"/>
-              </a:rPr>
-              <a:t>importances</a:t>
-            </a:r>
-            <a:r>
-              <a:rPr lang="en-US" sz="1800" dirty="0">
-                <a:latin typeface="Arial" pitchFamily="34" charset="0"/>
-                <a:cs typeface="Arial" pitchFamily="34" charset="0"/>
-              </a:rPr>
-              <a:t>: </a:t>
-            </a:r>
-            <a:endParaRPr lang="en-US" sz="1800" dirty="0" smtClean="0">
-              <a:latin typeface="Arial" pitchFamily="34" charset="0"/>
-              <a:cs typeface="Arial" pitchFamily="34" charset="0"/>
-            </a:endParaRPr>
+              <a:t>Feature importance: </a:t>
+            </a:r>
           </a:p>
           <a:p>
             <a:pPr marL="393192" lvl="1" indent="0">
@@ -5309,61 +6346,8 @@
                 <a:latin typeface="Arial" pitchFamily="34" charset="0"/>
                 <a:cs typeface="Arial" pitchFamily="34" charset="0"/>
               </a:rPr>
-              <a:t> </a:t>
-            </a:r>
-            <a:r>
-              <a:rPr lang="en-US" sz="1800" dirty="0" smtClean="0">
-                <a:latin typeface="Arial" pitchFamily="34" charset="0"/>
-                <a:cs typeface="Arial" pitchFamily="34" charset="0"/>
-              </a:rPr>
-              <a:t>   Country </a:t>
-            </a:r>
-            <a:r>
-              <a:rPr lang="en-US" sz="1800" dirty="0">
-                <a:latin typeface="Arial" pitchFamily="34" charset="0"/>
-                <a:cs typeface="Arial" pitchFamily="34" charset="0"/>
-              </a:rPr>
-              <a:t>Encoded: </a:t>
-            </a:r>
-            <a:r>
-              <a:rPr lang="en-US" sz="1800" dirty="0" smtClean="0">
-                <a:latin typeface="Arial" pitchFamily="34" charset="0"/>
-                <a:cs typeface="Arial" pitchFamily="34" charset="0"/>
-              </a:rPr>
-              <a:t>0.974, Year </a:t>
-            </a:r>
-            <a:r>
-              <a:rPr lang="en-US" sz="1800" dirty="0">
-                <a:latin typeface="Arial" pitchFamily="34" charset="0"/>
-                <a:cs typeface="Arial" pitchFamily="34" charset="0"/>
-              </a:rPr>
-              <a:t>: </a:t>
-            </a:r>
-            <a:r>
-              <a:rPr lang="en-US" sz="1800" dirty="0" smtClean="0">
-                <a:latin typeface="Arial" pitchFamily="34" charset="0"/>
-                <a:cs typeface="Arial" pitchFamily="34" charset="0"/>
-              </a:rPr>
-              <a:t>0.015, </a:t>
-            </a:r>
-            <a:r>
-              <a:rPr lang="en-US" sz="1800" dirty="0">
-                <a:latin typeface="Arial" pitchFamily="34" charset="0"/>
-                <a:cs typeface="Arial" pitchFamily="34" charset="0"/>
-              </a:rPr>
-              <a:t>Adult </a:t>
-            </a:r>
-            <a:r>
-              <a:rPr lang="en-US" sz="1800" dirty="0" smtClean="0">
-                <a:latin typeface="Arial" pitchFamily="34" charset="0"/>
-                <a:cs typeface="Arial" pitchFamily="34" charset="0"/>
-              </a:rPr>
-              <a:t>Mortality: 0.011</a:t>
-            </a:r>
-            <a:endParaRPr lang="en-US" sz="1800" dirty="0">
-              <a:latin typeface="Arial" pitchFamily="34" charset="0"/>
-              <a:cs typeface="Arial" pitchFamily="34" charset="0"/>
-            </a:endParaRPr>
+              <a:t>    Country Encoded: 0.974, Year : 0.015, Adult Mortality: 0.011</a:t>
+            </a:r>
           </a:p>
           <a:p>
             <a:pPr lvl="1">
@@ -5402,8 +6386,78 @@
         </p:blipFill>
         <p:spPr bwMode="auto">
           <a:xfrm>
-            <a:off x="1043608" y="3645024"/>
-            <a:ext cx="7200800" cy="2883891"/>
+            <a:off x="504217" y="3429000"/>
+            <a:ext cx="7740191" cy="3099915"/>
+          </a:xfrm>
+          <a:prstGeom prst="rect">
+            <a:avLst/>
+          </a:prstGeom>
+          <a:noFill/>
+          <a:ln>
+            <a:noFill/>
+          </a:ln>
+          <a:effectLst/>
+          <a:extLst>
+            <a:ext uri="{909E8E84-426E-40DD-AFC4-6F175D3DCCD1}">
+              <a14:hiddenFill xmlns:a14="http://schemas.microsoft.com/office/drawing/2010/main">
+                <a:solidFill>
+                  <a:schemeClr val="accent1"/>
+                </a:solidFill>
+              </a14:hiddenFill>
+            </a:ext>
+            <a:ext uri="{91240B29-F687-4F45-9708-019B960494DF}">
+              <a14:hiddenLine xmlns:a14="http://schemas.microsoft.com/office/drawing/2010/main" w="9525">
+                <a:solidFill>
+                  <a:schemeClr val="tx1"/>
+                </a:solidFill>
+                <a:miter lim="800000"/>
+                <a:headEnd/>
+                <a:tailEnd/>
+              </a14:hiddenLine>
+            </a:ext>
+            <a:ext uri="{AF507438-7753-43E0-B8FC-AC1667EBCBE1}">
+              <a14:hiddenEffects xmlns:a14="http://schemas.microsoft.com/office/drawing/2010/main">
+                <a:effectLst>
+                  <a:outerShdw dist="35921" dir="2700000" algn="ctr" rotWithShape="0">
+                    <a:schemeClr val="bg2"/>
+                  </a:outerShdw>
+                </a:effectLst>
+              </a14:hiddenEffects>
+            </a:ext>
+          </a:extLst>
+        </p:spPr>
+      </p:pic>
+      <p:pic>
+        <p:nvPicPr>
+          <p:cNvPr id="5" name="Picture 4">
+            <a:extLst>
+              <a:ext uri="{FF2B5EF4-FFF2-40B4-BE49-F238E27FC236}">
+                <a16:creationId xmlns:a16="http://schemas.microsoft.com/office/drawing/2014/main" id="{81241192-9354-4A8C-B344-E6B1E17D88E0}"/>
+              </a:ext>
+            </a:extLst>
+          </p:cNvPr>
+          <p:cNvPicPr>
+            <a:picLocks noChangeAspect="1" noChangeArrowheads="1"/>
+          </p:cNvPicPr>
+          <p:nvPr/>
+        </p:nvPicPr>
+        <p:blipFill>
+          <a:blip r:embed="rId3" cstate="print">
+            <a:extLst>
+              <a:ext uri="{28A0092B-C50C-407E-A947-70E740481C1C}">
+                <a14:useLocalDpi xmlns:a14="http://schemas.microsoft.com/office/drawing/2010/main" val="0"/>
+              </a:ext>
+            </a:extLst>
+          </a:blip>
+          <a:srcRect/>
+          <a:stretch>
+            <a:fillRect/>
+          </a:stretch>
+        </p:blipFill>
+        <p:spPr bwMode="auto">
+          <a:xfrm>
+            <a:off x="7524328" y="116632"/>
+            <a:ext cx="1497269" cy="1173536"/>
           </a:xfrm>
           <a:prstGeom prst="rect">
             <a:avLst/>
@@ -5448,17 +6502,10 @@
   <p:clrMapOvr>
     <a:masterClrMapping/>
   </p:clrMapOvr>
-  <p:timing>
-    <p:tnLst>
-      <p:par>
-        <p:cTn id="1" dur="indefinite" restart="never" nodeType="tmRoot"/>
-      </p:par>
-    </p:tnLst>
-  </p:timing>
 </p:sld>
 </file>
 
-<file path=ppt/slides/slide14.xml><?xml version="1.0" encoding="utf-8"?>
+<file path=ppt/slides/slide17.xml><?xml version="1.0" encoding="utf-8"?>
 <p:sld xmlns:a="http://schemas.openxmlformats.org/drawingml/2006/main" xmlns:r="http://schemas.openxmlformats.org/officeDocument/2006/relationships" xmlns:p="http://schemas.openxmlformats.org/presentationml/2006/main">
   <p:cSld>
     <p:spTree>
@@ -5498,7 +6545,7 @@
                 <a:latin typeface="Arial" pitchFamily="34" charset="0"/>
                 <a:cs typeface="Arial" pitchFamily="34" charset="0"/>
               </a:rPr>
-              <a:t>Using the Models and Results (3)</a:t>
+              <a:t>Models and Results - KNN</a:t>
             </a:r>
             <a:endParaRPr lang="en-US" sz="4000" dirty="0"/>
           </a:p>
@@ -5521,173 +6568,51 @@
           </a:bodyPr>
           <a:lstStyle/>
           <a:p>
-            <a:r>
-              <a:rPr lang="en-US" sz="2000" u="sng" dirty="0">
-                <a:latin typeface="Arial" pitchFamily="34" charset="0"/>
-                <a:cs typeface="Arial" pitchFamily="34" charset="0"/>
-              </a:rPr>
-              <a:t>3</a:t>
-            </a:r>
-            <a:r>
-              <a:rPr lang="en-US" sz="2000" u="sng" baseline="30000" dirty="0">
-                <a:latin typeface="Arial" pitchFamily="34" charset="0"/>
-                <a:cs typeface="Arial" pitchFamily="34" charset="0"/>
-              </a:rPr>
-              <a:t>rd</a:t>
-            </a:r>
-            <a:r>
-              <a:rPr lang="en-US" sz="2000" u="sng" dirty="0">
-                <a:latin typeface="Arial" pitchFamily="34" charset="0"/>
-                <a:cs typeface="Arial" pitchFamily="34" charset="0"/>
-              </a:rPr>
-              <a:t> Model - K-Nearest Neighbors </a:t>
-            </a:r>
-            <a:r>
-              <a:rPr lang="en-US" sz="2000" u="sng" dirty="0" err="1">
-                <a:latin typeface="Arial" pitchFamily="34" charset="0"/>
-                <a:cs typeface="Arial" pitchFamily="34" charset="0"/>
-              </a:rPr>
-              <a:t>Regressor</a:t>
-            </a:r>
-            <a:r>
-              <a:rPr lang="en-US" sz="2000" u="sng" dirty="0">
-                <a:latin typeface="Arial" pitchFamily="34" charset="0"/>
-                <a:cs typeface="Arial" pitchFamily="34" charset="0"/>
-              </a:rPr>
-              <a:t>:</a:t>
-            </a:r>
-          </a:p>
-          <a:p>
             <a:pPr lvl="1"/>
             <a:r>
-              <a:rPr lang="en-US" sz="2000" dirty="0" smtClean="0">
-                <a:latin typeface="Arial" pitchFamily="34" charset="0"/>
-                <a:cs typeface="Arial" pitchFamily="34" charset="0"/>
-              </a:rPr>
-              <a:t>We ran </a:t>
-            </a:r>
-            <a:r>
               <a:rPr lang="en-US" sz="2000" dirty="0">
                 <a:latin typeface="Arial" pitchFamily="34" charset="0"/>
                 <a:cs typeface="Arial" pitchFamily="34" charset="0"/>
               </a:rPr>
-              <a:t>KNN model with different number of neighbors </a:t>
-            </a:r>
-            <a:r>
-              <a:rPr lang="en-US" sz="2000" dirty="0" smtClean="0">
-                <a:latin typeface="Arial" pitchFamily="34" charset="0"/>
-                <a:cs typeface="Arial" pitchFamily="34" charset="0"/>
-              </a:rPr>
-              <a:t>(1 </a:t>
+              <a:t>We ran KNN model with different number of neighbors (1 to 20) and compared the RMSE results. Best results: </a:t>
+            </a:r>
+          </a:p>
+          <a:p>
+            <a:pPr lvl="1"/>
+            <a:r>
+              <a:rPr lang="en-US" sz="2000" dirty="0" err="1">
+                <a:latin typeface="Arial" pitchFamily="34" charset="0"/>
+                <a:cs typeface="Arial" pitchFamily="34" charset="0"/>
+              </a:rPr>
+              <a:t>n_neighbors</a:t>
             </a:r>
             <a:r>
               <a:rPr lang="en-US" sz="2000" dirty="0">
                 <a:latin typeface="Arial" pitchFamily="34" charset="0"/>
                 <a:cs typeface="Arial" pitchFamily="34" charset="0"/>
               </a:rPr>
-              <a:t>to </a:t>
-            </a:r>
-            <a:r>
-              <a:rPr lang="en-US" sz="2000" dirty="0" smtClean="0">
-                <a:latin typeface="Arial" pitchFamily="34" charset="0"/>
-                <a:cs typeface="Arial" pitchFamily="34" charset="0"/>
-              </a:rPr>
-              <a:t>20) </a:t>
-            </a:r>
+              <a:t>=14 </a:t>
+            </a:r>
+          </a:p>
+          <a:p>
+            <a:pPr lvl="1"/>
             <a:r>
               <a:rPr lang="en-US" sz="2000" dirty="0">
                 <a:latin typeface="Arial" pitchFamily="34" charset="0"/>
                 <a:cs typeface="Arial" pitchFamily="34" charset="0"/>
               </a:rPr>
-              <a:t>and </a:t>
-            </a:r>
-            <a:r>
-              <a:rPr lang="en-US" sz="2000" dirty="0" smtClean="0">
-                <a:latin typeface="Arial" pitchFamily="34" charset="0"/>
-                <a:cs typeface="Arial" pitchFamily="34" charset="0"/>
-              </a:rPr>
-              <a:t>compared the RMSE </a:t>
-            </a:r>
+              <a:t>Train RMSE: 7.94</a:t>
+            </a:r>
+          </a:p>
+          <a:p>
+            <a:pPr lvl="1"/>
             <a:r>
               <a:rPr lang="en-US" sz="2000" dirty="0">
                 <a:latin typeface="Arial" pitchFamily="34" charset="0"/>
                 <a:cs typeface="Arial" pitchFamily="34" charset="0"/>
               </a:rPr>
-              <a:t>results</a:t>
-            </a:r>
-            <a:r>
-              <a:rPr lang="en-US" sz="2000" dirty="0" smtClean="0">
-                <a:latin typeface="Arial" pitchFamily="34" charset="0"/>
-                <a:cs typeface="Arial" pitchFamily="34" charset="0"/>
-              </a:rPr>
-              <a:t>. Best results: </a:t>
-            </a:r>
-          </a:p>
-          <a:p>
-            <a:pPr lvl="1"/>
-            <a:r>
-              <a:rPr lang="en-US" sz="2000" dirty="0" err="1" smtClean="0">
-                <a:latin typeface="Arial" pitchFamily="34" charset="0"/>
-                <a:cs typeface="Arial" pitchFamily="34" charset="0"/>
-              </a:rPr>
-              <a:t>n_neighbors</a:t>
-            </a:r>
-            <a:r>
-              <a:rPr lang="en-US" sz="2000" dirty="0" smtClean="0">
-                <a:latin typeface="Arial" pitchFamily="34" charset="0"/>
-                <a:cs typeface="Arial" pitchFamily="34" charset="0"/>
-              </a:rPr>
-              <a:t>=14 </a:t>
-            </a:r>
-          </a:p>
-          <a:p>
-            <a:pPr lvl="1"/>
-            <a:r>
-              <a:rPr lang="en-US" sz="2000" dirty="0" smtClean="0">
-                <a:latin typeface="Arial" pitchFamily="34" charset="0"/>
-                <a:cs typeface="Arial" pitchFamily="34" charset="0"/>
-              </a:rPr>
-              <a:t>Train </a:t>
-            </a:r>
-            <a:r>
-              <a:rPr lang="en-US" sz="2000" dirty="0">
-                <a:latin typeface="Arial" pitchFamily="34" charset="0"/>
-                <a:cs typeface="Arial" pitchFamily="34" charset="0"/>
-              </a:rPr>
-              <a:t>RMSE: </a:t>
-            </a:r>
-            <a:r>
-              <a:rPr lang="en-US" sz="2000" dirty="0" smtClean="0">
-                <a:latin typeface="Arial" pitchFamily="34" charset="0"/>
-                <a:cs typeface="Arial" pitchFamily="34" charset="0"/>
-              </a:rPr>
-              <a:t>7.94</a:t>
-            </a:r>
-            <a:endParaRPr lang="en-US" sz="2000" dirty="0">
-              <a:latin typeface="Arial" pitchFamily="34" charset="0"/>
-              <a:cs typeface="Arial" pitchFamily="34" charset="0"/>
-            </a:endParaRPr>
-          </a:p>
-          <a:p>
-            <a:pPr lvl="1"/>
-            <a:r>
-              <a:rPr lang="en-US" sz="2000" dirty="0">
-                <a:latin typeface="Arial" pitchFamily="34" charset="0"/>
-                <a:cs typeface="Arial" pitchFamily="34" charset="0"/>
-              </a:rPr>
-              <a:t>Test RMSE: </a:t>
-            </a:r>
-            <a:r>
-              <a:rPr lang="en-US" sz="2000" dirty="0" smtClean="0">
-                <a:latin typeface="Arial" pitchFamily="34" charset="0"/>
-                <a:cs typeface="Arial" pitchFamily="34" charset="0"/>
-              </a:rPr>
-              <a:t>8.63</a:t>
-            </a:r>
-            <a:endParaRPr lang="en-US" sz="2000" dirty="0">
-              <a:latin typeface="Arial" pitchFamily="34" charset="0"/>
-              <a:cs typeface="Arial" pitchFamily="34" charset="0"/>
-            </a:endParaRPr>
+              <a:t>Test RMSE: 8.63</a:t>
+            </a:r>
           </a:p>
           <a:p>
             <a:pPr marL="0" indent="0">
@@ -5888,17 +6813,10 @@
   <p:clrMapOvr>
     <a:masterClrMapping/>
   </p:clrMapOvr>
-  <p:timing>
-    <p:tnLst>
-      <p:par>
-        <p:cTn id="1" dur="indefinite" restart="never" nodeType="tmRoot"/>
-      </p:par>
-    </p:tnLst>
-  </p:timing>
 </p:sld>
 </file>
 
-<file path=ppt/slides/slide15.xml><?xml version="1.0" encoding="utf-8"?>
+<file path=ppt/slides/slide18.xml><?xml version="1.0" encoding="utf-8"?>
 <p:sld xmlns:a="http://schemas.openxmlformats.org/drawingml/2006/main" xmlns:r="http://schemas.openxmlformats.org/officeDocument/2006/relationships" xmlns:p="http://schemas.openxmlformats.org/presentationml/2006/main">
   <p:cSld>
     <p:spTree>
@@ -5928,7 +6846,7 @@
         <p:spPr/>
         <p:txBody>
           <a:bodyPr>
-            <a:normAutofit/>
+            <a:normAutofit fontScale="90000"/>
           </a:bodyPr>
           <a:lstStyle/>
           <a:p>
@@ -5938,7 +6856,7 @@
                 <a:latin typeface="Arial" pitchFamily="34" charset="0"/>
                 <a:cs typeface="Arial" pitchFamily="34" charset="0"/>
               </a:rPr>
-              <a:t>Using the Models and Results (4)</a:t>
+              <a:t>Models and Results - Random Forest</a:t>
             </a:r>
             <a:endParaRPr lang="en-US" sz="4000" dirty="0"/>
           </a:p>
@@ -5962,60 +6880,35 @@
           <a:lstStyle/>
           <a:p>
             <a:r>
-              <a:rPr lang="en-US" sz="2000" u="sng" dirty="0" smtClean="0">
-                <a:latin typeface="Arial" pitchFamily="34" charset="0"/>
-                <a:cs typeface="Arial" pitchFamily="34" charset="0"/>
-              </a:rPr>
-              <a:t>Grid </a:t>
-            </a:r>
-            <a:r>
               <a:rPr lang="en-US" sz="2000" u="sng" dirty="0">
                 <a:latin typeface="Arial" pitchFamily="34" charset="0"/>
                 <a:cs typeface="Arial" pitchFamily="34" charset="0"/>
               </a:rPr>
-              <a:t>Search with Decision </a:t>
-            </a:r>
-            <a:r>
-              <a:rPr lang="en-US" sz="2000" u="sng" dirty="0" smtClean="0">
-                <a:latin typeface="Arial" pitchFamily="34" charset="0"/>
-                <a:cs typeface="Arial" pitchFamily="34" charset="0"/>
-              </a:rPr>
-              <a:t>Tree </a:t>
-            </a:r>
-            <a:r>
-              <a:rPr lang="en-US" sz="2000" u="sng" dirty="0" err="1" smtClean="0">
+              <a:t>Grid Search with Decision Tree </a:t>
+            </a:r>
+            <a:r>
+              <a:rPr lang="en-US" sz="2000" u="sng" dirty="0" err="1">
                 <a:latin typeface="Arial" pitchFamily="34" charset="0"/>
                 <a:cs typeface="Arial" pitchFamily="34" charset="0"/>
               </a:rPr>
               <a:t>Regressor</a:t>
             </a:r>
             <a:r>
-              <a:rPr lang="en-US" sz="2000" u="sng" dirty="0" smtClean="0">
+              <a:rPr lang="en-US" sz="2000" u="sng" dirty="0">
                 <a:latin typeface="Arial" pitchFamily="34" charset="0"/>
                 <a:cs typeface="Arial" pitchFamily="34" charset="0"/>
               </a:rPr>
               <a:t> </a:t>
             </a:r>
-            <a:endParaRPr lang="en-US" sz="2000" u="sng" dirty="0">
-              <a:latin typeface="Arial" pitchFamily="34" charset="0"/>
-              <a:cs typeface="Arial" pitchFamily="34" charset="0"/>
-            </a:endParaRPr>
           </a:p>
           <a:p>
             <a:pPr lvl="1"/>
             <a:r>
-              <a:rPr lang="en-US" sz="2000" dirty="0" smtClean="0">
-                <a:latin typeface="Arial" pitchFamily="34" charset="0"/>
-                <a:cs typeface="Arial" pitchFamily="34" charset="0"/>
-              </a:rPr>
-              <a:t>With </a:t>
-            </a:r>
-            <a:r>
               <a:rPr lang="en-US" sz="2000" dirty="0">
                 <a:latin typeface="Arial" pitchFamily="34" charset="0"/>
                 <a:cs typeface="Arial" pitchFamily="34" charset="0"/>
               </a:rPr>
-              <a:t>5-fold cross-validation</a:t>
+              <a:t>With 5-fold cross-validation</a:t>
             </a:r>
           </a:p>
           <a:p>
@@ -6039,124 +6932,94 @@
           <a:p>
             <a:pPr lvl="1"/>
             <a:r>
-              <a:rPr lang="en-US" sz="2000" dirty="0" err="1" smtClean="0">
+              <a:rPr lang="en-US" sz="2000" dirty="0" err="1">
                 <a:latin typeface="Arial" pitchFamily="34" charset="0"/>
                 <a:cs typeface="Arial" pitchFamily="34" charset="0"/>
               </a:rPr>
               <a:t>n_estimators</a:t>
             </a:r>
             <a:r>
-              <a:rPr lang="en-US" sz="2000" dirty="0" smtClean="0">
+              <a:rPr lang="en-US" sz="2000" dirty="0">
                 <a:latin typeface="Arial" pitchFamily="34" charset="0"/>
                 <a:cs typeface="Arial" pitchFamily="34" charset="0"/>
               </a:rPr>
               <a:t>=700 (default: 100)</a:t>
             </a:r>
+          </a:p>
+          <a:p>
+            <a:pPr lvl="1"/>
+            <a:r>
+              <a:rPr lang="en-US" sz="2000" dirty="0" err="1">
+                <a:latin typeface="Arial" pitchFamily="34" charset="0"/>
+                <a:cs typeface="Arial" pitchFamily="34" charset="0"/>
+              </a:rPr>
+              <a:t>max_depth</a:t>
+            </a:r>
+            <a:r>
+              <a:rPr lang="en-US" sz="2000" dirty="0">
+                <a:latin typeface="Arial" pitchFamily="34" charset="0"/>
+                <a:cs typeface="Arial" pitchFamily="34" charset="0"/>
+              </a:rPr>
+              <a:t>=7</a:t>
+            </a:r>
+          </a:p>
+          <a:p>
+            <a:pPr lvl="1"/>
+            <a:r>
+              <a:rPr lang="en-US" sz="2000" dirty="0" err="1">
+                <a:latin typeface="Arial" pitchFamily="34" charset="0"/>
+                <a:cs typeface="Arial" pitchFamily="34" charset="0"/>
+              </a:rPr>
+              <a:t>min_samples_leaf</a:t>
+            </a:r>
+            <a:r>
+              <a:rPr lang="en-US" sz="2000" dirty="0">
+                <a:latin typeface="Arial" pitchFamily="34" charset="0"/>
+                <a:cs typeface="Arial" pitchFamily="34" charset="0"/>
+              </a:rPr>
+              <a:t>=5</a:t>
+            </a:r>
+          </a:p>
+          <a:p>
+            <a:pPr lvl="1"/>
+            <a:r>
+              <a:rPr lang="en-US" sz="2000" dirty="0" err="1">
+                <a:latin typeface="Arial" pitchFamily="34" charset="0"/>
+                <a:cs typeface="Arial" pitchFamily="34" charset="0"/>
+              </a:rPr>
+              <a:t>min_samples_split</a:t>
+            </a:r>
+            <a:r>
+              <a:rPr lang="en-US" sz="2000" dirty="0">
+                <a:latin typeface="Arial" pitchFamily="34" charset="0"/>
+                <a:cs typeface="Arial" pitchFamily="34" charset="0"/>
+              </a:rPr>
+              <a:t>=10</a:t>
+            </a:r>
+          </a:p>
+          <a:p>
             <a:endParaRPr lang="en-US" sz="2000" dirty="0">
               <a:latin typeface="Arial" pitchFamily="34" charset="0"/>
               <a:cs typeface="Arial" pitchFamily="34" charset="0"/>
             </a:endParaRPr>
           </a:p>
           <a:p>
-            <a:pPr lvl="1"/>
-            <a:r>
-              <a:rPr lang="en-US" sz="2000" dirty="0" err="1">
-                <a:latin typeface="Arial" pitchFamily="34" charset="0"/>
-                <a:cs typeface="Arial" pitchFamily="34" charset="0"/>
-              </a:rPr>
-              <a:t>max_depth</a:t>
-            </a:r>
             <a:r>
               <a:rPr lang="en-US" sz="2000" dirty="0">
                 <a:latin typeface="Arial" pitchFamily="34" charset="0"/>
                 <a:cs typeface="Arial" pitchFamily="34" charset="0"/>
               </a:rPr>
-              <a:t>=7</a:t>
-            </a:r>
-          </a:p>
-          <a:p>
-            <a:pPr lvl="1"/>
-            <a:r>
-              <a:rPr lang="en-US" sz="2000" dirty="0" err="1">
-                <a:latin typeface="Arial" pitchFamily="34" charset="0"/>
-                <a:cs typeface="Arial" pitchFamily="34" charset="0"/>
-              </a:rPr>
-              <a:t>min_samples_leaf</a:t>
-            </a:r>
+              <a:t>Train RMSE: 1.34</a:t>
+            </a:r>
+          </a:p>
+          <a:p>
             <a:r>
               <a:rPr lang="en-US" sz="2000" dirty="0">
                 <a:latin typeface="Arial" pitchFamily="34" charset="0"/>
                 <a:cs typeface="Arial" pitchFamily="34" charset="0"/>
               </a:rPr>
-              <a:t>=5</a:t>
-            </a:r>
-          </a:p>
-          <a:p>
-            <a:pPr lvl="1"/>
-            <a:r>
-              <a:rPr lang="en-US" sz="2000" dirty="0" err="1" smtClean="0">
-                <a:latin typeface="Arial" pitchFamily="34" charset="0"/>
-                <a:cs typeface="Arial" pitchFamily="34" charset="0"/>
-              </a:rPr>
-              <a:t>min_samples_split</a:t>
-            </a:r>
-            <a:r>
-              <a:rPr lang="en-US" sz="2000" dirty="0" smtClean="0">
-                <a:latin typeface="Arial" pitchFamily="34" charset="0"/>
-                <a:cs typeface="Arial" pitchFamily="34" charset="0"/>
-              </a:rPr>
-              <a:t>=10</a:t>
-            </a:r>
-            <a:endParaRPr lang="en-US" sz="2000" dirty="0">
-              <a:latin typeface="Arial" pitchFamily="34" charset="0"/>
-              <a:cs typeface="Arial" pitchFamily="34" charset="0"/>
-            </a:endParaRPr>
-          </a:p>
-          <a:p>
-            <a:endParaRPr lang="en-US" sz="2000" dirty="0">
-              <a:latin typeface="Arial" pitchFamily="34" charset="0"/>
-              <a:cs typeface="Arial" pitchFamily="34" charset="0"/>
-            </a:endParaRPr>
-          </a:p>
-          <a:p>
-            <a:r>
-              <a:rPr lang="en-US" sz="2000" dirty="0">
-                <a:latin typeface="Arial" pitchFamily="34" charset="0"/>
-                <a:cs typeface="Arial" pitchFamily="34" charset="0"/>
-              </a:rPr>
-              <a:t>Train RMSE: </a:t>
-            </a:r>
-            <a:r>
-              <a:rPr lang="en-US" sz="2000" dirty="0" smtClean="0">
-                <a:latin typeface="Arial" pitchFamily="34" charset="0"/>
-                <a:cs typeface="Arial" pitchFamily="34" charset="0"/>
-              </a:rPr>
-              <a:t>1.34</a:t>
-            </a:r>
-            <a:endParaRPr lang="en-US" sz="2000" dirty="0">
-              <a:latin typeface="Arial" pitchFamily="34" charset="0"/>
-              <a:cs typeface="Arial" pitchFamily="34" charset="0"/>
-            </a:endParaRPr>
-          </a:p>
-          <a:p>
-            <a:r>
-              <a:rPr lang="en-US" sz="2000" dirty="0">
-                <a:latin typeface="Arial" pitchFamily="34" charset="0"/>
-                <a:cs typeface="Arial" pitchFamily="34" charset="0"/>
-              </a:rPr>
-              <a:t>Test RMSE: </a:t>
-            </a:r>
-            <a:r>
-              <a:rPr lang="en-US" sz="2000" dirty="0" smtClean="0">
-                <a:latin typeface="Arial" pitchFamily="34" charset="0"/>
-                <a:cs typeface="Arial" pitchFamily="34" charset="0"/>
-              </a:rPr>
-              <a:t>1.63</a:t>
-            </a:r>
-            <a:endParaRPr lang="en-US" sz="2000" dirty="0">
-              <a:latin typeface="Arial" pitchFamily="34" charset="0"/>
-              <a:cs typeface="Arial" pitchFamily="34" charset="0"/>
-            </a:endParaRPr>
+              <a:t>Test RMSE: 1.63</a:t>
+            </a:r>
           </a:p>
           <a:p>
             <a:pPr marL="0" indent="0">
@@ -6284,17 +7147,10 @@
   <p:clrMapOvr>
     <a:masterClrMapping/>
   </p:clrMapOvr>
-  <p:timing>
-    <p:tnLst>
-      <p:par>
-        <p:cTn id="1" dur="indefinite" restart="never" nodeType="tmRoot"/>
-      </p:par>
-    </p:tnLst>
-  </p:timing>
 </p:sld>
 </file>
 
-<file path=ppt/slides/slide16.xml><?xml version="1.0" encoding="utf-8"?>
+<file path=ppt/slides/slide19.xml><?xml version="1.0" encoding="utf-8"?>
 <p:sld xmlns:a="http://schemas.openxmlformats.org/drawingml/2006/main" xmlns:r="http://schemas.openxmlformats.org/officeDocument/2006/relationships" xmlns:p="http://schemas.openxmlformats.org/presentationml/2006/main">
   <p:cSld>
     <p:spTree>
@@ -6323,7 +7179,7 @@
         </p:nvSpPr>
         <p:spPr>
           <a:xfrm>
-            <a:off x="467544" y="476672"/>
+            <a:off x="457200" y="553959"/>
             <a:ext cx="8229600" cy="1143000"/>
           </a:xfrm>
         </p:spPr>
@@ -6335,16 +7191,12 @@
           <a:p>
             <a:pPr algn="ctr"/>
             <a:r>
-              <a:rPr lang="en-US" sz="4000" dirty="0" smtClean="0">
+              <a:rPr lang="en-US" sz="4000" dirty="0">
                 <a:latin typeface="Arial" pitchFamily="34" charset="0"/>
                 <a:cs typeface="Arial" pitchFamily="34" charset="0"/>
               </a:rPr>
               <a:t>Run models for Developed Countries</a:t>
             </a:r>
-            <a:endParaRPr lang="en-US" sz="4000" dirty="0">
-              <a:latin typeface="Arial" pitchFamily="34" charset="0"/>
-              <a:cs typeface="Arial" pitchFamily="34" charset="0"/>
-            </a:endParaRPr>
           </a:p>
         </p:txBody>
       </p:sp>
@@ -6370,35 +7222,35 @@
           <a:p>
             <a:pPr lvl="1"/>
             <a:r>
-              <a:rPr lang="en-GB" sz="2200" dirty="0" smtClean="0">
-                <a:latin typeface="Arial" pitchFamily="34" charset="0"/>
-                <a:cs typeface="Arial" pitchFamily="34" charset="0"/>
-              </a:rPr>
-              <a:t>We separated the dataset into 2 datasets – one for </a:t>
-            </a:r>
-            <a:r>
-              <a:rPr lang="en-GB" sz="2200" b="1" dirty="0" smtClean="0">
+              <a:rPr lang="en-GB" sz="2200" dirty="0">
+                <a:latin typeface="Arial" pitchFamily="34" charset="0"/>
+                <a:cs typeface="Arial" pitchFamily="34" charset="0"/>
+              </a:rPr>
+              <a:t>We separated the dataset into 2 datasets - one for </a:t>
+            </a:r>
+            <a:r>
+              <a:rPr lang="en-GB" sz="2200" b="1" dirty="0">
                 <a:latin typeface="Arial" pitchFamily="34" charset="0"/>
                 <a:cs typeface="Arial" pitchFamily="34" charset="0"/>
               </a:rPr>
               <a:t>developing</a:t>
             </a:r>
             <a:r>
-              <a:rPr lang="en-GB" sz="2200" dirty="0" smtClean="0">
+              <a:rPr lang="en-GB" sz="2200" dirty="0">
                 <a:latin typeface="Arial" pitchFamily="34" charset="0"/>
                 <a:cs typeface="Arial" pitchFamily="34" charset="0"/>
               </a:rPr>
               <a:t> countries, and one for </a:t>
             </a:r>
             <a:r>
-              <a:rPr lang="en-GB" sz="2200" b="1" dirty="0" smtClean="0">
+              <a:rPr lang="en-GB" sz="2200" b="1" dirty="0">
                 <a:latin typeface="Arial" pitchFamily="34" charset="0"/>
                 <a:cs typeface="Arial" pitchFamily="34" charset="0"/>
               </a:rPr>
               <a:t>developed</a:t>
             </a:r>
             <a:r>
-              <a:rPr lang="en-GB" sz="2200" dirty="0" smtClean="0">
+              <a:rPr lang="en-GB" sz="2200" dirty="0">
                 <a:latin typeface="Arial" pitchFamily="34" charset="0"/>
                 <a:cs typeface="Arial" pitchFamily="34" charset="0"/>
               </a:rPr>
@@ -6408,7 +7260,7 @@
           <a:p>
             <a:pPr lvl="1"/>
             <a:r>
-              <a:rPr lang="en-GB" sz="2200" dirty="0" smtClean="0">
+              <a:rPr lang="en-GB" sz="2200" dirty="0">
                 <a:latin typeface="Arial" pitchFamily="34" charset="0"/>
                 <a:cs typeface="Arial" pitchFamily="34" charset="0"/>
               </a:rPr>
@@ -6426,131 +7278,99 @@
                 <a:latin typeface="Arial" pitchFamily="34" charset="0"/>
                 <a:cs typeface="Arial" pitchFamily="34" charset="0"/>
               </a:rPr>
+              <a:t> countries</a:t>
+            </a:r>
+          </a:p>
+          <a:p>
+            <a:pPr lvl="1"/>
+            <a:r>
+              <a:rPr lang="en-US" sz="2000" dirty="0">
+                <a:latin typeface="Arial" pitchFamily="34" charset="0"/>
+                <a:cs typeface="Arial" pitchFamily="34" charset="0"/>
+              </a:rPr>
+              <a:t>The </a:t>
+            </a:r>
+            <a:r>
+              <a:rPr lang="en-US" sz="2000" b="1" dirty="0" err="1">
+                <a:latin typeface="Arial" pitchFamily="34" charset="0"/>
+                <a:cs typeface="Arial" pitchFamily="34" charset="0"/>
+              </a:rPr>
+              <a:t>LassoCV</a:t>
+            </a:r>
+            <a:r>
+              <a:rPr lang="en-US" sz="2000" b="1" dirty="0">
+                <a:latin typeface="Arial" pitchFamily="34" charset="0"/>
+                <a:cs typeface="Arial" pitchFamily="34" charset="0"/>
+              </a:rPr>
               <a:t> </a:t>
             </a:r>
             <a:r>
-              <a:rPr lang="en-GB" sz="2200" dirty="0" smtClean="0">
-                <a:latin typeface="Arial" pitchFamily="34" charset="0"/>
-                <a:cs typeface="Arial" pitchFamily="34" charset="0"/>
-              </a:rPr>
-              <a:t>countries</a:t>
+              <a:rPr lang="en-US" sz="2000" dirty="0">
+                <a:latin typeface="Arial" pitchFamily="34" charset="0"/>
+                <a:cs typeface="Arial" pitchFamily="34" charset="0"/>
+              </a:rPr>
+              <a:t>Model Eliminated</a:t>
+            </a:r>
+            <a:r>
+              <a:rPr lang="en-US" sz="2000" b="1" dirty="0">
+                <a:latin typeface="Arial" pitchFamily="34" charset="0"/>
+                <a:cs typeface="Arial" pitchFamily="34" charset="0"/>
+              </a:rPr>
+              <a:t> 16 of the 20 variables</a:t>
+            </a:r>
+          </a:p>
+          <a:p>
+            <a:pPr lvl="2"/>
+            <a:r>
+              <a:rPr lang="en-US" sz="2000" dirty="0">
+                <a:latin typeface="Arial" pitchFamily="34" charset="0"/>
+                <a:cs typeface="Arial" pitchFamily="34" charset="0"/>
+              </a:rPr>
+              <a:t>Keeping ‘Country Encoded’, ‘Year’, ‘Schooling’ and ‘Diphtheria’</a:t>
             </a:r>
           </a:p>
           <a:p>
             <a:pPr lvl="1"/>
             <a:r>
-              <a:rPr lang="en-US" sz="2000" dirty="0" smtClean="0">
+              <a:rPr lang="en-GB" sz="2000" dirty="0">
                 <a:latin typeface="Arial" pitchFamily="34" charset="0"/>
                 <a:cs typeface="Arial" pitchFamily="34" charset="0"/>
               </a:rPr>
               <a:t>The </a:t>
             </a:r>
             <a:r>
-              <a:rPr lang="en-US" sz="2000" b="1" dirty="0" err="1" smtClean="0">
-                <a:latin typeface="Arial" pitchFamily="34" charset="0"/>
-                <a:cs typeface="Arial" pitchFamily="34" charset="0"/>
-              </a:rPr>
-              <a:t>LassoCV</a:t>
-            </a:r>
-            <a:r>
-              <a:rPr lang="en-US" sz="2000" b="1" dirty="0" smtClean="0">
-                <a:latin typeface="Arial" pitchFamily="34" charset="0"/>
-                <a:cs typeface="Arial" pitchFamily="34" charset="0"/>
-              </a:rPr>
-              <a:t> </a:t>
-            </a:r>
-            <a:r>
-              <a:rPr lang="en-US" sz="2000" dirty="0">
-                <a:latin typeface="Arial" pitchFamily="34" charset="0"/>
-                <a:cs typeface="Arial" pitchFamily="34" charset="0"/>
-              </a:rPr>
-              <a:t>Model Eliminated</a:t>
-            </a:r>
-            <a:r>
-              <a:rPr lang="en-US" sz="2000" b="1" dirty="0">
-                <a:latin typeface="Arial" pitchFamily="34" charset="0"/>
-                <a:cs typeface="Arial" pitchFamily="34" charset="0"/>
-              </a:rPr>
-              <a:t> 16 of the 20 variables</a:t>
-            </a:r>
-          </a:p>
-          <a:p>
-            <a:pPr lvl="2"/>
-            <a:r>
-              <a:rPr lang="en-US" sz="2000" dirty="0">
-                <a:latin typeface="Arial" pitchFamily="34" charset="0"/>
-                <a:cs typeface="Arial" pitchFamily="34" charset="0"/>
-              </a:rPr>
-              <a:t>Keeping </a:t>
-            </a:r>
-            <a:r>
-              <a:rPr lang="en-US" sz="2000" dirty="0" smtClean="0">
-                <a:latin typeface="Arial" pitchFamily="34" charset="0"/>
-                <a:cs typeface="Arial" pitchFamily="34" charset="0"/>
-              </a:rPr>
-              <a:t>‘Country Encoded’, ‘Year’, ‘Schooling’ </a:t>
-            </a:r>
-            <a:r>
-              <a:rPr lang="en-US" sz="2000" dirty="0">
-                <a:latin typeface="Arial" pitchFamily="34" charset="0"/>
-                <a:cs typeface="Arial" pitchFamily="34" charset="0"/>
-              </a:rPr>
-              <a:t>and </a:t>
-            </a:r>
-            <a:r>
-              <a:rPr lang="en-US" sz="2000" dirty="0" smtClean="0">
-                <a:latin typeface="Arial" pitchFamily="34" charset="0"/>
-                <a:cs typeface="Arial" pitchFamily="34" charset="0"/>
-              </a:rPr>
-              <a:t>‘Diphtheria’</a:t>
-            </a:r>
-            <a:endParaRPr lang="en-US" sz="2000" dirty="0">
-              <a:latin typeface="Arial" pitchFamily="34" charset="0"/>
-              <a:cs typeface="Arial" pitchFamily="34" charset="0"/>
-            </a:endParaRPr>
+              <a:rPr lang="en-GB" sz="2000" b="1" dirty="0">
+                <a:latin typeface="Arial" pitchFamily="34" charset="0"/>
+                <a:cs typeface="Arial" pitchFamily="34" charset="0"/>
+              </a:rPr>
+              <a:t>DT</a:t>
+            </a:r>
+            <a:r>
+              <a:rPr lang="en-GB" sz="2000" dirty="0">
+                <a:latin typeface="Arial" pitchFamily="34" charset="0"/>
+                <a:cs typeface="Arial" pitchFamily="34" charset="0"/>
+              </a:rPr>
+              <a:t> looks completely different (</a:t>
+            </a:r>
+            <a:r>
+              <a:rPr lang="en-GB" sz="2000" dirty="0" err="1">
+                <a:latin typeface="Arial" pitchFamily="34" charset="0"/>
+                <a:cs typeface="Arial" pitchFamily="34" charset="0"/>
+              </a:rPr>
+              <a:t>e.g</a:t>
+            </a:r>
+            <a:r>
+              <a:rPr lang="en-GB" sz="2000" dirty="0">
+                <a:latin typeface="Arial" pitchFamily="34" charset="0"/>
+                <a:cs typeface="Arial" pitchFamily="34" charset="0"/>
+              </a:rPr>
+              <a:t>: ‘Alcohol’)</a:t>
+            </a:r>
           </a:p>
           <a:p>
             <a:pPr lvl="1"/>
             <a:r>
-              <a:rPr lang="en-GB" sz="2000" dirty="0" smtClean="0">
-                <a:latin typeface="Arial" pitchFamily="34" charset="0"/>
-                <a:cs typeface="Arial" pitchFamily="34" charset="0"/>
-              </a:rPr>
-              <a:t>The </a:t>
-            </a:r>
-            <a:r>
-              <a:rPr lang="en-GB" sz="2000" b="1" dirty="0" smtClean="0">
-                <a:latin typeface="Arial" pitchFamily="34" charset="0"/>
-                <a:cs typeface="Arial" pitchFamily="34" charset="0"/>
-              </a:rPr>
-              <a:t>DT</a:t>
-            </a:r>
-            <a:r>
-              <a:rPr lang="en-GB" sz="2000" dirty="0" smtClean="0">
-                <a:latin typeface="Arial" pitchFamily="34" charset="0"/>
-                <a:cs typeface="Arial" pitchFamily="34" charset="0"/>
-              </a:rPr>
-              <a:t> looks completely different (</a:t>
-            </a:r>
-            <a:r>
-              <a:rPr lang="en-GB" sz="2000" dirty="0" err="1" smtClean="0">
-                <a:latin typeface="Arial" pitchFamily="34" charset="0"/>
-                <a:cs typeface="Arial" pitchFamily="34" charset="0"/>
-              </a:rPr>
-              <a:t>e.g</a:t>
-            </a:r>
-            <a:r>
-              <a:rPr lang="en-GB" sz="2000" dirty="0" smtClean="0">
-                <a:latin typeface="Arial" pitchFamily="34" charset="0"/>
-                <a:cs typeface="Arial" pitchFamily="34" charset="0"/>
-              </a:rPr>
-              <a:t>: ‘Alcohol’)</a:t>
-            </a:r>
-          </a:p>
-          <a:p>
-            <a:pPr lvl="1"/>
-            <a:r>
-              <a:rPr lang="en-GB" sz="2000" dirty="0" smtClean="0">
+              <a:rPr lang="en-GB" sz="2000" dirty="0">
                 <a:latin typeface="Arial" pitchFamily="34" charset="0"/>
                 <a:cs typeface="Arial" pitchFamily="34" charset="0"/>
               </a:rPr>
@@ -6561,7 +7381,7 @@
             <a:pPr marL="667512" lvl="2" indent="0">
               <a:buNone/>
             </a:pPr>
-            <a:endParaRPr lang="en-US" sz="2000" dirty="0" smtClean="0">
+            <a:endParaRPr lang="en-US" sz="2000" dirty="0">
               <a:latin typeface="Arial" pitchFamily="34" charset="0"/>
               <a:cs typeface="Arial" pitchFamily="34" charset="0"/>
             </a:endParaRPr>
@@ -6591,8 +7411,78 @@
         </p:blipFill>
         <p:spPr bwMode="auto">
           <a:xfrm>
-            <a:off x="2339752" y="4569859"/>
-            <a:ext cx="6645082" cy="1800200"/>
+            <a:off x="1763688" y="4365104"/>
+            <a:ext cx="7149138" cy="2376264"/>
+          </a:xfrm>
+          <a:prstGeom prst="rect">
+            <a:avLst/>
+          </a:prstGeom>
+          <a:noFill/>
+          <a:ln>
+            <a:noFill/>
+          </a:ln>
+          <a:effectLst/>
+          <a:extLst>
+            <a:ext uri="{909E8E84-426E-40DD-AFC4-6F175D3DCCD1}">
+              <a14:hiddenFill xmlns:a14="http://schemas.microsoft.com/office/drawing/2010/main">
+                <a:solidFill>
+                  <a:schemeClr val="accent1"/>
+                </a:solidFill>
+              </a14:hiddenFill>
+            </a:ext>
+            <a:ext uri="{91240B29-F687-4F45-9708-019B960494DF}">
+              <a14:hiddenLine xmlns:a14="http://schemas.microsoft.com/office/drawing/2010/main" w="9525">
+                <a:solidFill>
+                  <a:schemeClr val="tx1"/>
+                </a:solidFill>
+                <a:miter lim="800000"/>
+                <a:headEnd/>
+                <a:tailEnd/>
+              </a14:hiddenLine>
+            </a:ext>
+            <a:ext uri="{AF507438-7753-43E0-B8FC-AC1667EBCBE1}">
+              <a14:hiddenEffects xmlns:a14="http://schemas.microsoft.com/office/drawing/2010/main">
+                <a:effectLst>
+                  <a:outerShdw dist="35921" dir="2700000" algn="ctr" rotWithShape="0">
+                    <a:schemeClr val="bg2"/>
+                  </a:outerShdw>
+                </a:effectLst>
+              </a14:hiddenEffects>
+            </a:ext>
+          </a:extLst>
+        </p:spPr>
+      </p:pic>
+      <p:pic>
+        <p:nvPicPr>
+          <p:cNvPr id="5" name="Picture 4">
+            <a:extLst>
+              <a:ext uri="{FF2B5EF4-FFF2-40B4-BE49-F238E27FC236}">
+                <a16:creationId xmlns:a16="http://schemas.microsoft.com/office/drawing/2014/main" id="{35383426-ADCA-4F14-8D21-8F565E4CD501}"/>
+              </a:ext>
+            </a:extLst>
+          </p:cNvPr>
+          <p:cNvPicPr>
+            <a:picLocks noChangeAspect="1" noChangeArrowheads="1"/>
+          </p:cNvPicPr>
+          <p:nvPr/>
+        </p:nvPicPr>
+        <p:blipFill>
+          <a:blip r:embed="rId3" cstate="print">
+            <a:extLst>
+              <a:ext uri="{28A0092B-C50C-407E-A947-70E740481C1C}">
+                <a14:useLocalDpi xmlns:a14="http://schemas.microsoft.com/office/drawing/2010/main" val="0"/>
+              </a:ext>
+            </a:extLst>
+          </a:blip>
+          <a:srcRect/>
+          <a:stretch>
+            <a:fillRect/>
+          </a:stretch>
+        </p:blipFill>
+        <p:spPr bwMode="auto">
+          <a:xfrm>
+            <a:off x="7524328" y="116632"/>
+            <a:ext cx="1497269" cy="1173536"/>
           </a:xfrm>
           <a:prstGeom prst="rect">
             <a:avLst/>
@@ -6645,7 +7535,7 @@
 </p:sld>
 </file>
 
-<file path=ppt/slides/slide17.xml><?xml version="1.0" encoding="utf-8"?>
+<file path=ppt/slides/slide2.xml><?xml version="1.0" encoding="utf-8"?>
 <p:sld xmlns:a="http://schemas.openxmlformats.org/drawingml/2006/main" xmlns:r="http://schemas.openxmlformats.org/officeDocument/2006/relationships" xmlns:p="http://schemas.openxmlformats.org/presentationml/2006/main">
   <p:cSld>
     <p:spTree>
@@ -6681,16 +7571,320 @@
           <a:p>
             <a:pPr algn="ctr"/>
             <a:r>
-              <a:rPr lang="en-US" sz="4000" dirty="0" smtClean="0">
-                <a:latin typeface="Arial" pitchFamily="34" charset="0"/>
-                <a:cs typeface="Arial" pitchFamily="34" charset="0"/>
-              </a:rPr>
-              <a:t>Comparison and Conclusions</a:t>
-            </a:r>
-            <a:endParaRPr lang="en-US" sz="4000" dirty="0">
+              <a:rPr lang="en-US" sz="4000" dirty="0">
+                <a:latin typeface="Arial" pitchFamily="34" charset="0"/>
+                <a:cs typeface="Arial" pitchFamily="34" charset="0"/>
+              </a:rPr>
+              <a:t>Problem Statement</a:t>
+            </a:r>
+          </a:p>
+        </p:txBody>
+      </p:sp>
+      <p:sp>
+        <p:nvSpPr>
+          <p:cNvPr id="3" name="Content Placeholder 2"/>
+          <p:cNvSpPr>
+            <a:spLocks noGrp="1"/>
+          </p:cNvSpPr>
+          <p:nvPr>
+            <p:ph idx="1"/>
+          </p:nvPr>
+        </p:nvSpPr>
+        <p:spPr/>
+        <p:txBody>
+          <a:bodyPr>
+            <a:normAutofit lnSpcReduction="10000"/>
+          </a:bodyPr>
+          <a:lstStyle/>
+          <a:p>
+            <a:r>
+              <a:rPr lang="en-GB" sz="2000" u="sng" dirty="0">
+                <a:latin typeface="Arial" pitchFamily="34" charset="0"/>
+                <a:cs typeface="Arial" pitchFamily="34" charset="0"/>
+              </a:rPr>
+              <a:t>The problem:</a:t>
+            </a:r>
+            <a:r>
+              <a:rPr lang="en-GB" sz="2000" dirty="0">
+                <a:latin typeface="Arial" pitchFamily="34" charset="0"/>
+                <a:cs typeface="Arial" pitchFamily="34" charset="0"/>
+              </a:rPr>
+              <a:t> To predict </a:t>
+            </a:r>
+            <a:r>
+              <a:rPr lang="en-US" sz="2000" dirty="0">
+                <a:latin typeface="Arial" pitchFamily="34" charset="0"/>
+                <a:cs typeface="Arial" pitchFamily="34" charset="0"/>
+              </a:rPr>
+              <a:t>life expectancy for countries around the world</a:t>
+            </a:r>
+          </a:p>
+          <a:p>
+            <a:r>
+              <a:rPr lang="en-GB" sz="2000" u="sng" dirty="0">
+                <a:latin typeface="Arial" pitchFamily="34" charset="0"/>
+                <a:cs typeface="Arial" pitchFamily="34" charset="0"/>
+              </a:rPr>
+              <a:t>The data set:</a:t>
+            </a:r>
+            <a:r>
+              <a:rPr lang="en-GB" sz="2000" dirty="0">
+                <a:latin typeface="Arial" pitchFamily="34" charset="0"/>
+                <a:cs typeface="Arial" pitchFamily="34" charset="0"/>
+              </a:rPr>
+              <a:t> Taken from </a:t>
+            </a:r>
+            <a:r>
+              <a:rPr lang="en-GB" sz="2000" dirty="0" err="1">
+                <a:latin typeface="Arial" pitchFamily="34" charset="0"/>
+                <a:cs typeface="Arial" pitchFamily="34" charset="0"/>
+              </a:rPr>
+              <a:t>Kaggle</a:t>
+            </a:r>
+            <a:endParaRPr lang="en-GB" sz="2000" dirty="0">
               <a:latin typeface="Arial" pitchFamily="34" charset="0"/>
               <a:cs typeface="Arial" pitchFamily="34" charset="0"/>
             </a:endParaRPr>
+          </a:p>
+          <a:p>
+            <a:pPr marL="274320" lvl="1" indent="-274320">
+              <a:buClr>
+                <a:schemeClr val="accent3"/>
+              </a:buClr>
+              <a:buSzPct val="95000"/>
+            </a:pPr>
+            <a:r>
+              <a:rPr lang="en-US" sz="2000" dirty="0">
+                <a:latin typeface="Arial" pitchFamily="34" charset="0"/>
+                <a:cs typeface="Arial" pitchFamily="34" charset="0"/>
+              </a:rPr>
+              <a:t>Contains information compiled by the World Health Organization (WHO) and the United Nations to track factors that affect life expectancy</a:t>
+            </a:r>
+          </a:p>
+          <a:p>
+            <a:pPr marL="274320" lvl="1" indent="-274320">
+              <a:buClr>
+                <a:schemeClr val="accent3"/>
+              </a:buClr>
+              <a:buSzPct val="95000"/>
+            </a:pPr>
+            <a:r>
+              <a:rPr lang="en-US" sz="2000" dirty="0">
+                <a:latin typeface="Arial" pitchFamily="34" charset="0"/>
+                <a:cs typeface="Arial" pitchFamily="34" charset="0"/>
+              </a:rPr>
+              <a:t>Sits at an optimal size between being too </a:t>
+            </a:r>
+            <a:r>
+              <a:rPr lang="en-US" sz="2000" dirty="0" err="1">
+                <a:latin typeface="Arial" pitchFamily="34" charset="0"/>
+                <a:cs typeface="Arial" pitchFamily="34" charset="0"/>
+              </a:rPr>
+              <a:t>toyish</a:t>
+            </a:r>
+            <a:r>
+              <a:rPr lang="en-US" sz="2000" dirty="0">
+                <a:latin typeface="Arial" pitchFamily="34" charset="0"/>
+                <a:cs typeface="Arial" pitchFamily="34" charset="0"/>
+              </a:rPr>
+              <a:t> and too cumbersome</a:t>
+            </a:r>
+          </a:p>
+          <a:p>
+            <a:pPr marL="274320" lvl="1" indent="-274320">
+              <a:buClr>
+                <a:schemeClr val="accent3"/>
+              </a:buClr>
+              <a:buSzPct val="95000"/>
+            </a:pPr>
+            <a:r>
+              <a:rPr lang="en-US" sz="2000" dirty="0">
+                <a:latin typeface="Arial" pitchFamily="34" charset="0"/>
+                <a:cs typeface="Arial" pitchFamily="34" charset="0"/>
+              </a:rPr>
+              <a:t>The data contains 2938 rows and 22 columns (which are </a:t>
+            </a:r>
+            <a:r>
+              <a:rPr lang="en-US" sz="2000" b="1" dirty="0">
+                <a:latin typeface="Arial" pitchFamily="34" charset="0"/>
+                <a:cs typeface="Arial" pitchFamily="34" charset="0"/>
+              </a:rPr>
+              <a:t>not </a:t>
+            </a:r>
+            <a:r>
+              <a:rPr lang="en-US" sz="2000" dirty="0">
+                <a:latin typeface="Arial" pitchFamily="34" charset="0"/>
+                <a:cs typeface="Arial" pitchFamily="34" charset="0"/>
+              </a:rPr>
+              <a:t>self-explanatory)</a:t>
+            </a:r>
+          </a:p>
+          <a:p>
+            <a:r>
+              <a:rPr lang="en-US" sz="2000" dirty="0">
+                <a:latin typeface="Arial" pitchFamily="34" charset="0"/>
+                <a:cs typeface="Arial" pitchFamily="34" charset="0"/>
+              </a:rPr>
+              <a:t>Each row represents a country and a year combination</a:t>
+            </a:r>
+          </a:p>
+          <a:p>
+            <a:r>
+              <a:rPr lang="en-GB" sz="2000" dirty="0">
+                <a:latin typeface="Arial" pitchFamily="34" charset="0"/>
+                <a:cs typeface="Arial" pitchFamily="34" charset="0"/>
+              </a:rPr>
+              <a:t>20 numeric columns and 2 categorical columns (country and developing status)</a:t>
+            </a:r>
+          </a:p>
+          <a:p>
+            <a:endParaRPr lang="en-US" sz="2000" dirty="0">
+              <a:latin typeface="Arial" pitchFamily="34" charset="0"/>
+              <a:cs typeface="Arial" pitchFamily="34" charset="0"/>
+            </a:endParaRPr>
+          </a:p>
+          <a:p>
+            <a:pPr marL="393192" lvl="1" indent="0">
+              <a:buNone/>
+            </a:pPr>
+            <a:endParaRPr lang="en-US" sz="1800" i="1" dirty="0">
+              <a:latin typeface="Arial" pitchFamily="34" charset="0"/>
+              <a:cs typeface="Arial" pitchFamily="34" charset="0"/>
+            </a:endParaRPr>
+          </a:p>
+          <a:p>
+            <a:endParaRPr lang="en-US" sz="2000" dirty="0">
+              <a:latin typeface="Arial" pitchFamily="34" charset="0"/>
+              <a:cs typeface="Arial" pitchFamily="34" charset="0"/>
+            </a:endParaRPr>
+          </a:p>
+          <a:p>
+            <a:pPr marL="393192" lvl="1" indent="0">
+              <a:buNone/>
+            </a:pPr>
+            <a:endParaRPr lang="en-US" dirty="0"/>
+          </a:p>
+        </p:txBody>
+      </p:sp>
+      <p:pic>
+        <p:nvPicPr>
+          <p:cNvPr id="4" name="Picture 3"/>
+          <p:cNvPicPr>
+            <a:picLocks noChangeAspect="1" noChangeArrowheads="1"/>
+          </p:cNvPicPr>
+          <p:nvPr/>
+        </p:nvPicPr>
+        <p:blipFill>
+          <a:blip r:embed="rId2" cstate="print">
+            <a:extLst>
+              <a:ext uri="{28A0092B-C50C-407E-A947-70E740481C1C}">
+                <a14:useLocalDpi xmlns:a14="http://schemas.microsoft.com/office/drawing/2010/main" val="0"/>
+              </a:ext>
+            </a:extLst>
+          </a:blip>
+          <a:srcRect/>
+          <a:stretch>
+            <a:fillRect/>
+          </a:stretch>
+        </p:blipFill>
+        <p:spPr bwMode="auto">
+          <a:xfrm>
+            <a:off x="7524328" y="116632"/>
+            <a:ext cx="1497269" cy="1173536"/>
+          </a:xfrm>
+          <a:prstGeom prst="rect">
+            <a:avLst/>
+          </a:prstGeom>
+          <a:noFill/>
+          <a:ln>
+            <a:noFill/>
+          </a:ln>
+          <a:effectLst/>
+          <a:extLst>
+            <a:ext uri="{909E8E84-426E-40DD-AFC4-6F175D3DCCD1}">
+              <a14:hiddenFill xmlns:a14="http://schemas.microsoft.com/office/drawing/2010/main">
+                <a:solidFill>
+                  <a:schemeClr val="accent1"/>
+                </a:solidFill>
+              </a14:hiddenFill>
+            </a:ext>
+            <a:ext uri="{91240B29-F687-4F45-9708-019B960494DF}">
+              <a14:hiddenLine xmlns:a14="http://schemas.microsoft.com/office/drawing/2010/main" w="9525">
+                <a:solidFill>
+                  <a:schemeClr val="tx1"/>
+                </a:solidFill>
+                <a:miter lim="800000"/>
+                <a:headEnd/>
+                <a:tailEnd/>
+              </a14:hiddenLine>
+            </a:ext>
+            <a:ext uri="{AF507438-7753-43E0-B8FC-AC1667EBCBE1}">
+              <a14:hiddenEffects xmlns:a14="http://schemas.microsoft.com/office/drawing/2010/main">
+                <a:effectLst>
+                  <a:outerShdw dist="35921" dir="2700000" algn="ctr" rotWithShape="0">
+                    <a:schemeClr val="bg2"/>
+                  </a:outerShdw>
+                </a:effectLst>
+              </a14:hiddenEffects>
+            </a:ext>
+          </a:extLst>
+        </p:spPr>
+      </p:pic>
+    </p:spTree>
+    <p:extLst>
+      <p:ext uri="{BB962C8B-B14F-4D97-AF65-F5344CB8AC3E}">
+        <p14:creationId xmlns:p14="http://schemas.microsoft.com/office/powerpoint/2010/main" val="1628560740"/>
+      </p:ext>
+    </p:extLst>
+  </p:cSld>
+  <p:clrMapOvr>
+    <a:masterClrMapping/>
+  </p:clrMapOvr>
+</p:sld>
+</file>
+
+<file path=ppt/slides/slide20.xml><?xml version="1.0" encoding="utf-8"?>
+<p:sld xmlns:a="http://schemas.openxmlformats.org/drawingml/2006/main" xmlns:r="http://schemas.openxmlformats.org/officeDocument/2006/relationships" xmlns:p="http://schemas.openxmlformats.org/presentationml/2006/main">
+  <p:cSld>
+    <p:spTree>
+      <p:nvGrpSpPr>
+        <p:cNvPr id="1" name=""/>
+        <p:cNvGrpSpPr/>
+        <p:nvPr/>
+      </p:nvGrpSpPr>
+      <p:grpSpPr>
+        <a:xfrm>
+          <a:off x="0" y="0"/>
+          <a:ext cx="0" cy="0"/>
+          <a:chOff x="0" y="0"/>
+          <a:chExt cx="0" cy="0"/>
+        </a:xfrm>
+      </p:grpSpPr>
+      <p:sp>
+        <p:nvSpPr>
+          <p:cNvPr id="2" name="Title 1"/>
+          <p:cNvSpPr>
+            <a:spLocks noGrp="1"/>
+          </p:cNvSpPr>
+          <p:nvPr>
+            <p:ph type="title"/>
+          </p:nvPr>
+        </p:nvSpPr>
+        <p:spPr/>
+        <p:txBody>
+          <a:bodyPr>
+            <a:normAutofit/>
+          </a:bodyPr>
+          <a:lstStyle/>
+          <a:p>
+            <a:pPr algn="ctr"/>
+            <a:r>
+              <a:rPr lang="en-US" sz="4000" dirty="0">
+                <a:latin typeface="Arial" pitchFamily="34" charset="0"/>
+                <a:cs typeface="Arial" pitchFamily="34" charset="0"/>
+              </a:rPr>
+              <a:t>Comparison and Conclusions</a:t>
+            </a:r>
           </a:p>
         </p:txBody>
       </p:sp>
@@ -6750,7 +7944,7 @@
             <a:pPr marL="0" indent="0">
               <a:buNone/>
             </a:pPr>
-            <a:endParaRPr lang="en-US" sz="2000" dirty="0" smtClean="0">
+            <a:endParaRPr lang="en-US" sz="2000" dirty="0">
               <a:latin typeface="Arial" pitchFamily="34" charset="0"/>
               <a:cs typeface="Arial" pitchFamily="34" charset="0"/>
             </a:endParaRPr>
@@ -6833,7 +8027,7 @@
           <p:nvPr>
             <p:extLst>
               <p:ext uri="{D42A27DB-BD31-4B8C-83A1-F6EECF244321}">
-                <p14:modId xmlns:p14="http://schemas.microsoft.com/office/powerpoint/2010/main" val="2368152537"/>
+                <p14:modId xmlns:p14="http://schemas.microsoft.com/office/powerpoint/2010/main" val="474163128"/>
               </p:ext>
             </p:extLst>
           </p:nvPr>
@@ -6850,21 +8044,21 @@
                 <a:gridCol w="3272345">
                   <a:extLst>
                     <a:ext uri="{9D8B030D-6E8A-4147-A177-3AD203B41FA5}">
-                      <a16:colId xmlns="" xmlns:a16="http://schemas.microsoft.com/office/drawing/2014/main" val="20000"/>
+                      <a16:colId xmlns:a16="http://schemas.microsoft.com/office/drawing/2014/main" val="20000"/>
                     </a:ext>
                   </a:extLst>
                 </a:gridCol>
                 <a:gridCol w="1175878">
                   <a:extLst>
                     <a:ext uri="{9D8B030D-6E8A-4147-A177-3AD203B41FA5}">
-                      <a16:colId xmlns="" xmlns:a16="http://schemas.microsoft.com/office/drawing/2014/main" val="20001"/>
+                      <a16:colId xmlns:a16="http://schemas.microsoft.com/office/drawing/2014/main" val="20001"/>
                     </a:ext>
                   </a:extLst>
                 </a:gridCol>
                 <a:gridCol w="1647777">
                   <a:extLst>
                     <a:ext uri="{9D8B030D-6E8A-4147-A177-3AD203B41FA5}">
-                      <a16:colId xmlns="" xmlns:a16="http://schemas.microsoft.com/office/drawing/2014/main" val="20002"/>
+                      <a16:colId xmlns:a16="http://schemas.microsoft.com/office/drawing/2014/main" val="20002"/>
                     </a:ext>
                   </a:extLst>
                 </a:gridCol>
@@ -6884,7 +8078,7 @@
                         </a:spcAft>
                       </a:pPr>
                       <a:r>
-                        <a:rPr lang="en-US" sz="1600" b="1" i="0" u="none" strike="noStrike" dirty="0" smtClean="0">
+                        <a:rPr lang="en-US" sz="1600" b="1" i="0" u="none" strike="noStrike" dirty="0">
                           <a:solidFill>
                             <a:srgbClr val="FFFFFF"/>
                           </a:solidFill>
@@ -6893,7 +8087,7 @@
                         <a:t>Models (</a:t>
                       </a:r>
                       <a:r>
-                        <a:rPr lang="en-US" sz="1600" b="1" i="0" u="none" strike="noStrike" dirty="0" smtClean="0">
+                        <a:rPr lang="en-US" sz="1600" b="1" i="0" u="none" strike="noStrike" dirty="0">
                           <a:solidFill>
                             <a:schemeClr val="accent4"/>
                           </a:solidFill>
@@ -6902,7 +8096,7 @@
                         <a:t>Full Dataset</a:t>
                       </a:r>
                       <a:r>
-                        <a:rPr lang="en-US" sz="1600" b="1" i="0" u="none" strike="noStrike" dirty="0" smtClean="0">
+                        <a:rPr lang="en-US" sz="1600" b="1" i="0" u="none" strike="noStrike" dirty="0">
                           <a:solidFill>
                             <a:srgbClr val="FFFFFF"/>
                           </a:solidFill>
@@ -7091,7 +8285,7 @@
                 </a:tc>
                 <a:extLst>
                   <a:ext uri="{0D108BD9-81ED-4DB2-BD59-A6C34878D82A}">
-                    <a16:rowId xmlns="" xmlns:a16="http://schemas.microsoft.com/office/drawing/2014/main" val="10000"/>
+                    <a16:rowId xmlns:a16="http://schemas.microsoft.com/office/drawing/2014/main" val="10000"/>
                   </a:ext>
                 </a:extLst>
               </a:tr>
@@ -7116,7 +8310,7 @@
                           </a:solidFill>
                           <a:latin typeface="Arial"/>
                         </a:rPr>
-                        <a:t>Linear Regression</a:t>
+                        <a:t>Linear Regression (base model)</a:t>
                       </a:r>
                       <a:endParaRPr lang="en-US" sz="1500" dirty="0"/>
                     </a:p>
@@ -7177,7 +8371,7 @@
                         </a:spcAft>
                       </a:pPr>
                       <a:r>
-                        <a:rPr kumimoji="0" lang="en-US" sz="1600" b="0" i="0" kern="1200" dirty="0" smtClean="0">
+                        <a:rPr kumimoji="0" lang="en-US" sz="1600" b="0" i="0" kern="1200" dirty="0">
                           <a:solidFill>
                             <a:schemeClr val="tx1"/>
                           </a:solidFill>
@@ -7185,7 +8379,7 @@
                           <a:ea typeface="+mn-ea"/>
                           <a:cs typeface="Arial" pitchFamily="34" charset="0"/>
                         </a:rPr>
-                        <a:t>1.99</a:t>
+                        <a:t>1.94</a:t>
                       </a:r>
                       <a:endParaRPr lang="en-US" sz="1500" dirty="0">
                         <a:latin typeface="Arial" pitchFamily="34" charset="0"/>
@@ -7249,7 +8443,7 @@
                         </a:spcAft>
                       </a:pPr>
                       <a:r>
-                        <a:rPr kumimoji="0" lang="en-US" sz="1600" b="0" i="0" kern="1200" dirty="0" smtClean="0">
+                        <a:rPr kumimoji="0" lang="en-US" sz="1600" b="0" i="0" kern="1200" dirty="0">
                           <a:solidFill>
                             <a:schemeClr val="tx1"/>
                           </a:solidFill>
@@ -7257,7 +8451,7 @@
                           <a:ea typeface="+mn-ea"/>
                           <a:cs typeface="Arial" pitchFamily="34" charset="0"/>
                         </a:rPr>
-                        <a:t>1.99</a:t>
+                        <a:t>1.93</a:t>
                       </a:r>
                       <a:endParaRPr lang="en-US" sz="1500" dirty="0">
                         <a:latin typeface="Arial" pitchFamily="34" charset="0"/>
@@ -7309,7 +8503,7 @@
                 </a:tc>
                 <a:extLst>
                   <a:ext uri="{0D108BD9-81ED-4DB2-BD59-A6C34878D82A}">
-                    <a16:rowId xmlns="" xmlns:a16="http://schemas.microsoft.com/office/drawing/2014/main" val="10001"/>
+                    <a16:rowId xmlns:a16="http://schemas.microsoft.com/office/drawing/2014/main" val="10001"/>
                   </a:ext>
                 </a:extLst>
               </a:tr>
@@ -7404,7 +8598,7 @@
                         </a:spcAft>
                       </a:pPr>
                       <a:r>
-                        <a:rPr kumimoji="0" lang="en-US" sz="1600" b="0" i="0" kern="1200" dirty="0" smtClean="0">
+                        <a:rPr kumimoji="0" lang="en-US" sz="1600" b="0" i="0" kern="1200" dirty="0">
                           <a:solidFill>
                             <a:schemeClr val="tx1"/>
                           </a:solidFill>
@@ -7476,7 +8670,7 @@
                         </a:spcAft>
                       </a:pPr>
                       <a:r>
-                        <a:rPr lang="en-GB" sz="1500" dirty="0" smtClean="0">
+                        <a:rPr lang="en-GB" sz="1500" dirty="0">
                           <a:latin typeface="Arial" pitchFamily="34" charset="0"/>
                           <a:cs typeface="Arial" pitchFamily="34" charset="0"/>
                         </a:rPr>
@@ -7532,7 +8726,7 @@
                 </a:tc>
                 <a:extLst>
                   <a:ext uri="{0D108BD9-81ED-4DB2-BD59-A6C34878D82A}">
-                    <a16:rowId xmlns="" xmlns:a16="http://schemas.microsoft.com/office/drawing/2014/main" val="10002"/>
+                    <a16:rowId xmlns:a16="http://schemas.microsoft.com/office/drawing/2014/main" val="10002"/>
                   </a:ext>
                 </a:extLst>
               </a:tr>
@@ -7631,7 +8825,7 @@
                         </a:spcAft>
                       </a:pPr>
                       <a:r>
-                        <a:rPr kumimoji="0" lang="en-US" sz="1600" b="0" i="0" kern="1200" dirty="0" smtClean="0">
+                        <a:rPr kumimoji="0" lang="en-US" sz="1600" b="0" i="0" kern="1200" dirty="0">
                           <a:solidFill>
                             <a:schemeClr val="tx1"/>
                           </a:solidFill>
@@ -7639,7 +8833,7 @@
                           <a:ea typeface="+mn-ea"/>
                           <a:cs typeface="Arial" pitchFamily="34" charset="0"/>
                         </a:rPr>
-                        <a:t>7.94</a:t>
+                        <a:t>7.93</a:t>
                       </a:r>
                       <a:endParaRPr lang="en-US" sz="1500" dirty="0">
                         <a:latin typeface="Arial" pitchFamily="34" charset="0"/>
@@ -7703,7 +8897,7 @@
                         </a:spcAft>
                       </a:pPr>
                       <a:r>
-                        <a:rPr kumimoji="0" lang="en-US" sz="1600" b="0" i="0" kern="1200" dirty="0" smtClean="0">
+                        <a:rPr kumimoji="0" lang="en-US" sz="1600" b="0" i="0" kern="1200" dirty="0">
                           <a:solidFill>
                             <a:schemeClr val="tx1"/>
                           </a:solidFill>
@@ -7763,7 +8957,7 @@
                 </a:tc>
                 <a:extLst>
                   <a:ext uri="{0D108BD9-81ED-4DB2-BD59-A6C34878D82A}">
-                    <a16:rowId xmlns="" xmlns:a16="http://schemas.microsoft.com/office/drawing/2014/main" val="10003"/>
+                    <a16:rowId xmlns:a16="http://schemas.microsoft.com/office/drawing/2014/main" val="10003"/>
                   </a:ext>
                 </a:extLst>
               </a:tr>
@@ -7882,7 +9076,7 @@
                           <a:ea typeface="+mn-ea"/>
                           <a:cs typeface="Arial" pitchFamily="34" charset="0"/>
                         </a:rPr>
-                        <a:t>1.34</a:t>
+                        <a:t>1.33</a:t>
                       </a:r>
                       <a:endParaRPr lang="en-US" sz="1500" dirty="0">
                         <a:latin typeface="Arial" pitchFamily="34" charset="0"/>
@@ -7946,7 +9140,7 @@
                         </a:spcAft>
                       </a:pPr>
                       <a:r>
-                        <a:rPr kumimoji="0" lang="en-US" sz="1600" b="0" i="0" kern="1200" dirty="0" smtClean="0">
+                        <a:rPr kumimoji="0" lang="en-US" sz="1600" b="0" i="0" kern="1200" dirty="0">
                           <a:solidFill>
                             <a:schemeClr val="tx1"/>
                           </a:solidFill>
@@ -7954,7 +9148,7 @@
                           <a:ea typeface="+mn-ea"/>
                           <a:cs typeface="Arial" pitchFamily="34" charset="0"/>
                         </a:rPr>
-                        <a:t>1.63</a:t>
+                        <a:t>1.64</a:t>
                       </a:r>
                       <a:endParaRPr lang="en-US" sz="1500" dirty="0">
                         <a:latin typeface="Arial" pitchFamily="34" charset="0"/>
@@ -8006,7 +9200,7 @@
                 </a:tc>
                 <a:extLst>
                   <a:ext uri="{0D108BD9-81ED-4DB2-BD59-A6C34878D82A}">
-                    <a16:rowId xmlns="" xmlns:a16="http://schemas.microsoft.com/office/drawing/2014/main" val="10004"/>
+                    <a16:rowId xmlns:a16="http://schemas.microsoft.com/office/drawing/2014/main" val="10004"/>
                   </a:ext>
                 </a:extLst>
               </a:tr>
@@ -8104,21 +9298,21 @@
                 <a:gridCol w="3272345">
                   <a:extLst>
                     <a:ext uri="{9D8B030D-6E8A-4147-A177-3AD203B41FA5}">
-                      <a16:colId xmlns="" xmlns:a16="http://schemas.microsoft.com/office/drawing/2014/main" val="20000"/>
+                      <a16:colId xmlns:a16="http://schemas.microsoft.com/office/drawing/2014/main" val="20000"/>
                     </a:ext>
                   </a:extLst>
                 </a:gridCol>
                 <a:gridCol w="1175878">
                   <a:extLst>
                     <a:ext uri="{9D8B030D-6E8A-4147-A177-3AD203B41FA5}">
-                      <a16:colId xmlns="" xmlns:a16="http://schemas.microsoft.com/office/drawing/2014/main" val="20001"/>
+                      <a16:colId xmlns:a16="http://schemas.microsoft.com/office/drawing/2014/main" val="20001"/>
                     </a:ext>
                   </a:extLst>
                 </a:gridCol>
                 <a:gridCol w="1647777">
                   <a:extLst>
                     <a:ext uri="{9D8B030D-6E8A-4147-A177-3AD203B41FA5}">
-                      <a16:colId xmlns="" xmlns:a16="http://schemas.microsoft.com/office/drawing/2014/main" val="20002"/>
+                      <a16:colId xmlns:a16="http://schemas.microsoft.com/office/drawing/2014/main" val="20002"/>
                     </a:ext>
                   </a:extLst>
                 </a:gridCol>
@@ -8138,7 +9332,7 @@
                         </a:spcAft>
                       </a:pPr>
                       <a:r>
-                        <a:rPr lang="en-US" sz="1600" b="1" i="0" u="none" strike="noStrike" dirty="0" smtClean="0">
+                        <a:rPr lang="en-US" sz="1600" b="1" i="0" u="none" strike="noStrike" dirty="0">
                           <a:solidFill>
                             <a:srgbClr val="FFFFFF"/>
                           </a:solidFill>
@@ -8147,7 +9341,7 @@
                         <a:t>Models (</a:t>
                       </a:r>
                       <a:r>
-                        <a:rPr lang="en-US" sz="1600" b="1" i="0" u="none" strike="noStrike" dirty="0" smtClean="0">
+                        <a:rPr lang="en-US" sz="1600" b="1" i="0" u="none" strike="noStrike" dirty="0">
                           <a:solidFill>
                             <a:schemeClr val="accent4"/>
                           </a:solidFill>
@@ -8156,7 +9350,7 @@
                         <a:t>Developed Dataset</a:t>
                       </a:r>
                       <a:r>
-                        <a:rPr lang="en-US" sz="1600" b="1" i="0" u="none" strike="noStrike" dirty="0" smtClean="0">
+                        <a:rPr lang="en-US" sz="1600" b="1" i="0" u="none" strike="noStrike" dirty="0">
                           <a:solidFill>
                             <a:srgbClr val="FFFFFF"/>
                           </a:solidFill>
@@ -8345,7 +9539,7 @@
                 </a:tc>
                 <a:extLst>
                   <a:ext uri="{0D108BD9-81ED-4DB2-BD59-A6C34878D82A}">
-                    <a16:rowId xmlns="" xmlns:a16="http://schemas.microsoft.com/office/drawing/2014/main" val="10000"/>
+                    <a16:rowId xmlns:a16="http://schemas.microsoft.com/office/drawing/2014/main" val="10000"/>
                   </a:ext>
                 </a:extLst>
               </a:tr>
@@ -8431,7 +9625,7 @@
                         </a:spcAft>
                       </a:pPr>
                       <a:r>
-                        <a:rPr kumimoji="0" lang="en-US" sz="1600" b="0" i="0" kern="1200" dirty="0" smtClean="0">
+                        <a:rPr kumimoji="0" lang="en-US" sz="1600" b="0" i="0" kern="1200" dirty="0">
                           <a:solidFill>
                             <a:schemeClr val="tx1"/>
                           </a:solidFill>
@@ -8503,7 +9697,7 @@
                         </a:spcAft>
                       </a:pPr>
                       <a:r>
-                        <a:rPr kumimoji="0" lang="en-US" sz="1600" b="0" i="0" kern="1200" dirty="0" smtClean="0">
+                        <a:rPr kumimoji="0" lang="en-US" sz="1600" b="0" i="0" kern="1200" dirty="0">
                           <a:solidFill>
                             <a:schemeClr val="tx1"/>
                           </a:solidFill>
@@ -8563,7 +9757,7 @@
                 </a:tc>
                 <a:extLst>
                   <a:ext uri="{0D108BD9-81ED-4DB2-BD59-A6C34878D82A}">
-                    <a16:rowId xmlns="" xmlns:a16="http://schemas.microsoft.com/office/drawing/2014/main" val="10001"/>
+                    <a16:rowId xmlns:a16="http://schemas.microsoft.com/office/drawing/2014/main" val="10001"/>
                   </a:ext>
                 </a:extLst>
               </a:tr>
@@ -8658,7 +9852,7 @@
                         </a:spcAft>
                       </a:pPr>
                       <a:r>
-                        <a:rPr kumimoji="0" lang="en-US" sz="1600" b="0" i="0" kern="1200" dirty="0" smtClean="0">
+                        <a:rPr kumimoji="0" lang="en-US" sz="1600" b="0" i="0" kern="1200" dirty="0">
                           <a:solidFill>
                             <a:schemeClr val="tx1"/>
                           </a:solidFill>
@@ -8730,7 +9924,7 @@
                         </a:spcAft>
                       </a:pPr>
                       <a:r>
-                        <a:rPr lang="en-GB" sz="1500" dirty="0" smtClean="0">
+                        <a:rPr lang="en-GB" sz="1500" dirty="0">
                           <a:latin typeface="Arial" pitchFamily="34" charset="0"/>
                           <a:cs typeface="Arial" pitchFamily="34" charset="0"/>
                         </a:rPr>
@@ -8786,7 +9980,7 @@
                 </a:tc>
                 <a:extLst>
                   <a:ext uri="{0D108BD9-81ED-4DB2-BD59-A6C34878D82A}">
-                    <a16:rowId xmlns="" xmlns:a16="http://schemas.microsoft.com/office/drawing/2014/main" val="10002"/>
+                    <a16:rowId xmlns:a16="http://schemas.microsoft.com/office/drawing/2014/main" val="10002"/>
                   </a:ext>
                 </a:extLst>
               </a:tr>
@@ -8885,7 +10079,7 @@
                         </a:spcAft>
                       </a:pPr>
                       <a:r>
-                        <a:rPr kumimoji="0" lang="en-US" sz="1600" b="0" i="0" kern="1200" dirty="0" smtClean="0">
+                        <a:rPr kumimoji="0" lang="en-US" sz="1600" b="0" i="0" kern="1200" dirty="0">
                           <a:solidFill>
                             <a:schemeClr val="tx1"/>
                           </a:solidFill>
@@ -8957,7 +10151,7 @@
                         </a:spcAft>
                       </a:pPr>
                       <a:r>
-                        <a:rPr kumimoji="0" lang="en-US" sz="1600" b="0" i="0" kern="1200" dirty="0" smtClean="0">
+                        <a:rPr kumimoji="0" lang="en-US" sz="1600" b="0" i="0" kern="1200" dirty="0">
                           <a:solidFill>
                             <a:schemeClr val="tx1"/>
                           </a:solidFill>
@@ -9017,7 +10211,7 @@
                 </a:tc>
                 <a:extLst>
                   <a:ext uri="{0D108BD9-81ED-4DB2-BD59-A6C34878D82A}">
-                    <a16:rowId xmlns="" xmlns:a16="http://schemas.microsoft.com/office/drawing/2014/main" val="10003"/>
+                    <a16:rowId xmlns:a16="http://schemas.microsoft.com/office/drawing/2014/main" val="10003"/>
                   </a:ext>
                 </a:extLst>
               </a:tr>
@@ -9128,7 +10322,7 @@
                         </a:spcAft>
                       </a:pPr>
                       <a:r>
-                        <a:rPr kumimoji="0" lang="en-US" sz="1600" b="0" i="0" kern="1200" dirty="0" smtClean="0">
+                        <a:rPr kumimoji="0" lang="en-US" sz="1600" b="0" i="0" kern="1200" dirty="0">
                           <a:solidFill>
                             <a:schemeClr val="tx1"/>
                           </a:solidFill>
@@ -9200,7 +10394,7 @@
                         </a:spcAft>
                       </a:pPr>
                       <a:r>
-                        <a:rPr kumimoji="0" lang="en-US" sz="1600" b="0" i="0" kern="1200" dirty="0" smtClean="0">
+                        <a:rPr kumimoji="0" lang="en-US" sz="1600" b="0" i="0" kern="1200" dirty="0">
                           <a:solidFill>
                             <a:schemeClr val="tx1"/>
                           </a:solidFill>
@@ -9260,7 +10454,7 @@
                 </a:tc>
                 <a:extLst>
                   <a:ext uri="{0D108BD9-81ED-4DB2-BD59-A6C34878D82A}">
-                    <a16:rowId xmlns="" xmlns:a16="http://schemas.microsoft.com/office/drawing/2014/main" val="10004"/>
+                    <a16:rowId xmlns:a16="http://schemas.microsoft.com/office/drawing/2014/main" val="10004"/>
                   </a:ext>
                 </a:extLst>
               </a:tr>
@@ -9278,17 +10472,10 @@
   <p:clrMapOvr>
     <a:masterClrMapping/>
   </p:clrMapOvr>
-  <p:timing>
-    <p:tnLst>
-      <p:par>
-        <p:cTn id="1" dur="indefinite" restart="never" nodeType="tmRoot"/>
-      </p:par>
-    </p:tnLst>
-  </p:timing>
 </p:sld>
 </file>
 
-<file path=ppt/slides/slide18.xml><?xml version="1.0" encoding="utf-8"?>
+<file path=ppt/slides/slide21.xml><?xml version="1.0" encoding="utf-8"?>
 <p:sld xmlns:a="http://schemas.openxmlformats.org/drawingml/2006/main" xmlns:r="http://schemas.openxmlformats.org/officeDocument/2006/relationships" xmlns:p="http://schemas.openxmlformats.org/presentationml/2006/main">
   <p:cSld>
     <p:spTree>
@@ -9324,18 +10511,11 @@
           <a:p>
             <a:pPr algn="ctr"/>
             <a:r>
-              <a:rPr lang="en-US" sz="4000" dirty="0" smtClean="0">
-                <a:latin typeface="Arial" pitchFamily="34" charset="0"/>
-                <a:cs typeface="Arial" pitchFamily="34" charset="0"/>
-              </a:rPr>
-              <a:t>Further </a:t>
-            </a:r>
-            <a:r>
               <a:rPr lang="en-US" sz="4000" dirty="0">
                 <a:latin typeface="Arial" pitchFamily="34" charset="0"/>
                 <a:cs typeface="Arial" pitchFamily="34" charset="0"/>
               </a:rPr>
-              <a:t>thoughts</a:t>
+              <a:t>Further thoughts</a:t>
             </a:r>
             <a:endParaRPr lang="en-US" sz="4000" dirty="0"/>
           </a:p>
@@ -9368,7 +10548,17 @@
           <a:p>
             <a:pPr lvl="1"/>
             <a:r>
-              <a:rPr lang="en-US" dirty="0">
+              <a:rPr lang="en-US" sz="2200" dirty="0">
+                <a:latin typeface="Arial" pitchFamily="34" charset="0"/>
+                <a:cs typeface="Arial" pitchFamily="34" charset="0"/>
+              </a:rPr>
+              <a:t>Replace missing values in more sophisticated manner</a:t>
+            </a:r>
+          </a:p>
+          <a:p>
+            <a:pPr lvl="1"/>
+            <a:r>
+              <a:rPr lang="en-US" sz="2200" dirty="0">
                 <a:latin typeface="Arial" pitchFamily="34" charset="0"/>
                 <a:cs typeface="Arial" pitchFamily="34" charset="0"/>
               </a:rPr>
@@ -9382,9 +10572,51 @@
                 <a:latin typeface="Arial" pitchFamily="34" charset="0"/>
                 <a:cs typeface="Arial" pitchFamily="34" charset="0"/>
               </a:rPr>
-              <a:t>Feature engineering: Create new columns using the mix of the most important columns</a:t>
-            </a:r>
-            <a:endParaRPr lang="en-US" sz="1800" dirty="0">
+              <a:t>Feature engineering: </a:t>
+            </a:r>
+          </a:p>
+          <a:p>
+            <a:pPr lvl="2">
+              <a:buFont typeface="Wingdings" panose="05000000000000000000" pitchFamily="2" charset="2"/>
+              <a:buChar char="Ø"/>
+            </a:pPr>
+            <a:r>
+              <a:rPr lang="en-US" sz="1900" dirty="0">
+                <a:latin typeface="Arial" pitchFamily="34" charset="0"/>
+                <a:cs typeface="Arial" pitchFamily="34" charset="0"/>
+              </a:rPr>
+              <a:t>Create new columns using the mix of the most important columns</a:t>
+            </a:r>
+          </a:p>
+          <a:p>
+            <a:pPr lvl="2">
+              <a:buFont typeface="Wingdings" panose="05000000000000000000" pitchFamily="2" charset="2"/>
+              <a:buChar char="Ø"/>
+            </a:pPr>
+            <a:r>
+              <a:rPr lang="en-US" sz="1900" dirty="0">
+                <a:latin typeface="Arial" pitchFamily="34" charset="0"/>
+                <a:cs typeface="Arial" pitchFamily="34" charset="0"/>
+              </a:rPr>
+              <a:t>Aggregate Country column into groups (by social-economic index or by continents for example)</a:t>
+            </a:r>
+          </a:p>
+          <a:p>
+            <a:pPr lvl="2">
+              <a:buFont typeface="Wingdings" panose="05000000000000000000" pitchFamily="2" charset="2"/>
+              <a:buChar char="Ø"/>
+            </a:pPr>
+            <a:endParaRPr lang="en-US" sz="1900" dirty="0">
+              <a:latin typeface="Arial" pitchFamily="34" charset="0"/>
+              <a:cs typeface="Arial" pitchFamily="34" charset="0"/>
+            </a:endParaRPr>
+          </a:p>
+          <a:p>
+            <a:pPr lvl="2">
+              <a:buFont typeface="Wingdings" panose="05000000000000000000" pitchFamily="2" charset="2"/>
+              <a:buChar char="Ø"/>
+            </a:pPr>
+            <a:endParaRPr lang="en-US" sz="1500" dirty="0">
               <a:latin typeface="Arial" pitchFamily="34" charset="0"/>
               <a:cs typeface="Arial" pitchFamily="34" charset="0"/>
             </a:endParaRPr>
@@ -9397,275 +10629,15 @@
           </a:p>
         </p:txBody>
       </p:sp>
-    </p:spTree>
-    <p:extLst>
-      <p:ext uri="{BB962C8B-B14F-4D97-AF65-F5344CB8AC3E}">
-        <p14:creationId xmlns:p14="http://schemas.microsoft.com/office/powerpoint/2010/main" val="2225079378"/>
-      </p:ext>
-    </p:extLst>
-  </p:cSld>
-  <p:clrMapOvr>
-    <a:masterClrMapping/>
-  </p:clrMapOvr>
-</p:sld>
-</file>
-
-<file path=ppt/slides/slide2.xml><?xml version="1.0" encoding="utf-8"?>
-<p:sld xmlns:a="http://schemas.openxmlformats.org/drawingml/2006/main" xmlns:r="http://schemas.openxmlformats.org/officeDocument/2006/relationships" xmlns:p="http://schemas.openxmlformats.org/presentationml/2006/main">
-  <p:cSld>
-    <p:spTree>
-      <p:nvGrpSpPr>
-        <p:cNvPr id="1" name=""/>
-        <p:cNvGrpSpPr/>
-        <p:nvPr/>
-      </p:nvGrpSpPr>
-      <p:grpSpPr>
-        <a:xfrm>
-          <a:off x="0" y="0"/>
-          <a:ext cx="0" cy="0"/>
-          <a:chOff x="0" y="0"/>
-          <a:chExt cx="0" cy="0"/>
-        </a:xfrm>
-      </p:grpSpPr>
-      <p:sp>
-        <p:nvSpPr>
-          <p:cNvPr id="2" name="Title 1"/>
-          <p:cNvSpPr>
-            <a:spLocks noGrp="1"/>
-          </p:cNvSpPr>
-          <p:nvPr>
-            <p:ph type="title"/>
-          </p:nvPr>
-        </p:nvSpPr>
-        <p:spPr/>
-        <p:txBody>
-          <a:bodyPr>
-            <a:normAutofit/>
-          </a:bodyPr>
-          <a:lstStyle/>
-          <a:p>
-            <a:pPr algn="ctr"/>
-            <a:r>
-              <a:rPr lang="en-US" sz="4000" dirty="0">
-                <a:latin typeface="Arial" pitchFamily="34" charset="0"/>
-                <a:cs typeface="Arial" pitchFamily="34" charset="0"/>
-              </a:rPr>
-              <a:t>Problem Statement</a:t>
-            </a:r>
-          </a:p>
-        </p:txBody>
-      </p:sp>
-      <p:sp>
-        <p:nvSpPr>
-          <p:cNvPr id="3" name="Content Placeholder 2"/>
-          <p:cNvSpPr>
-            <a:spLocks noGrp="1"/>
-          </p:cNvSpPr>
-          <p:nvPr>
-            <p:ph idx="1"/>
-          </p:nvPr>
-        </p:nvSpPr>
-        <p:spPr/>
-        <p:txBody>
-          <a:bodyPr>
-            <a:normAutofit lnSpcReduction="10000"/>
-          </a:bodyPr>
-          <a:lstStyle/>
-          <a:p>
-            <a:r>
-              <a:rPr lang="en-GB" sz="2000" u="sng" dirty="0">
-                <a:latin typeface="Arial" pitchFamily="34" charset="0"/>
-                <a:cs typeface="Arial" pitchFamily="34" charset="0"/>
-              </a:rPr>
-              <a:t>The problem:</a:t>
-            </a:r>
-            <a:r>
-              <a:rPr lang="en-GB" sz="2000" dirty="0">
-                <a:latin typeface="Arial" pitchFamily="34" charset="0"/>
-                <a:cs typeface="Arial" pitchFamily="34" charset="0"/>
-              </a:rPr>
-              <a:t> To predict </a:t>
-            </a:r>
-            <a:r>
-              <a:rPr lang="en-US" sz="2000" dirty="0">
-                <a:latin typeface="Arial" pitchFamily="34" charset="0"/>
-                <a:cs typeface="Arial" pitchFamily="34" charset="0"/>
-              </a:rPr>
-              <a:t>life expectancy for countries around the world</a:t>
-            </a:r>
-          </a:p>
-          <a:p>
-            <a:r>
-              <a:rPr lang="en-GB" sz="2000" u="sng" dirty="0">
-                <a:latin typeface="Arial" pitchFamily="34" charset="0"/>
-                <a:cs typeface="Arial" pitchFamily="34" charset="0"/>
-              </a:rPr>
-              <a:t>The data set:</a:t>
-            </a:r>
-            <a:r>
-              <a:rPr lang="en-GB" sz="2000" dirty="0">
-                <a:latin typeface="Arial" pitchFamily="34" charset="0"/>
-                <a:cs typeface="Arial" pitchFamily="34" charset="0"/>
-              </a:rPr>
-              <a:t> Taken from </a:t>
-            </a:r>
-            <a:r>
-              <a:rPr lang="en-GB" sz="2000" dirty="0" err="1">
-                <a:latin typeface="Arial" pitchFamily="34" charset="0"/>
-                <a:cs typeface="Arial" pitchFamily="34" charset="0"/>
-              </a:rPr>
-              <a:t>Kaggle</a:t>
-            </a:r>
-            <a:endParaRPr lang="en-GB" sz="2000" dirty="0">
-              <a:latin typeface="Arial" pitchFamily="34" charset="0"/>
-              <a:cs typeface="Arial" pitchFamily="34" charset="0"/>
-            </a:endParaRPr>
-          </a:p>
-          <a:p>
-            <a:pPr marL="274320" lvl="1" indent="-274320">
-              <a:buClr>
-                <a:schemeClr val="accent3"/>
-              </a:buClr>
-              <a:buSzPct val="95000"/>
-            </a:pPr>
-            <a:r>
-              <a:rPr lang="en-US" sz="2000" dirty="0">
-                <a:latin typeface="Arial" pitchFamily="34" charset="0"/>
-                <a:cs typeface="Arial" pitchFamily="34" charset="0"/>
-              </a:rPr>
-              <a:t>Contains information compiled by the World Health Organization (WHO) and the United Nations to track factors that affect life expectancy</a:t>
-            </a:r>
-          </a:p>
-          <a:p>
-            <a:pPr marL="274320" lvl="1" indent="-274320">
-              <a:buClr>
-                <a:schemeClr val="accent3"/>
-              </a:buClr>
-              <a:buSzPct val="95000"/>
-            </a:pPr>
-            <a:r>
-              <a:rPr lang="en-US" sz="2000" dirty="0">
-                <a:latin typeface="Arial" pitchFamily="34" charset="0"/>
-                <a:cs typeface="Arial" pitchFamily="34" charset="0"/>
-              </a:rPr>
-              <a:t>Sits at an optimal size between being too </a:t>
-            </a:r>
-            <a:r>
-              <a:rPr lang="en-US" sz="2000" dirty="0" err="1">
-                <a:latin typeface="Arial" pitchFamily="34" charset="0"/>
-                <a:cs typeface="Arial" pitchFamily="34" charset="0"/>
-              </a:rPr>
-              <a:t>toyish</a:t>
-            </a:r>
-            <a:r>
-              <a:rPr lang="en-US" sz="2000" dirty="0">
-                <a:latin typeface="Arial" pitchFamily="34" charset="0"/>
-                <a:cs typeface="Arial" pitchFamily="34" charset="0"/>
-              </a:rPr>
-              <a:t> and too cumbersome</a:t>
-            </a:r>
-          </a:p>
-          <a:p>
-            <a:pPr marL="274320" lvl="1" indent="-274320">
-              <a:buClr>
-                <a:schemeClr val="accent3"/>
-              </a:buClr>
-              <a:buSzPct val="95000"/>
-            </a:pPr>
-            <a:r>
-              <a:rPr lang="en-US" sz="2000" dirty="0">
-                <a:latin typeface="Arial" pitchFamily="34" charset="0"/>
-                <a:cs typeface="Arial" pitchFamily="34" charset="0"/>
-              </a:rPr>
-              <a:t>The data contains 2938 rows and 22 </a:t>
-            </a:r>
-            <a:r>
-              <a:rPr lang="en-US" sz="2000" dirty="0" smtClean="0">
-                <a:latin typeface="Arial" pitchFamily="34" charset="0"/>
-                <a:cs typeface="Arial" pitchFamily="34" charset="0"/>
-              </a:rPr>
-              <a:t>columns (which are </a:t>
-            </a:r>
-            <a:r>
-              <a:rPr lang="en-US" sz="2000" b="1" dirty="0" smtClean="0">
-                <a:latin typeface="Arial" pitchFamily="34" charset="0"/>
-                <a:cs typeface="Arial" pitchFamily="34" charset="0"/>
-              </a:rPr>
-              <a:t>not </a:t>
-            </a:r>
-            <a:r>
-              <a:rPr lang="en-US" sz="2000" dirty="0" smtClean="0">
-                <a:latin typeface="Arial" pitchFamily="34" charset="0"/>
-                <a:cs typeface="Arial" pitchFamily="34" charset="0"/>
-              </a:rPr>
-              <a:t>self-explanatory)</a:t>
-            </a:r>
-            <a:endParaRPr lang="en-US" sz="2000" dirty="0">
-              <a:latin typeface="Arial" pitchFamily="34" charset="0"/>
-              <a:cs typeface="Arial" pitchFamily="34" charset="0"/>
-            </a:endParaRPr>
-          </a:p>
-          <a:p>
-            <a:r>
-              <a:rPr lang="en-US" sz="2000" dirty="0">
-                <a:latin typeface="Arial" pitchFamily="34" charset="0"/>
-                <a:cs typeface="Arial" pitchFamily="34" charset="0"/>
-              </a:rPr>
-              <a:t>Each row represents a country and a year combination</a:t>
-            </a:r>
-          </a:p>
-          <a:p>
-            <a:r>
-              <a:rPr lang="en-GB" sz="2000" dirty="0">
-                <a:latin typeface="Arial" pitchFamily="34" charset="0"/>
-                <a:cs typeface="Arial" pitchFamily="34" charset="0"/>
-              </a:rPr>
-              <a:t>20 numeric columns and 2 categorical columns (country and developing </a:t>
-            </a:r>
-            <a:r>
-              <a:rPr lang="en-GB" sz="2000" dirty="0" smtClean="0">
-                <a:latin typeface="Arial" pitchFamily="34" charset="0"/>
-                <a:cs typeface="Arial" pitchFamily="34" charset="0"/>
-              </a:rPr>
-              <a:t>status)</a:t>
-            </a:r>
-            <a:endParaRPr lang="en-GB" sz="2000" dirty="0">
-              <a:latin typeface="Arial" pitchFamily="34" charset="0"/>
-              <a:cs typeface="Arial" pitchFamily="34" charset="0"/>
-            </a:endParaRPr>
-          </a:p>
-          <a:p>
-            <a:endParaRPr lang="en-US" sz="2000" dirty="0">
-              <a:latin typeface="Arial" pitchFamily="34" charset="0"/>
-              <a:cs typeface="Arial" pitchFamily="34" charset="0"/>
-            </a:endParaRPr>
-          </a:p>
-          <a:p>
-            <a:pPr marL="393192" lvl="1" indent="0">
-              <a:buNone/>
-            </a:pPr>
-            <a:endParaRPr lang="en-US" sz="1800" i="1" dirty="0">
-              <a:latin typeface="Arial" pitchFamily="34" charset="0"/>
-              <a:cs typeface="Arial" pitchFamily="34" charset="0"/>
-            </a:endParaRPr>
-          </a:p>
-          <a:p>
-            <a:endParaRPr lang="en-US" sz="2000" dirty="0">
-              <a:latin typeface="Arial" pitchFamily="34" charset="0"/>
-              <a:cs typeface="Arial" pitchFamily="34" charset="0"/>
-            </a:endParaRPr>
-          </a:p>
-          <a:p>
-            <a:pPr marL="393192" lvl="1" indent="0">
-              <a:buNone/>
-            </a:pPr>
-            <a:endParaRPr lang="en-US" dirty="0"/>
-          </a:p>
-        </p:txBody>
-      </p:sp>
       <p:pic>
         <p:nvPicPr>
-          <p:cNvPr id="4" name="Picture 3"/>
+          <p:cNvPr id="4" name="Picture 3">
+            <a:extLst>
+              <a:ext uri="{FF2B5EF4-FFF2-40B4-BE49-F238E27FC236}">
+                <a16:creationId xmlns:a16="http://schemas.microsoft.com/office/drawing/2014/main" id="{CEA01AD0-8A20-486C-8A2B-575BFF3FDE5C}"/>
+              </a:ext>
+            </a:extLst>
+          </p:cNvPr>
           <p:cNvPicPr>
             <a:picLocks noChangeAspect="1" noChangeArrowheads="1"/>
           </p:cNvPicPr>
@@ -9730,20 +10702,13 @@
     </p:spTree>
     <p:extLst>
       <p:ext uri="{BB962C8B-B14F-4D97-AF65-F5344CB8AC3E}">
-        <p14:creationId xmlns:p14="http://schemas.microsoft.com/office/powerpoint/2010/main" val="1628560740"/>
+        <p14:creationId xmlns:p14="http://schemas.microsoft.com/office/powerpoint/2010/main" val="2225079378"/>
       </p:ext>
     </p:extLst>
   </p:cSld>
   <p:clrMapOvr>
     <a:masterClrMapping/>
   </p:clrMapOvr>
-  <p:timing>
-    <p:tnLst>
-      <p:par>
-        <p:cTn id="1" dur="indefinite" restart="never" nodeType="tmRoot"/>
-      </p:par>
-    </p:tnLst>
-  </p:timing>
 </p:sld>
 </file>
 
@@ -9825,14 +10790,7 @@
                 <a:latin typeface="Arial" pitchFamily="34" charset="0"/>
                 <a:cs typeface="Arial" pitchFamily="34" charset="0"/>
               </a:rPr>
-              <a:t>Columns - Features (independent variables</a:t>
-            </a:r>
-            <a:r>
-              <a:rPr lang="en-US" sz="1800" dirty="0" smtClean="0">
-                <a:latin typeface="Arial" pitchFamily="34" charset="0"/>
-                <a:cs typeface="Arial" pitchFamily="34" charset="0"/>
-              </a:rPr>
-              <a:t>):</a:t>
+              <a:t>Columns - Features (independent variables):</a:t>
             </a:r>
           </a:p>
           <a:p>
@@ -9857,17 +10815,7 @@
                 <a:latin typeface="Arial" pitchFamily="34" charset="0"/>
                 <a:cs typeface="Arial" pitchFamily="34" charset="0"/>
               </a:rPr>
-              <a:t>related </a:t>
-            </a:r>
-            <a:r>
-              <a:rPr lang="en-US" sz="1800" smtClean="0">
-                <a:solidFill>
-                  <a:srgbClr val="212121"/>
-                </a:solidFill>
-                <a:latin typeface="Arial" pitchFamily="34" charset="0"/>
-                <a:cs typeface="Arial" pitchFamily="34" charset="0"/>
-              </a:rPr>
-              <a:t>factors.</a:t>
+              <a:t>related factors.</a:t>
             </a:r>
             <a:endParaRPr lang="en-US" sz="1800" dirty="0">
               <a:latin typeface="Arial" pitchFamily="34" charset="0"/>
@@ -9876,7 +10824,7 @@
           </a:p>
           <a:p>
             <a:r>
-              <a:rPr lang="en-US" sz="1800" u="sng" dirty="0" smtClean="0">
+              <a:rPr lang="en-US" sz="1800" u="sng" dirty="0">
                 <a:latin typeface="Arial" pitchFamily="34" charset="0"/>
                 <a:cs typeface="Arial" pitchFamily="34" charset="0"/>
               </a:rPr>
@@ -10163,13 +11111,6 @@
   <p:clrMapOvr>
     <a:masterClrMapping/>
   </p:clrMapOvr>
-  <p:timing>
-    <p:tnLst>
-      <p:par>
-        <p:cTn id="1" dur="indefinite" restart="never" nodeType="tmRoot"/>
-      </p:par>
-    </p:tnLst>
-  </p:timing>
 </p:sld>
 </file>
 
@@ -10260,18 +11201,11 @@
           </a:p>
           <a:p>
             <a:r>
-              <a:rPr lang="en-US" sz="1800" u="sng" dirty="0" smtClean="0">
-                <a:latin typeface="Arial" pitchFamily="34" charset="0"/>
-                <a:cs typeface="Arial" pitchFamily="34" charset="0"/>
-              </a:rPr>
-              <a:t>Under-five </a:t>
-            </a:r>
-            <a:r>
               <a:rPr lang="en-US" sz="1800" u="sng" dirty="0">
                 <a:latin typeface="Arial" pitchFamily="34" charset="0"/>
                 <a:cs typeface="Arial" pitchFamily="34" charset="0"/>
               </a:rPr>
-              <a:t>deaths</a:t>
+              <a:t>Under-five deaths</a:t>
             </a:r>
             <a:r>
               <a:rPr lang="en-US" sz="1800" dirty="0">
@@ -10528,13 +11462,6 @@
   <p:clrMapOvr>
     <a:masterClrMapping/>
   </p:clrMapOvr>
-  <p:timing>
-    <p:tnLst>
-      <p:par>
-        <p:cTn id="1" dur="indefinite" restart="never" nodeType="tmRoot"/>
-      </p:par>
-    </p:tnLst>
-  </p:timing>
 </p:sld>
 </file>
 
@@ -10565,7 +11492,12 @@
             <p:ph type="title"/>
           </p:nvPr>
         </p:nvSpPr>
-        <p:spPr/>
+        <p:spPr>
+          <a:xfrm>
+            <a:off x="457200" y="704088"/>
+            <a:ext cx="8229600" cy="801064"/>
+          </a:xfrm>
+        </p:spPr>
         <p:txBody>
           <a:bodyPr>
             <a:normAutofit/>
@@ -10578,7 +11510,243 @@
                 <a:latin typeface="Arial" pitchFamily="34" charset="0"/>
                 <a:cs typeface="Arial" pitchFamily="34" charset="0"/>
               </a:rPr>
-              <a:t>Target Variable Distribution</a:t>
+              <a:t>Looking at the Data</a:t>
+            </a:r>
+          </a:p>
+        </p:txBody>
+      </p:sp>
+      <p:pic>
+        <p:nvPicPr>
+          <p:cNvPr id="5" name="Picture 4"/>
+          <p:cNvPicPr>
+            <a:picLocks noChangeAspect="1" noChangeArrowheads="1"/>
+          </p:cNvPicPr>
+          <p:nvPr/>
+        </p:nvPicPr>
+        <p:blipFill>
+          <a:blip r:embed="rId2" cstate="print">
+            <a:extLst>
+              <a:ext uri="{28A0092B-C50C-407E-A947-70E740481C1C}">
+                <a14:useLocalDpi xmlns:a14="http://schemas.microsoft.com/office/drawing/2010/main" val="0"/>
+              </a:ext>
+            </a:extLst>
+          </a:blip>
+          <a:srcRect/>
+          <a:stretch>
+            <a:fillRect/>
+          </a:stretch>
+        </p:blipFill>
+        <p:spPr bwMode="auto">
+          <a:xfrm>
+            <a:off x="7524328" y="116632"/>
+            <a:ext cx="1497269" cy="1173536"/>
+          </a:xfrm>
+          <a:prstGeom prst="rect">
+            <a:avLst/>
+          </a:prstGeom>
+          <a:noFill/>
+          <a:ln>
+            <a:noFill/>
+          </a:ln>
+          <a:effectLst/>
+          <a:extLst>
+            <a:ext uri="{909E8E84-426E-40DD-AFC4-6F175D3DCCD1}">
+              <a14:hiddenFill xmlns:a14="http://schemas.microsoft.com/office/drawing/2010/main">
+                <a:solidFill>
+                  <a:schemeClr val="accent1"/>
+                </a:solidFill>
+              </a14:hiddenFill>
+            </a:ext>
+            <a:ext uri="{91240B29-F687-4F45-9708-019B960494DF}">
+              <a14:hiddenLine xmlns:a14="http://schemas.microsoft.com/office/drawing/2010/main" w="9525">
+                <a:solidFill>
+                  <a:schemeClr val="tx1"/>
+                </a:solidFill>
+                <a:miter lim="800000"/>
+                <a:headEnd/>
+                <a:tailEnd/>
+              </a14:hiddenLine>
+            </a:ext>
+            <a:ext uri="{AF507438-7753-43E0-B8FC-AC1667EBCBE1}">
+              <a14:hiddenEffects xmlns:a14="http://schemas.microsoft.com/office/drawing/2010/main">
+                <a:effectLst>
+                  <a:outerShdw dist="35921" dir="2700000" algn="ctr" rotWithShape="0">
+                    <a:schemeClr val="bg2"/>
+                  </a:outerShdw>
+                </a:effectLst>
+              </a14:hiddenEffects>
+            </a:ext>
+          </a:extLst>
+        </p:spPr>
+      </p:pic>
+      <p:pic>
+        <p:nvPicPr>
+          <p:cNvPr id="4" name="Picture 3" descr="A screenshot of a computer&#10;&#10;Description automatically generated with medium confidence">
+            <a:extLst>
+              <a:ext uri="{FF2B5EF4-FFF2-40B4-BE49-F238E27FC236}">
+                <a16:creationId xmlns:a16="http://schemas.microsoft.com/office/drawing/2014/main" id="{3A14F61F-F908-4855-9A2B-51D7FD8B6AB9}"/>
+              </a:ext>
+            </a:extLst>
+          </p:cNvPr>
+          <p:cNvPicPr>
+            <a:picLocks noChangeAspect="1"/>
+          </p:cNvPicPr>
+          <p:nvPr/>
+        </p:nvPicPr>
+        <p:blipFill>
+          <a:blip r:embed="rId3"/>
+          <a:stretch>
+            <a:fillRect/>
+          </a:stretch>
+        </p:blipFill>
+        <p:spPr>
+          <a:xfrm>
+            <a:off x="323528" y="1988840"/>
+            <a:ext cx="8162925" cy="1943100"/>
+          </a:xfrm>
+          <a:prstGeom prst="rect">
+            <a:avLst/>
+          </a:prstGeom>
+        </p:spPr>
+      </p:pic>
+      <p:pic>
+        <p:nvPicPr>
+          <p:cNvPr id="9" name="Picture 8" descr="Graphical user interface, text, application&#10;&#10;Description automatically generated">
+            <a:extLst>
+              <a:ext uri="{FF2B5EF4-FFF2-40B4-BE49-F238E27FC236}">
+                <a16:creationId xmlns:a16="http://schemas.microsoft.com/office/drawing/2014/main" id="{C389CC20-5E58-4C7E-A1BF-F8D15D570ED1}"/>
+              </a:ext>
+            </a:extLst>
+          </p:cNvPr>
+          <p:cNvPicPr>
+            <a:picLocks noChangeAspect="1"/>
+          </p:cNvPicPr>
+          <p:nvPr/>
+        </p:nvPicPr>
+        <p:blipFill>
+          <a:blip r:embed="rId4"/>
+          <a:stretch>
+            <a:fillRect/>
+          </a:stretch>
+        </p:blipFill>
+        <p:spPr>
+          <a:xfrm>
+            <a:off x="0" y="4509120"/>
+            <a:ext cx="9144000" cy="1825056"/>
+          </a:xfrm>
+          <a:prstGeom prst="rect">
+            <a:avLst/>
+          </a:prstGeom>
+        </p:spPr>
+      </p:pic>
+      <p:sp>
+        <p:nvSpPr>
+          <p:cNvPr id="11" name="TextBox 10">
+            <a:extLst>
+              <a:ext uri="{FF2B5EF4-FFF2-40B4-BE49-F238E27FC236}">
+                <a16:creationId xmlns:a16="http://schemas.microsoft.com/office/drawing/2014/main" id="{D13573A5-6D6C-4CBC-AB56-1557BA621071}"/>
+              </a:ext>
+            </a:extLst>
+          </p:cNvPr>
+          <p:cNvSpPr txBox="1"/>
+          <p:nvPr/>
+        </p:nvSpPr>
+        <p:spPr>
+          <a:xfrm>
+            <a:off x="985098" y="3931940"/>
+            <a:ext cx="4392488" cy="461665"/>
+          </a:xfrm>
+          <a:prstGeom prst="rect">
+            <a:avLst/>
+          </a:prstGeom>
+          <a:noFill/>
+        </p:spPr>
+        <p:txBody>
+          <a:bodyPr wrap="square" rtlCol="0">
+            <a:spAutoFit/>
+          </a:bodyPr>
+          <a:lstStyle/>
+          <a:p>
+            <a:r>
+              <a:rPr lang="en-US" sz="2400" dirty="0"/>
+              <a:t>Continue…</a:t>
+            </a:r>
+            <a:endParaRPr lang="en-IL" sz="2400" dirty="0"/>
+          </a:p>
+        </p:txBody>
+      </p:sp>
+    </p:spTree>
+    <p:extLst>
+      <p:ext uri="{BB962C8B-B14F-4D97-AF65-F5344CB8AC3E}">
+        <p14:creationId xmlns:p14="http://schemas.microsoft.com/office/powerpoint/2010/main" val="2603811186"/>
+      </p:ext>
+    </p:extLst>
+  </p:cSld>
+  <p:clrMapOvr>
+    <a:masterClrMapping/>
+  </p:clrMapOvr>
+</p:sld>
+</file>
+
+<file path=ppt/slides/slide6.xml><?xml version="1.0" encoding="utf-8"?>
+<p:sld xmlns:a="http://schemas.openxmlformats.org/drawingml/2006/main" xmlns:r="http://schemas.openxmlformats.org/officeDocument/2006/relationships" xmlns:p="http://schemas.openxmlformats.org/presentationml/2006/main">
+  <p:cSld>
+    <p:spTree>
+      <p:nvGrpSpPr>
+        <p:cNvPr id="1" name=""/>
+        <p:cNvGrpSpPr/>
+        <p:nvPr/>
+      </p:nvGrpSpPr>
+      <p:grpSpPr>
+        <a:xfrm>
+          <a:off x="0" y="0"/>
+          <a:ext cx="0" cy="0"/>
+          <a:chOff x="0" y="0"/>
+          <a:chExt cx="0" cy="0"/>
+        </a:xfrm>
+      </p:grpSpPr>
+      <p:sp>
+        <p:nvSpPr>
+          <p:cNvPr id="2" name="Title 1"/>
+          <p:cNvSpPr>
+            <a:spLocks noGrp="1"/>
+          </p:cNvSpPr>
+          <p:nvPr>
+            <p:ph type="title"/>
+          </p:nvPr>
+        </p:nvSpPr>
+        <p:spPr>
+          <a:xfrm>
+            <a:off x="457200" y="704088"/>
+            <a:ext cx="8229600" cy="1143000"/>
+          </a:xfrm>
+        </p:spPr>
+        <p:txBody>
+          <a:bodyPr>
+            <a:normAutofit fontScale="90000"/>
+          </a:bodyPr>
+          <a:lstStyle/>
+          <a:p>
+            <a:pPr algn="ctr"/>
+            <a:r>
+              <a:rPr lang="en-US" sz="4000" dirty="0">
+                <a:latin typeface="Arial" pitchFamily="34" charset="0"/>
+                <a:cs typeface="Arial" pitchFamily="34" charset="0"/>
+              </a:rPr>
+              <a:t>Target Variable Distribution -</a:t>
+            </a:r>
+            <a:br>
+              <a:rPr lang="en-US" sz="4000" dirty="0">
+                <a:latin typeface="Arial" pitchFamily="34" charset="0"/>
+                <a:cs typeface="Arial" pitchFamily="34" charset="0"/>
+              </a:rPr>
+            </a:br>
+            <a:r>
+              <a:rPr lang="en-US" sz="4000" dirty="0">
+                <a:latin typeface="Arial" pitchFamily="34" charset="0"/>
+                <a:cs typeface="Arial" pitchFamily="34" charset="0"/>
+              </a:rPr>
+              <a:t> Life Expectancy</a:t>
             </a:r>
           </a:p>
         </p:txBody>
@@ -10652,7 +11820,7 @@
           <p:cNvPr id="6" name="Picture 5" descr="Chart, line chart&#10;&#10;Description automatically generated">
             <a:extLst>
               <a:ext uri="{FF2B5EF4-FFF2-40B4-BE49-F238E27FC236}">
-                <a16:creationId xmlns="" xmlns:a16="http://schemas.microsoft.com/office/drawing/2014/main" id="{C602C2B3-585D-4587-89C4-61F1BE4555AD}"/>
+                <a16:creationId xmlns:a16="http://schemas.microsoft.com/office/drawing/2014/main" id="{C602C2B3-585D-4587-89C4-61F1BE4555AD}"/>
               </a:ext>
             </a:extLst>
           </p:cNvPr>
@@ -10682,7 +11850,7 @@
           <p:cNvPr id="8" name="Picture 7" descr="Chart, histogram&#10;&#10;Description automatically generated">
             <a:extLst>
               <a:ext uri="{FF2B5EF4-FFF2-40B4-BE49-F238E27FC236}">
-                <a16:creationId xmlns="" xmlns:a16="http://schemas.microsoft.com/office/drawing/2014/main" id="{B151166E-0DA2-4300-8A9B-D62F1F346043}"/>
+                <a16:creationId xmlns:a16="http://schemas.microsoft.com/office/drawing/2014/main" id="{B151166E-0DA2-4300-8A9B-D62F1F346043}"/>
               </a:ext>
             </a:extLst>
           </p:cNvPr>
@@ -10699,8 +11867,8 @@
         </p:blipFill>
         <p:spPr>
           <a:xfrm>
-            <a:off x="457200" y="2204864"/>
-            <a:ext cx="3971925" cy="2609850"/>
+            <a:off x="637219" y="2536816"/>
+            <a:ext cx="3466728" cy="2277898"/>
           </a:xfrm>
           <a:prstGeom prst="rect">
             <a:avLst/>
@@ -10712,7 +11880,7 @@
           <p:cNvPr id="10" name="Picture 9" descr="Chart, box and whisker chart&#10;&#10;Description automatically generated">
             <a:extLst>
               <a:ext uri="{FF2B5EF4-FFF2-40B4-BE49-F238E27FC236}">
-                <a16:creationId xmlns="" xmlns:a16="http://schemas.microsoft.com/office/drawing/2014/main" id="{A5DFF88A-AEB1-48CF-8321-E18DD4583C08}"/>
+                <a16:creationId xmlns:a16="http://schemas.microsoft.com/office/drawing/2014/main" id="{A5DFF88A-AEB1-48CF-8321-E18DD4583C08}"/>
               </a:ext>
             </a:extLst>
           </p:cNvPr>
@@ -10729,35 +11897,72 @@
         </p:blipFill>
         <p:spPr>
           <a:xfrm>
-            <a:off x="4571020" y="2275771"/>
-            <a:ext cx="3316586" cy="2306458"/>
+            <a:off x="4623304" y="2643461"/>
+            <a:ext cx="2881300" cy="1903593"/>
           </a:xfrm>
           <a:prstGeom prst="rect">
             <a:avLst/>
           </a:prstGeom>
         </p:spPr>
       </p:pic>
+      <p:sp>
+        <p:nvSpPr>
+          <p:cNvPr id="9" name="TextBox 8">
+            <a:extLst>
+              <a:ext uri="{FF2B5EF4-FFF2-40B4-BE49-F238E27FC236}">
+                <a16:creationId xmlns:a16="http://schemas.microsoft.com/office/drawing/2014/main" id="{0C444E9C-7A7E-4EBC-8131-402CAABEB8FE}"/>
+              </a:ext>
+            </a:extLst>
+          </p:cNvPr>
+          <p:cNvSpPr txBox="1"/>
+          <p:nvPr/>
+        </p:nvSpPr>
+        <p:spPr>
+          <a:xfrm>
+            <a:off x="901328" y="2007286"/>
+            <a:ext cx="6405239" cy="369332"/>
+          </a:xfrm>
+          <a:prstGeom prst="rect">
+            <a:avLst/>
+          </a:prstGeom>
+          <a:noFill/>
+        </p:spPr>
+        <p:txBody>
+          <a:bodyPr wrap="square">
+            <a:spAutoFit/>
+          </a:bodyPr>
+          <a:lstStyle/>
+          <a:p>
+            <a:pPr marL="548640" lvl="2" indent="-274320">
+              <a:buClr>
+                <a:schemeClr val="accent3"/>
+              </a:buClr>
+              <a:buSzPct val="95000"/>
+            </a:pPr>
+            <a:r>
+              <a:rPr lang="en-US" sz="1800" dirty="0">
+                <a:latin typeface="Arial" pitchFamily="34" charset="0"/>
+                <a:cs typeface="Arial" pitchFamily="34" charset="0"/>
+              </a:rPr>
+              <a:t>Mean: 69.23, Std: 9.5, Min: 36.3, Median: 72.1, Max: 89.0</a:t>
+            </a:r>
+          </a:p>
+        </p:txBody>
+      </p:sp>
     </p:spTree>
     <p:extLst>
       <p:ext uri="{BB962C8B-B14F-4D97-AF65-F5344CB8AC3E}">
-        <p14:creationId xmlns:p14="http://schemas.microsoft.com/office/powerpoint/2010/main" val="2603811186"/>
+        <p14:creationId xmlns:p14="http://schemas.microsoft.com/office/powerpoint/2010/main" val="2380806556"/>
       </p:ext>
     </p:extLst>
   </p:cSld>
   <p:clrMapOvr>
     <a:masterClrMapping/>
   </p:clrMapOvr>
-  <p:timing>
-    <p:tnLst>
-      <p:par>
-        <p:cTn id="1" dur="indefinite" restart="never" nodeType="tmRoot"/>
-      </p:par>
-    </p:tnLst>
-  </p:timing>
 </p:sld>
 </file>
 
-<file path=ppt/slides/slide6.xml><?xml version="1.0" encoding="utf-8"?>
+<file path=ppt/slides/slide7.xml><?xml version="1.0" encoding="utf-8"?>
 <p:sld xmlns:a="http://schemas.openxmlformats.org/drawingml/2006/main" xmlns:r="http://schemas.openxmlformats.org/officeDocument/2006/relationships" xmlns:p="http://schemas.openxmlformats.org/presentationml/2006/main">
   <p:cSld>
     <p:spTree>
@@ -10784,7 +11989,12 @@
             <p:ph type="title"/>
           </p:nvPr>
         </p:nvSpPr>
-        <p:spPr/>
+        <p:spPr>
+          <a:xfrm>
+            <a:off x="457200" y="704088"/>
+            <a:ext cx="8229600" cy="1140736"/>
+          </a:xfrm>
+        </p:spPr>
         <p:txBody>
           <a:bodyPr>
             <a:normAutofit/>
@@ -10829,21 +12039,7 @@
                 <a:latin typeface="Arial" pitchFamily="34" charset="0"/>
                 <a:cs typeface="Arial" pitchFamily="34" charset="0"/>
               </a:rPr>
-              <a:t>Cleaning </a:t>
-            </a:r>
-            <a:r>
-              <a:rPr lang="en-US" sz="2000" dirty="0" smtClean="0">
-                <a:latin typeface="Arial" pitchFamily="34" charset="0"/>
-                <a:cs typeface="Arial" pitchFamily="34" charset="0"/>
-              </a:rPr>
-              <a:t>&amp; Fixing column </a:t>
-            </a:r>
-            <a:r>
-              <a:rPr lang="en-US" sz="2000" dirty="0">
-                <a:latin typeface="Arial" pitchFamily="34" charset="0"/>
-                <a:cs typeface="Arial" pitchFamily="34" charset="0"/>
-              </a:rPr>
-              <a:t>names</a:t>
+              <a:t>Cleaning &amp; fixing column names</a:t>
             </a:r>
           </a:p>
           <a:p>
@@ -11131,6 +12327,64 @@
           </a:ln>
         </p:spPr>
       </p:pic>
+      <p:sp>
+        <p:nvSpPr>
+          <p:cNvPr id="4" name="TextBox 3">
+            <a:extLst>
+              <a:ext uri="{FF2B5EF4-FFF2-40B4-BE49-F238E27FC236}">
+                <a16:creationId xmlns:a16="http://schemas.microsoft.com/office/drawing/2014/main" id="{7C467B21-D66A-498A-82F3-2C48E49215F7}"/>
+              </a:ext>
+            </a:extLst>
+          </p:cNvPr>
+          <p:cNvSpPr txBox="1"/>
+          <p:nvPr/>
+        </p:nvSpPr>
+        <p:spPr>
+          <a:xfrm>
+            <a:off x="1831501" y="6381328"/>
+            <a:ext cx="6624736" cy="369332"/>
+          </a:xfrm>
+          <a:prstGeom prst="rect">
+            <a:avLst/>
+          </a:prstGeom>
+          <a:noFill/>
+        </p:spPr>
+        <p:txBody>
+          <a:bodyPr wrap="square" rtlCol="0">
+            <a:spAutoFit/>
+          </a:bodyPr>
+          <a:lstStyle/>
+          <a:p>
+            <a:r>
+              <a:rPr lang="en-US" dirty="0">
+                <a:solidFill>
+                  <a:schemeClr val="accent1">
+                    <a:lumMod val="75000"/>
+                  </a:schemeClr>
+                </a:solidFill>
+              </a:rPr>
+              <a:t>Blue</a:t>
+            </a:r>
+            <a:r>
+              <a:rPr lang="en-US" dirty="0"/>
+              <a:t> = developing countries, </a:t>
+            </a:r>
+            <a:r>
+              <a:rPr lang="en-US" dirty="0">
+                <a:solidFill>
+                  <a:srgbClr val="FF66CC"/>
+                </a:solidFill>
+              </a:rPr>
+              <a:t>Pink</a:t>
+            </a:r>
+            <a:r>
+              <a:rPr lang="en-US" dirty="0"/>
+              <a:t> = developed countries</a:t>
+            </a:r>
+            <a:endParaRPr lang="en-IL" dirty="0"/>
+          </a:p>
+        </p:txBody>
+      </p:sp>
     </p:spTree>
     <p:extLst>
       <p:ext uri="{BB962C8B-B14F-4D97-AF65-F5344CB8AC3E}">
@@ -11141,17 +12395,10 @@
   <p:clrMapOvr>
     <a:masterClrMapping/>
   </p:clrMapOvr>
-  <p:timing>
-    <p:tnLst>
-      <p:par>
-        <p:cTn id="1" dur="indefinite" restart="never" nodeType="tmRoot"/>
-      </p:par>
-    </p:tnLst>
-  </p:timing>
 </p:sld>
 </file>
 
-<file path=ppt/slides/slide7.xml><?xml version="1.0" encoding="utf-8"?>
+<file path=ppt/slides/slide8.xml><?xml version="1.0" encoding="utf-8"?>
 <p:sld xmlns:a="http://schemas.openxmlformats.org/drawingml/2006/main" xmlns:r="http://schemas.openxmlformats.org/officeDocument/2006/relationships" xmlns:p="http://schemas.openxmlformats.org/presentationml/2006/main">
   <p:cSld>
     <p:spTree>
@@ -11178,10 +12425,15 @@
             <p:ph type="title"/>
           </p:nvPr>
         </p:nvSpPr>
-        <p:spPr/>
+        <p:spPr>
+          <a:xfrm>
+            <a:off x="346208" y="704088"/>
+            <a:ext cx="8340592" cy="1143000"/>
+          </a:xfrm>
+        </p:spPr>
         <p:txBody>
           <a:bodyPr>
-            <a:normAutofit/>
+            <a:normAutofit fontScale="90000"/>
           </a:bodyPr>
           <a:lstStyle/>
           <a:p>
@@ -11191,7 +12443,7 @@
                 <a:latin typeface="Arial" pitchFamily="34" charset="0"/>
                 <a:cs typeface="Arial" pitchFamily="34" charset="0"/>
               </a:rPr>
-              <a:t>Feature Selection (1)</a:t>
+              <a:t>Feature Selection - Correlation Matrix (1)</a:t>
             </a:r>
             <a:endParaRPr lang="en-US" sz="4000" dirty="0"/>
           </a:p>
@@ -11207,7 +12459,12 @@
             <p:ph idx="1"/>
           </p:nvPr>
         </p:nvSpPr>
-        <p:spPr/>
+        <p:spPr>
+          <a:xfrm>
+            <a:off x="179513" y="1935480"/>
+            <a:ext cx="8842084" cy="4389120"/>
+          </a:xfrm>
+        </p:spPr>
         <p:txBody>
           <a:bodyPr>
             <a:normAutofit/>
@@ -11219,7 +12476,7 @@
                 <a:latin typeface="Arial" pitchFamily="34" charset="0"/>
                 <a:cs typeface="Arial" pitchFamily="34" charset="0"/>
               </a:rPr>
-              <a:t>Used techniques:</a:t>
+              <a:t>Used 5 techniques:</a:t>
             </a:r>
           </a:p>
           <a:p>
@@ -11248,7 +12505,22 @@
                 <a:latin typeface="Arial" pitchFamily="34" charset="0"/>
                 <a:cs typeface="Arial" pitchFamily="34" charset="0"/>
               </a:rPr>
-              <a:t>+ running linear regression model in a loop with different thresholds</a:t>
+              <a:t>+ running linear regression model in a loop with different thresholds towards target variable (threshold = 0 </a:t>
+            </a:r>
+            <a:r>
+              <a:rPr lang="en-US" sz="1800" dirty="0">
+                <a:latin typeface="Arial" pitchFamily="34" charset="0"/>
+                <a:cs typeface="Arial" pitchFamily="34" charset="0"/>
+                <a:sym typeface="Wingdings" panose="05000000000000000000" pitchFamily="2" charset="2"/>
+              </a:rPr>
+              <a:t> use all features</a:t>
+            </a:r>
+            <a:r>
+              <a:rPr lang="en-US" sz="1800" dirty="0">
+                <a:latin typeface="Arial" pitchFamily="34" charset="0"/>
+                <a:cs typeface="Arial" pitchFamily="34" charset="0"/>
+              </a:rPr>
+              <a:t>)</a:t>
             </a:r>
           </a:p>
           <a:p>
@@ -11329,7 +12601,7 @@
           <p:cNvPr id="8" name="Picture 7" descr="Text, letter&#10;&#10;Description automatically generated">
             <a:extLst>
               <a:ext uri="{FF2B5EF4-FFF2-40B4-BE49-F238E27FC236}">
-                <a16:creationId xmlns="" xmlns:a16="http://schemas.microsoft.com/office/drawing/2014/main" id="{06BBDE69-9AA1-462F-9CF0-74B8CE1850D7}"/>
+                <a16:creationId xmlns:a16="http://schemas.microsoft.com/office/drawing/2014/main" id="{06BBDE69-9AA1-462F-9CF0-74B8CE1850D7}"/>
               </a:ext>
             </a:extLst>
           </p:cNvPr>
@@ -11359,7 +12631,7 @@
           <p:cNvPr id="9" name="TextBox 8">
             <a:extLst>
               <a:ext uri="{FF2B5EF4-FFF2-40B4-BE49-F238E27FC236}">
-                <a16:creationId xmlns="" xmlns:a16="http://schemas.microsoft.com/office/drawing/2014/main" id="{46994728-B909-4653-80AC-471841ECAF8C}"/>
+                <a16:creationId xmlns:a16="http://schemas.microsoft.com/office/drawing/2014/main" id="{46994728-B909-4653-80AC-471841ECAF8C}"/>
               </a:ext>
             </a:extLst>
           </p:cNvPr>
@@ -11395,7 +12667,7 @@
           <p:cNvPr id="10" name="TextBox 9">
             <a:extLst>
               <a:ext uri="{FF2B5EF4-FFF2-40B4-BE49-F238E27FC236}">
-                <a16:creationId xmlns="" xmlns:a16="http://schemas.microsoft.com/office/drawing/2014/main" id="{56D51DBD-C236-4764-84F6-7F46791CDA9F}"/>
+                <a16:creationId xmlns:a16="http://schemas.microsoft.com/office/drawing/2014/main" id="{56D51DBD-C236-4764-84F6-7F46791CDA9F}"/>
               </a:ext>
             </a:extLst>
           </p:cNvPr>
@@ -11441,7 +12713,7 @@
           <p:cNvPr id="11" name="Arrow: Down 10">
             <a:extLst>
               <a:ext uri="{FF2B5EF4-FFF2-40B4-BE49-F238E27FC236}">
-                <a16:creationId xmlns="" xmlns:a16="http://schemas.microsoft.com/office/drawing/2014/main" id="{1BE463A8-166F-43F8-8B27-289F818C0B12}"/>
+                <a16:creationId xmlns:a16="http://schemas.microsoft.com/office/drawing/2014/main" id="{1BE463A8-166F-43F8-8B27-289F818C0B12}"/>
               </a:ext>
             </a:extLst>
           </p:cNvPr>
@@ -11490,7 +12762,7 @@
           <p:cNvPr id="12" name="TextBox 11">
             <a:extLst>
               <a:ext uri="{FF2B5EF4-FFF2-40B4-BE49-F238E27FC236}">
-                <a16:creationId xmlns="" xmlns:a16="http://schemas.microsoft.com/office/drawing/2014/main" id="{BA37669C-757F-4256-8487-CB2F52413CC9}"/>
+                <a16:creationId xmlns:a16="http://schemas.microsoft.com/office/drawing/2014/main" id="{BA37669C-757F-4256-8487-CB2F52413CC9}"/>
               </a:ext>
             </a:extLst>
           </p:cNvPr>
@@ -11540,7 +12812,7 @@
           <p:cNvPr id="14" name="Picture 13" descr="Text&#10;&#10;Description automatically generated">
             <a:extLst>
               <a:ext uri="{FF2B5EF4-FFF2-40B4-BE49-F238E27FC236}">
-                <a16:creationId xmlns="" xmlns:a16="http://schemas.microsoft.com/office/drawing/2014/main" id="{37095293-62EB-4078-B971-C2FD399CC7D3}"/>
+                <a16:creationId xmlns:a16="http://schemas.microsoft.com/office/drawing/2014/main" id="{37095293-62EB-4078-B971-C2FD399CC7D3}"/>
               </a:ext>
             </a:extLst>
           </p:cNvPr>
@@ -11575,17 +12847,10 @@
   <p:clrMapOvr>
     <a:masterClrMapping/>
   </p:clrMapOvr>
-  <p:timing>
-    <p:tnLst>
-      <p:par>
-        <p:cTn id="1" dur="indefinite" restart="never" nodeType="tmRoot"/>
-      </p:par>
-    </p:tnLst>
-  </p:timing>
 </p:sld>
 </file>
 
-<file path=ppt/slides/slide8.xml><?xml version="1.0" encoding="utf-8"?>
+<file path=ppt/slides/slide9.xml><?xml version="1.0" encoding="utf-8"?>
 <p:sld xmlns:a="http://schemas.openxmlformats.org/drawingml/2006/main" xmlns:r="http://schemas.openxmlformats.org/officeDocument/2006/relationships" xmlns:p="http://schemas.openxmlformats.org/presentationml/2006/main">
   <p:cSld>
     <p:spTree>
@@ -11612,10 +12877,15 @@
             <p:ph type="title"/>
           </p:nvPr>
         </p:nvSpPr>
-        <p:spPr/>
+        <p:spPr>
+          <a:xfrm>
+            <a:off x="346208" y="704088"/>
+            <a:ext cx="8340592" cy="1143000"/>
+          </a:xfrm>
+        </p:spPr>
         <p:txBody>
           <a:bodyPr>
-            <a:normAutofit/>
+            <a:normAutofit fontScale="90000"/>
           </a:bodyPr>
           <a:lstStyle/>
           <a:p>
@@ -11625,7 +12895,7 @@
                 <a:latin typeface="Arial" pitchFamily="34" charset="0"/>
                 <a:cs typeface="Arial" pitchFamily="34" charset="0"/>
               </a:rPr>
-              <a:t>Feature Selection (2)</a:t>
+              <a:t>Feature Selection - Correlation Matrix (2)</a:t>
             </a:r>
             <a:endParaRPr lang="en-US" sz="4000" dirty="0"/>
           </a:p>
@@ -11641,7 +12911,12 @@
             <p:ph idx="1"/>
           </p:nvPr>
         </p:nvSpPr>
-        <p:spPr/>
+        <p:spPr>
+          <a:xfrm>
+            <a:off x="179513" y="1935480"/>
+            <a:ext cx="8842084" cy="4389120"/>
+          </a:xfrm>
+        </p:spPr>
         <p:txBody>
           <a:bodyPr>
             <a:normAutofit/>
@@ -11666,71 +12941,277 @@
                 <a:latin typeface="Arial" pitchFamily="34" charset="0"/>
                 <a:cs typeface="Arial" pitchFamily="34" charset="0"/>
               </a:rPr>
-              <a:t>Lasso regression</a:t>
-            </a:r>
-          </a:p>
-          <a:p>
-            <a:pPr marL="393192" lvl="1" indent="0">
+              <a:t>Pearson’s Correlation Matrix :</a:t>
+            </a:r>
+          </a:p>
+          <a:p>
+            <a:pPr lvl="2">
+              <a:buFont typeface="Wingdings" panose="05000000000000000000" pitchFamily="2" charset="2"/>
+              <a:buChar char="Ø"/>
+            </a:pPr>
+            <a:r>
+              <a:rPr lang="en-US" sz="1500" dirty="0">
+                <a:latin typeface="Arial" pitchFamily="34" charset="0"/>
+                <a:cs typeface="Arial" pitchFamily="34" charset="0"/>
+              </a:rPr>
+              <a:t>Dropping one variable of each pair of variables that are highly correlated to each other</a:t>
+            </a:r>
+          </a:p>
+          <a:p>
+            <a:pPr lvl="2">
+              <a:buFont typeface="Wingdings" panose="05000000000000000000" pitchFamily="2" charset="2"/>
+              <a:buChar char="Ø"/>
+            </a:pPr>
+            <a:r>
+              <a:rPr lang="en-US" sz="1500" dirty="0">
+                <a:latin typeface="Arial" pitchFamily="34" charset="0"/>
+                <a:cs typeface="Arial" pitchFamily="34" charset="0"/>
+              </a:rPr>
+              <a:t>Leaving the variable that has a stronger correlation with target variable</a:t>
+            </a:r>
+          </a:p>
+          <a:p>
+            <a:pPr lvl="2">
+              <a:buFont typeface="Wingdings" panose="05000000000000000000" pitchFamily="2" charset="2"/>
+              <a:buChar char="Ø"/>
+            </a:pPr>
+            <a:endParaRPr lang="en-US" sz="1500" dirty="0">
+              <a:latin typeface="Arial" pitchFamily="34" charset="0"/>
+              <a:cs typeface="Arial" pitchFamily="34" charset="0"/>
+            </a:endParaRPr>
+          </a:p>
+          <a:p>
+            <a:pPr marL="667512" lvl="2" indent="0">
               <a:buNone/>
             </a:pPr>
             <a:r>
-              <a:rPr lang="en-US" sz="1400" dirty="0">
-                <a:solidFill>
-                  <a:srgbClr val="212121"/>
-                </a:solidFill>
-                <a:latin typeface="Roboto" panose="02000000000000000000" pitchFamily="2" charset="0"/>
-              </a:rPr>
-              <a:t>Purpose: t</a:t>
-            </a:r>
-            <a:r>
-              <a:rPr lang="en-US" sz="1400" b="0" i="0" dirty="0">
+              <a:rPr lang="en-US" sz="1200" b="0" i="0" dirty="0">
                 <a:solidFill>
                   <a:srgbClr val="212121"/>
                 </a:solidFill>
                 <a:effectLst/>
                 <a:latin typeface="Roboto" panose="02000000000000000000" pitchFamily="2" charset="0"/>
               </a:rPr>
-              <a:t>o see the features coefficients and drop all the features with close to 0 coefficients.</a:t>
-            </a:r>
+              <a:t>HIV/AIDS and Adult Mortality (0.52) </a:t>
+            </a:r>
+            <a:r>
+              <a:rPr lang="en-US" sz="1200" b="0" i="0" dirty="0">
+                <a:solidFill>
+                  <a:srgbClr val="212121"/>
+                </a:solidFill>
+                <a:effectLst/>
+                <a:latin typeface="Roboto" panose="02000000000000000000" pitchFamily="2" charset="0"/>
+                <a:sym typeface="Wingdings" panose="05000000000000000000" pitchFamily="2" charset="2"/>
+              </a:rPr>
+              <a:t> </a:t>
+            </a:r>
+            <a:r>
+              <a:rPr lang="en-US" sz="1200" b="0" i="0" dirty="0">
+                <a:solidFill>
+                  <a:srgbClr val="212121"/>
+                </a:solidFill>
+                <a:effectLst/>
+                <a:latin typeface="Roboto" panose="02000000000000000000" pitchFamily="2" charset="0"/>
+              </a:rPr>
+              <a:t>HIP/AIDS was dropped</a:t>
+            </a:r>
+            <a:endParaRPr lang="en-US" sz="1500" b="0" i="0" dirty="0">
+              <a:solidFill>
+                <a:srgbClr val="212121"/>
+              </a:solidFill>
+              <a:effectLst/>
+              <a:latin typeface="Arial" pitchFamily="34" charset="0"/>
+              <a:cs typeface="Arial" pitchFamily="34" charset="0"/>
+            </a:endParaRPr>
+          </a:p>
+          <a:p>
+            <a:pPr marL="667512" lvl="2" indent="0">
+              <a:buNone/>
+            </a:pPr>
+            <a:r>
+              <a:rPr lang="en-US" sz="1200" b="0" i="0" dirty="0">
+                <a:solidFill>
+                  <a:srgbClr val="212121"/>
+                </a:solidFill>
+                <a:effectLst/>
+                <a:latin typeface="Roboto" panose="02000000000000000000" pitchFamily="2" charset="0"/>
+              </a:rPr>
+              <a:t>BMI and Income composition of resources (0.51) </a:t>
+            </a:r>
+            <a:r>
+              <a:rPr lang="en-US" sz="1200" b="0" i="0" dirty="0">
+                <a:solidFill>
+                  <a:srgbClr val="212121"/>
+                </a:solidFill>
+                <a:effectLst/>
+                <a:latin typeface="Roboto" panose="02000000000000000000" pitchFamily="2" charset="0"/>
+                <a:sym typeface="Wingdings" panose="05000000000000000000" pitchFamily="2" charset="2"/>
+              </a:rPr>
+              <a:t> </a:t>
+            </a:r>
+            <a:r>
+              <a:rPr lang="en-US" sz="1200" b="0" i="0" dirty="0">
+                <a:solidFill>
+                  <a:srgbClr val="212121"/>
+                </a:solidFill>
+                <a:effectLst/>
+                <a:latin typeface="Roboto" panose="02000000000000000000" pitchFamily="2" charset="0"/>
+              </a:rPr>
+              <a:t>BMI was dropped</a:t>
+            </a:r>
+            <a:endParaRPr lang="en-US" sz="1500" dirty="0">
+              <a:solidFill>
+                <a:srgbClr val="212121"/>
+              </a:solidFill>
+              <a:latin typeface="Arial" pitchFamily="34" charset="0"/>
+              <a:cs typeface="Arial" pitchFamily="34" charset="0"/>
+            </a:endParaRPr>
+          </a:p>
+          <a:p>
+            <a:pPr marL="667512" lvl="2" indent="0">
+              <a:buNone/>
+            </a:pPr>
+            <a:r>
+              <a:rPr lang="en-US" sz="1200" b="0" i="0" dirty="0">
+                <a:solidFill>
+                  <a:srgbClr val="212121"/>
+                </a:solidFill>
+                <a:effectLst/>
+                <a:latin typeface="Roboto" panose="02000000000000000000" pitchFamily="2" charset="0"/>
+              </a:rPr>
+              <a:t>Income composition of resources and Schooling (0.8) </a:t>
+            </a:r>
+            <a:r>
+              <a:rPr lang="en-US" sz="1200" b="0" i="0" dirty="0">
+                <a:solidFill>
+                  <a:srgbClr val="212121"/>
+                </a:solidFill>
+                <a:effectLst/>
+                <a:latin typeface="Roboto" panose="02000000000000000000" pitchFamily="2" charset="0"/>
+                <a:sym typeface="Wingdings" panose="05000000000000000000" pitchFamily="2" charset="2"/>
+              </a:rPr>
+              <a:t> </a:t>
+            </a:r>
+            <a:r>
+              <a:rPr lang="en-US" sz="1200" b="0" i="0" dirty="0">
+                <a:solidFill>
+                  <a:srgbClr val="212121"/>
+                </a:solidFill>
+                <a:effectLst/>
+                <a:latin typeface="Roboto" panose="02000000000000000000" pitchFamily="2" charset="0"/>
+              </a:rPr>
+              <a:t>Income composition of resources was dropped</a:t>
+            </a:r>
+            <a:endParaRPr lang="en-US" sz="1500" b="0" i="0" dirty="0">
+              <a:solidFill>
+                <a:srgbClr val="212121"/>
+              </a:solidFill>
+              <a:effectLst/>
+              <a:latin typeface="Arial" pitchFamily="34" charset="0"/>
+              <a:cs typeface="Arial" pitchFamily="34" charset="0"/>
+            </a:endParaRPr>
+          </a:p>
+          <a:p>
+            <a:pPr marL="667512" lvl="2" indent="0">
+              <a:buNone/>
+            </a:pPr>
+            <a:r>
+              <a:rPr lang="en-US" sz="1200" b="0" i="0" dirty="0">
+                <a:solidFill>
+                  <a:srgbClr val="212121"/>
+                </a:solidFill>
+                <a:effectLst/>
+                <a:latin typeface="Roboto" panose="02000000000000000000" pitchFamily="2" charset="0"/>
+              </a:rPr>
+              <a:t>Polio and Diphtheria (0.67) </a:t>
+            </a:r>
+            <a:r>
+              <a:rPr lang="en-US" sz="1200" b="0" i="0" dirty="0">
+                <a:solidFill>
+                  <a:srgbClr val="212121"/>
+                </a:solidFill>
+                <a:effectLst/>
+                <a:latin typeface="Roboto" panose="02000000000000000000" pitchFamily="2" charset="0"/>
+                <a:sym typeface="Wingdings" panose="05000000000000000000" pitchFamily="2" charset="2"/>
+              </a:rPr>
+              <a:t> </a:t>
+            </a:r>
+            <a:r>
+              <a:rPr lang="en-US" sz="1200" b="0" i="0" dirty="0">
+                <a:solidFill>
+                  <a:srgbClr val="212121"/>
+                </a:solidFill>
+                <a:effectLst/>
+                <a:latin typeface="Roboto" panose="02000000000000000000" pitchFamily="2" charset="0"/>
+              </a:rPr>
+              <a:t>Polio was dropped</a:t>
+            </a:r>
+            <a:endParaRPr lang="en-US" sz="1500" dirty="0">
+              <a:solidFill>
+                <a:srgbClr val="212121"/>
+              </a:solidFill>
+              <a:latin typeface="Arial" pitchFamily="34" charset="0"/>
+              <a:cs typeface="Arial" pitchFamily="34" charset="0"/>
+            </a:endParaRPr>
+          </a:p>
+          <a:p>
+            <a:pPr marL="667512" lvl="2" indent="0">
+              <a:buNone/>
+            </a:pPr>
+            <a:r>
+              <a:rPr lang="en-US" sz="1200" b="0" i="0" dirty="0">
+                <a:solidFill>
+                  <a:srgbClr val="212121"/>
+                </a:solidFill>
+                <a:effectLst/>
+                <a:latin typeface="Roboto" panose="02000000000000000000" pitchFamily="2" charset="0"/>
+              </a:rPr>
+              <a:t>thinness 5-9 years and thinness 10-19 years (0.94) </a:t>
+            </a:r>
+            <a:r>
+              <a:rPr lang="en-US" sz="1200" b="0" i="0" dirty="0">
+                <a:solidFill>
+                  <a:srgbClr val="212121"/>
+                </a:solidFill>
+                <a:effectLst/>
+                <a:latin typeface="Roboto" panose="02000000000000000000" pitchFamily="2" charset="0"/>
+                <a:sym typeface="Wingdings" panose="05000000000000000000" pitchFamily="2" charset="2"/>
+              </a:rPr>
+              <a:t> </a:t>
+            </a:r>
+            <a:r>
+              <a:rPr lang="en-US" sz="1200" b="0" i="0" dirty="0">
+                <a:solidFill>
+                  <a:srgbClr val="212121"/>
+                </a:solidFill>
+                <a:effectLst/>
+                <a:latin typeface="Roboto" panose="02000000000000000000" pitchFamily="2" charset="0"/>
+              </a:rPr>
+              <a:t>thinness 5-9 years was dropped</a:t>
+            </a:r>
+            <a:endParaRPr lang="en-US" sz="1500" dirty="0">
+              <a:latin typeface="Arial" pitchFamily="34" charset="0"/>
+              <a:cs typeface="Arial" pitchFamily="34" charset="0"/>
+            </a:endParaRPr>
           </a:p>
           <a:p>
             <a:pPr marL="393192" lvl="1" indent="0">
               <a:buNone/>
             </a:pPr>
-            <a:r>
-              <a:rPr lang="en-US" sz="1400" dirty="0">
-                <a:solidFill>
-                  <a:srgbClr val="212121"/>
-                </a:solidFill>
-                <a:latin typeface="Roboto" panose="02000000000000000000" pitchFamily="2" charset="0"/>
-                <a:cs typeface="Arial" pitchFamily="34" charset="0"/>
-              </a:rPr>
-              <a:t>Eliminated (</a:t>
-            </a:r>
-            <a:r>
-              <a:rPr lang="en-US" sz="1400" dirty="0" err="1">
-                <a:solidFill>
-                  <a:srgbClr val="212121"/>
-                </a:solidFill>
-                <a:latin typeface="Roboto" panose="02000000000000000000" pitchFamily="2" charset="0"/>
-                <a:cs typeface="Arial" pitchFamily="34" charset="0"/>
-              </a:rPr>
-              <a:t>model_coef</a:t>
-            </a:r>
-            <a:r>
-              <a:rPr lang="en-US" sz="1400" dirty="0">
-                <a:solidFill>
-                  <a:srgbClr val="212121"/>
-                </a:solidFill>
-                <a:latin typeface="Roboto" panose="02000000000000000000" pitchFamily="2" charset="0"/>
-                <a:cs typeface="Arial" pitchFamily="34" charset="0"/>
-              </a:rPr>
-              <a:t> == 0): 2 variables:</a:t>
-            </a:r>
             <a:endParaRPr lang="en-US" sz="1800" dirty="0">
               <a:latin typeface="Arial" pitchFamily="34" charset="0"/>
               <a:cs typeface="Arial" pitchFamily="34" charset="0"/>
             </a:endParaRPr>
+          </a:p>
+          <a:p>
+            <a:pPr lvl="1"/>
+            <a:r>
+              <a:rPr lang="en-US" sz="1800" dirty="0">
+                <a:latin typeface="Arial" pitchFamily="34" charset="0"/>
+                <a:cs typeface="Arial" pitchFamily="34" charset="0"/>
+              </a:rPr>
+              <a:t>Train RMSE: 1.99, Test RMSE: 1.99</a:t>
+            </a:r>
           </a:p>
         </p:txBody>
       </p:sp>
@@ -11798,403 +13279,62 @@
           </a:extLst>
         </p:spPr>
       </p:pic>
-      <p:pic>
-        <p:nvPicPr>
-          <p:cNvPr id="16" name="Picture 15" descr="A picture containing text, receipt, screenshot&#10;&#10;Description automatically generated">
+      <p:sp>
+        <p:nvSpPr>
+          <p:cNvPr id="10" name="TextBox 9">
             <a:extLst>
               <a:ext uri="{FF2B5EF4-FFF2-40B4-BE49-F238E27FC236}">
-                <a16:creationId xmlns="" xmlns:a16="http://schemas.microsoft.com/office/drawing/2014/main" id="{0BE9B296-3952-41EA-8195-A85B6CD547B4}"/>
+                <a16:creationId xmlns:a16="http://schemas.microsoft.com/office/drawing/2014/main" id="{56D51DBD-C236-4764-84F6-7F46791CDA9F}"/>
               </a:ext>
             </a:extLst>
           </p:cNvPr>
-          <p:cNvPicPr>
-            <a:picLocks noChangeAspect="1"/>
-          </p:cNvPicPr>
+          <p:cNvSpPr txBox="1"/>
           <p:nvPr/>
-        </p:nvPicPr>
-        <p:blipFill>
-          <a:blip r:embed="rId3"/>
-          <a:stretch>
-            <a:fillRect/>
-          </a:stretch>
-        </p:blipFill>
+        </p:nvSpPr>
         <p:spPr>
           <a:xfrm>
-            <a:off x="1259632" y="3284984"/>
-            <a:ext cx="2876550" cy="2505075"/>
+            <a:off x="251519" y="5817385"/>
+            <a:ext cx="8842083" cy="646331"/>
           </a:xfrm>
           <a:prstGeom prst="rect">
             <a:avLst/>
           </a:prstGeom>
+          <a:noFill/>
         </p:spPr>
-      </p:pic>
+        <p:txBody>
+          <a:bodyPr wrap="square" rtlCol="0">
+            <a:spAutoFit/>
+          </a:bodyPr>
+          <a:lstStyle/>
+          <a:p>
+            <a:r>
+              <a:rPr lang="en-US" dirty="0"/>
+              <a:t>Conclusion: </a:t>
+            </a:r>
+            <a:r>
+              <a:rPr lang="en-US" b="0" i="0" dirty="0">
+                <a:solidFill>
+                  <a:srgbClr val="212121"/>
+                </a:solidFill>
+                <a:effectLst/>
+                <a:latin typeface="Roboto" panose="02000000000000000000" pitchFamily="2" charset="0"/>
+              </a:rPr>
+              <a:t>dropping highly-correlated columns hasn’t improved the prediction result (1.93 vs 1.99)</a:t>
+            </a:r>
+            <a:endParaRPr lang="en-IL" dirty="0"/>
+          </a:p>
+        </p:txBody>
+      </p:sp>
     </p:spTree>
     <p:extLst>
       <p:ext uri="{BB962C8B-B14F-4D97-AF65-F5344CB8AC3E}">
-        <p14:creationId xmlns:p14="http://schemas.microsoft.com/office/powerpoint/2010/main" val="3070569939"/>
+        <p14:creationId xmlns:p14="http://schemas.microsoft.com/office/powerpoint/2010/main" val="2625580491"/>
       </p:ext>
     </p:extLst>
   </p:cSld>
   <p:clrMapOvr>
     <a:masterClrMapping/>
   </p:clrMapOvr>
-  <p:timing>
-    <p:tnLst>
-      <p:par>
-        <p:cTn id="1" dur="indefinite" restart="never" nodeType="tmRoot"/>
-      </p:par>
-    </p:tnLst>
-  </p:timing>
-</p:sld>
-</file>
-
-<file path=ppt/slides/slide9.xml><?xml version="1.0" encoding="utf-8"?>
-<p:sld xmlns:a="http://schemas.openxmlformats.org/drawingml/2006/main" xmlns:r="http://schemas.openxmlformats.org/officeDocument/2006/relationships" xmlns:p="http://schemas.openxmlformats.org/presentationml/2006/main">
-  <p:cSld>
-    <p:spTree>
-      <p:nvGrpSpPr>
-        <p:cNvPr id="1" name=""/>
-        <p:cNvGrpSpPr/>
-        <p:nvPr/>
-      </p:nvGrpSpPr>
-      <p:grpSpPr>
-        <a:xfrm>
-          <a:off x="0" y="0"/>
-          <a:ext cx="0" cy="0"/>
-          <a:chOff x="0" y="0"/>
-          <a:chExt cx="0" cy="0"/>
-        </a:xfrm>
-      </p:grpSpPr>
-      <p:sp>
-        <p:nvSpPr>
-          <p:cNvPr id="2" name="Title 1"/>
-          <p:cNvSpPr>
-            <a:spLocks noGrp="1"/>
-          </p:cNvSpPr>
-          <p:nvPr>
-            <p:ph type="title"/>
-          </p:nvPr>
-        </p:nvSpPr>
-        <p:spPr>
-          <a:xfrm>
-            <a:off x="467544" y="332656"/>
-            <a:ext cx="8229600" cy="1143000"/>
-          </a:xfrm>
-        </p:spPr>
-        <p:txBody>
-          <a:bodyPr>
-            <a:normAutofit/>
-          </a:bodyPr>
-          <a:lstStyle/>
-          <a:p>
-            <a:pPr algn="ctr"/>
-            <a:r>
-              <a:rPr lang="en-US" sz="4000" dirty="0">
-                <a:latin typeface="Arial" pitchFamily="34" charset="0"/>
-                <a:cs typeface="Arial" pitchFamily="34" charset="0"/>
-              </a:rPr>
-              <a:t>Feature Selection </a:t>
-            </a:r>
-            <a:r>
-              <a:rPr lang="en-US" sz="4000" dirty="0" smtClean="0">
-                <a:latin typeface="Arial" pitchFamily="34" charset="0"/>
-                <a:cs typeface="Arial" pitchFamily="34" charset="0"/>
-              </a:rPr>
-              <a:t>(3)</a:t>
-            </a:r>
-            <a:endParaRPr lang="en-US" sz="4000" dirty="0"/>
-          </a:p>
-        </p:txBody>
-      </p:sp>
-      <p:sp>
-        <p:nvSpPr>
-          <p:cNvPr id="3" name="Content Placeholder 2"/>
-          <p:cNvSpPr>
-            <a:spLocks noGrp="1"/>
-          </p:cNvSpPr>
-          <p:nvPr>
-            <p:ph idx="1"/>
-          </p:nvPr>
-        </p:nvSpPr>
-        <p:spPr>
-          <a:xfrm>
-            <a:off x="467544" y="1628800"/>
-            <a:ext cx="8229600" cy="4389120"/>
-          </a:xfrm>
-        </p:spPr>
-        <p:txBody>
-          <a:bodyPr>
-            <a:normAutofit/>
-          </a:bodyPr>
-          <a:lstStyle/>
-          <a:p>
-            <a:r>
-              <a:rPr lang="en-US" sz="1800" dirty="0" smtClean="0">
-                <a:latin typeface="Arial" pitchFamily="34" charset="0"/>
-                <a:cs typeface="Arial" pitchFamily="34" charset="0"/>
-              </a:rPr>
-              <a:t>SHAP values </a:t>
-            </a:r>
-            <a:r>
-              <a:rPr lang="en-US" sz="1800" dirty="0">
-                <a:latin typeface="Arial" pitchFamily="34" charset="0"/>
-                <a:cs typeface="Arial" pitchFamily="34" charset="0"/>
-              </a:rPr>
-              <a:t>(</a:t>
-            </a:r>
-            <a:r>
-              <a:rPr lang="en-US" sz="1800" dirty="0" err="1">
-                <a:latin typeface="Arial" pitchFamily="34" charset="0"/>
-                <a:cs typeface="Arial" pitchFamily="34" charset="0"/>
-              </a:rPr>
-              <a:t>SHapley</a:t>
-            </a:r>
-            <a:r>
-              <a:rPr lang="en-US" sz="1800" dirty="0">
-                <a:latin typeface="Arial" pitchFamily="34" charset="0"/>
-                <a:cs typeface="Arial" pitchFamily="34" charset="0"/>
-              </a:rPr>
-              <a:t> Additive </a:t>
-            </a:r>
-            <a:r>
-              <a:rPr lang="en-US" sz="1800" dirty="0" err="1">
-                <a:latin typeface="Arial" pitchFamily="34" charset="0"/>
-                <a:cs typeface="Arial" pitchFamily="34" charset="0"/>
-              </a:rPr>
-              <a:t>exPlanations</a:t>
-            </a:r>
-            <a:r>
-              <a:rPr lang="en-US" sz="1800" dirty="0">
-                <a:latin typeface="Arial" pitchFamily="34" charset="0"/>
-                <a:cs typeface="Arial" pitchFamily="34" charset="0"/>
-              </a:rPr>
-              <a:t>) is a </a:t>
-            </a:r>
-            <a:r>
-              <a:rPr lang="en-US" sz="1800" b="1" dirty="0">
-                <a:latin typeface="Arial" pitchFamily="34" charset="0"/>
-                <a:cs typeface="Arial" pitchFamily="34" charset="0"/>
-              </a:rPr>
-              <a:t>unified approach to explain </a:t>
-            </a:r>
-            <a:r>
-              <a:rPr lang="en-US" sz="1800" b="1" dirty="0" smtClean="0">
-                <a:latin typeface="Arial" pitchFamily="34" charset="0"/>
-                <a:cs typeface="Arial" pitchFamily="34" charset="0"/>
-              </a:rPr>
-              <a:t>the </a:t>
-            </a:r>
-            <a:r>
-              <a:rPr lang="en-US" sz="1800" b="1" dirty="0">
-                <a:latin typeface="Arial" pitchFamily="34" charset="0"/>
-                <a:cs typeface="Arial" pitchFamily="34" charset="0"/>
-              </a:rPr>
-              <a:t>output of any machine learning </a:t>
-            </a:r>
-            <a:r>
-              <a:rPr lang="en-US" sz="1800" b="1" dirty="0" smtClean="0">
-                <a:latin typeface="Arial" pitchFamily="34" charset="0"/>
-                <a:cs typeface="Arial" pitchFamily="34" charset="0"/>
-              </a:rPr>
-              <a:t>model</a:t>
-            </a:r>
-            <a:r>
-              <a:rPr lang="en-US" sz="1800" dirty="0" smtClean="0">
-                <a:latin typeface="Arial" pitchFamily="34" charset="0"/>
-                <a:cs typeface="Arial" pitchFamily="34" charset="0"/>
-              </a:rPr>
-              <a:t>.</a:t>
-            </a:r>
-          </a:p>
-          <a:p>
-            <a:r>
-              <a:rPr lang="en-US" sz="2000" dirty="0" smtClean="0">
-                <a:hlinkClick r:id="rId2"/>
-              </a:rPr>
-              <a:t>https</a:t>
-            </a:r>
-            <a:r>
-              <a:rPr lang="en-US" sz="2000" dirty="0">
-                <a:hlinkClick r:id="rId2"/>
-              </a:rPr>
-              <a:t>://</a:t>
-            </a:r>
-            <a:r>
-              <a:rPr lang="en-US" sz="2000" dirty="0" smtClean="0">
-                <a:hlinkClick r:id="rId2"/>
-              </a:rPr>
-              <a:t>towardsdatascience.com/explain-your-model-with-the-shap-values-bc36aac4de3d</a:t>
-            </a:r>
-            <a:endParaRPr lang="en-US" sz="2000" dirty="0" smtClean="0"/>
-          </a:p>
-          <a:p>
-            <a:endParaRPr lang="en-US" sz="2000" dirty="0"/>
-          </a:p>
-          <a:p>
-            <a:pPr marL="0" indent="0">
-              <a:buNone/>
-            </a:pPr>
-            <a:endParaRPr lang="en-GB" sz="2000" dirty="0">
-              <a:latin typeface="Arial" pitchFamily="34" charset="0"/>
-              <a:cs typeface="Arial" pitchFamily="34" charset="0"/>
-            </a:endParaRPr>
-          </a:p>
-          <a:p>
-            <a:pPr marL="0" indent="0">
-              <a:buNone/>
-            </a:pPr>
-            <a:endParaRPr lang="en-US" sz="2000" dirty="0">
-              <a:latin typeface="Arial" pitchFamily="34" charset="0"/>
-              <a:cs typeface="Arial" pitchFamily="34" charset="0"/>
-            </a:endParaRPr>
-          </a:p>
-        </p:txBody>
-      </p:sp>
-      <p:pic>
-        <p:nvPicPr>
-          <p:cNvPr id="2050" name="Picture 2"/>
-          <p:cNvPicPr>
-            <a:picLocks noChangeAspect="1" noChangeArrowheads="1"/>
-          </p:cNvPicPr>
-          <p:nvPr/>
-        </p:nvPicPr>
-        <p:blipFill>
-          <a:blip r:embed="rId3">
-            <a:extLst>
-              <a:ext uri="{28A0092B-C50C-407E-A947-70E740481C1C}">
-                <a14:useLocalDpi xmlns:a14="http://schemas.microsoft.com/office/drawing/2010/main" val="0"/>
-              </a:ext>
-            </a:extLst>
-          </a:blip>
-          <a:srcRect/>
-          <a:stretch>
-            <a:fillRect/>
-          </a:stretch>
-        </p:blipFill>
-        <p:spPr bwMode="auto">
-          <a:xfrm>
-            <a:off x="611560" y="3356992"/>
-            <a:ext cx="3584451" cy="3109296"/>
-          </a:xfrm>
-          <a:prstGeom prst="rect">
-            <a:avLst/>
-          </a:prstGeom>
-          <a:noFill/>
-          <a:ln>
-            <a:noFill/>
-          </a:ln>
-          <a:effectLst/>
-          <a:extLst>
-            <a:ext uri="{909E8E84-426E-40DD-AFC4-6F175D3DCCD1}">
-              <a14:hiddenFill xmlns:a14="http://schemas.microsoft.com/office/drawing/2010/main">
-                <a:solidFill>
-                  <a:schemeClr val="accent1"/>
-                </a:solidFill>
-              </a14:hiddenFill>
-            </a:ext>
-            <a:ext uri="{91240B29-F687-4F45-9708-019B960494DF}">
-              <a14:hiddenLine xmlns:a14="http://schemas.microsoft.com/office/drawing/2010/main" w="9525">
-                <a:solidFill>
-                  <a:schemeClr val="tx1"/>
-                </a:solidFill>
-                <a:miter lim="800000"/>
-                <a:headEnd/>
-                <a:tailEnd/>
-              </a14:hiddenLine>
-            </a:ext>
-            <a:ext uri="{AF507438-7753-43E0-B8FC-AC1667EBCBE1}">
-              <a14:hiddenEffects xmlns:a14="http://schemas.microsoft.com/office/drawing/2010/main">
-                <a:effectLst>
-                  <a:outerShdw dist="35921" dir="2700000" algn="ctr" rotWithShape="0">
-                    <a:schemeClr val="bg2"/>
-                  </a:outerShdw>
-                </a:effectLst>
-              </a14:hiddenEffects>
-            </a:ext>
-          </a:extLst>
-        </p:spPr>
-      </p:pic>
-      <p:pic>
-        <p:nvPicPr>
-          <p:cNvPr id="2051" name="Picture 3"/>
-          <p:cNvPicPr>
-            <a:picLocks noChangeAspect="1" noChangeArrowheads="1"/>
-          </p:cNvPicPr>
-          <p:nvPr/>
-        </p:nvPicPr>
-        <p:blipFill>
-          <a:blip r:embed="rId4">
-            <a:extLst>
-              <a:ext uri="{28A0092B-C50C-407E-A947-70E740481C1C}">
-                <a14:useLocalDpi xmlns:a14="http://schemas.microsoft.com/office/drawing/2010/main" val="0"/>
-              </a:ext>
-            </a:extLst>
-          </a:blip>
-          <a:srcRect/>
-          <a:stretch>
-            <a:fillRect/>
-          </a:stretch>
-        </p:blipFill>
-        <p:spPr bwMode="auto">
-          <a:xfrm>
-            <a:off x="4499992" y="3145957"/>
-            <a:ext cx="4483025" cy="3320331"/>
-          </a:xfrm>
-          <a:prstGeom prst="rect">
-            <a:avLst/>
-          </a:prstGeom>
-          <a:noFill/>
-          <a:ln>
-            <a:noFill/>
-          </a:ln>
-          <a:effectLst/>
-          <a:extLst>
-            <a:ext uri="{909E8E84-426E-40DD-AFC4-6F175D3DCCD1}">
-              <a14:hiddenFill xmlns:a14="http://schemas.microsoft.com/office/drawing/2010/main">
-                <a:solidFill>
-                  <a:schemeClr val="accent1"/>
-                </a:solidFill>
-              </a14:hiddenFill>
-            </a:ext>
-            <a:ext uri="{91240B29-F687-4F45-9708-019B960494DF}">
-              <a14:hiddenLine xmlns:a14="http://schemas.microsoft.com/office/drawing/2010/main" w="9525">
-                <a:solidFill>
-                  <a:schemeClr val="tx1"/>
-                </a:solidFill>
-                <a:miter lim="800000"/>
-                <a:headEnd/>
-                <a:tailEnd/>
-              </a14:hiddenLine>
-            </a:ext>
-            <a:ext uri="{AF507438-7753-43E0-B8FC-AC1667EBCBE1}">
-              <a14:hiddenEffects xmlns:a14="http://schemas.microsoft.com/office/drawing/2010/main">
-                <a:effectLst>
-                  <a:outerShdw dist="35921" dir="2700000" algn="ctr" rotWithShape="0">
-                    <a:schemeClr val="bg2"/>
-                  </a:outerShdw>
-                </a:effectLst>
-              </a14:hiddenEffects>
-            </a:ext>
-          </a:extLst>
-        </p:spPr>
-      </p:pic>
-    </p:spTree>
-    <p:extLst>
-      <p:ext uri="{BB962C8B-B14F-4D97-AF65-F5344CB8AC3E}">
-        <p14:creationId xmlns:p14="http://schemas.microsoft.com/office/powerpoint/2010/main" val="3738416810"/>
-      </p:ext>
-    </p:extLst>
-  </p:cSld>
-  <p:clrMapOvr>
-    <a:masterClrMapping/>
-  </p:clrMapOvr>
-  <p:timing>
-    <p:tnLst>
-      <p:par>
-        <p:cTn id="1" dur="indefinite" restart="never" nodeType="tmRoot"/>
-      </p:par>
-    </p:tnLst>
-  </p:timing>
 </p:sld>
 </file>
 

--- a/Regression Project presentation.pptx
+++ b/Regression Project presentation.pptx
@@ -4048,34 +4048,75 @@
           </a:p>
           <a:p>
             <a:endParaRPr lang="en-US" sz="2400" dirty="0">
+              <a:solidFill>
+                <a:srgbClr val="F49100"/>
+              </a:solidFill>
               <a:latin typeface="Arial" pitchFamily="34" charset="0"/>
               <a:cs typeface="Arial" pitchFamily="34" charset="0"/>
-              <a:hlinkClick r:id="rId2"/>
+              <a:hlinkClick r:id="rId2">
+                <a:extLst>
+                  <a:ext uri="{A12FA001-AC4F-418D-AE19-62706E023703}">
+                    <ahyp:hlinkClr xmlns:ahyp="http://schemas.microsoft.com/office/drawing/2018/hyperlinkcolor" val="tx"/>
+                  </a:ext>
+                </a:extLst>
+              </a:hlinkClick>
             </a:endParaRPr>
           </a:p>
           <a:p>
             <a:r>
               <a:rPr lang="en-US" sz="2400" dirty="0">
-                <a:latin typeface="Arial" pitchFamily="34" charset="0"/>
-                <a:cs typeface="Arial" pitchFamily="34" charset="0"/>
-                <a:hlinkClick r:id="rId2"/>
-              </a:rPr>
-              <a:t>Link to </a:t>
+                <a:solidFill>
+                  <a:srgbClr val="F49100"/>
+                </a:solidFill>
+                <a:latin typeface="Arial" pitchFamily="34" charset="0"/>
+                <a:cs typeface="Arial" pitchFamily="34" charset="0"/>
+                <a:hlinkClick r:id="rId2">
+                  <a:extLst>
+                    <a:ext uri="{A12FA001-AC4F-418D-AE19-62706E023703}">
+                      <ahyp:hlinkClr xmlns:ahyp="http://schemas.microsoft.com/office/drawing/2018/hyperlinkcolor" val="tx"/>
+                    </a:ext>
+                  </a:extLst>
+                </a:hlinkClick>
+              </a:rPr>
+              <a:t>Link </a:t>
             </a:r>
             <a:r>
               <a:rPr lang="en-US" sz="2400" dirty="0">
-                <a:latin typeface="Arial" pitchFamily="34" charset="0"/>
-                <a:cs typeface="Arial" pitchFamily="34" charset="0"/>
-                <a:hlinkClick r:id="rId3"/>
+                <a:solidFill>
+                  <a:srgbClr val="FF9900"/>
+                </a:solidFill>
+                <a:latin typeface="Arial" pitchFamily="34" charset="0"/>
+                <a:cs typeface="Arial" pitchFamily="34" charset="0"/>
+                <a:hlinkClick r:id="rId2">
+                  <a:extLst>
+                    <a:ext uri="{A12FA001-AC4F-418D-AE19-62706E023703}">
+                      <ahyp:hlinkClr xmlns:ahyp="http://schemas.microsoft.com/office/drawing/2018/hyperlinkcolor" val="tx"/>
+                    </a:ext>
+                  </a:extLst>
+                </a:hlinkClick>
+              </a:rPr>
+              <a:t>to </a:t>
+            </a:r>
+            <a:r>
+              <a:rPr lang="en-US" sz="2400" dirty="0">
+                <a:solidFill>
+                  <a:srgbClr val="FF9900"/>
+                </a:solidFill>
+                <a:latin typeface="Arial" pitchFamily="34" charset="0"/>
+                <a:cs typeface="Arial" pitchFamily="34" charset="0"/>
+                <a:hlinkClick r:id="rId3">
+                  <a:extLst>
+                    <a:ext uri="{A12FA001-AC4F-418D-AE19-62706E023703}">
+                      <ahyp:hlinkClr xmlns:ahyp="http://schemas.microsoft.com/office/drawing/2018/hyperlinkcolor" val="tx"/>
+                    </a:ext>
+                  </a:extLst>
+                </a:hlinkClick>
               </a:rPr>
               <a:t>Project</a:t>
             </a:r>
             <a:endParaRPr lang="en-US" sz="2400" dirty="0">
               <a:solidFill>
-                <a:schemeClr val="bg2">
-                  <a:lumMod val="40000"/>
-                  <a:lumOff val="60000"/>
-                </a:schemeClr>
+                <a:srgbClr val="FF9900"/>
               </a:solidFill>
               <a:latin typeface="Arial" pitchFamily="34" charset="0"/>
               <a:cs typeface="Arial" pitchFamily="34" charset="0"/>
@@ -8027,7 +8068,7 @@
           <p:nvPr>
             <p:extLst>
               <p:ext uri="{D42A27DB-BD31-4B8C-83A1-F6EECF244321}">
-                <p14:modId xmlns:p14="http://schemas.microsoft.com/office/powerpoint/2010/main" val="474163128"/>
+                <p14:modId xmlns:p14="http://schemas.microsoft.com/office/powerpoint/2010/main" val="1475955089"/>
               </p:ext>
             </p:extLst>
           </p:nvPr>

--- a/Regression Project presentation.pptx
+++ b/Regression Project presentation.pptx
@@ -5026,7 +5026,7 @@
                 <a:latin typeface="Arial" pitchFamily="34" charset="0"/>
                 <a:cs typeface="Arial" pitchFamily="34" charset="0"/>
               </a:rPr>
-              <a:t>Feature Selection - SHAP values (1)</a:t>
+              <a:t>Feature Selection - SHAP Values (1)</a:t>
             </a:r>
             <a:endParaRPr lang="en-US" sz="4000" dirty="0"/>
           </a:p>
@@ -5707,7 +5707,7 @@
                 <a:latin typeface="Arial" pitchFamily="34" charset="0"/>
                 <a:cs typeface="Arial" pitchFamily="34" charset="0"/>
               </a:rPr>
-              <a:t>Feature Selection - SHAP values (2)</a:t>
+              <a:t>Feature Selection - SHAP Values (2)</a:t>
             </a:r>
             <a:endParaRPr lang="en-US" sz="4000" dirty="0"/>
           </a:p>
@@ -10556,7 +10556,7 @@
                 <a:latin typeface="Arial" pitchFamily="34" charset="0"/>
                 <a:cs typeface="Arial" pitchFamily="34" charset="0"/>
               </a:rPr>
-              <a:t>Further thoughts</a:t>
+              <a:t>Further Thoughts</a:t>
             </a:r>
             <a:endParaRPr lang="en-US" sz="4000" dirty="0"/>
           </a:p>

--- a/Regression Project presentation.pptx
+++ b/Regression Project presentation.pptx
@@ -4053,33 +4053,9 @@
               </a:solidFill>
               <a:latin typeface="Arial" pitchFamily="34" charset="0"/>
               <a:cs typeface="Arial" pitchFamily="34" charset="0"/>
-              <a:hlinkClick r:id="rId2">
-                <a:extLst>
-                  <a:ext uri="{A12FA001-AC4F-418D-AE19-62706E023703}">
-                    <ahyp:hlinkClr xmlns:ahyp="http://schemas.microsoft.com/office/drawing/2018/hyperlinkcolor" val="tx"/>
-                  </a:ext>
-                </a:extLst>
-              </a:hlinkClick>
             </a:endParaRPr>
           </a:p>
           <a:p>
-            <a:r>
-              <a:rPr lang="en-US" sz="2400" dirty="0">
-                <a:solidFill>
-                  <a:srgbClr val="F49100"/>
-                </a:solidFill>
-                <a:latin typeface="Arial" pitchFamily="34" charset="0"/>
-                <a:cs typeface="Arial" pitchFamily="34" charset="0"/>
-                <a:hlinkClick r:id="rId2">
-                  <a:extLst>
-                    <a:ext uri="{A12FA001-AC4F-418D-AE19-62706E023703}">
-                      <ahyp:hlinkClr xmlns:ahyp="http://schemas.microsoft.com/office/drawing/2018/hyperlinkcolor" val="tx"/>
-                    </a:ext>
-                  </a:extLst>
-                </a:hlinkClick>
-              </a:rPr>
-              <a:t>Link </a:t>
-            </a:r>
             <a:r>
               <a:rPr lang="en-US" sz="2400" dirty="0">
                 <a:solidFill>
@@ -4087,32 +4063,9 @@
                 </a:solidFill>
                 <a:latin typeface="Arial" pitchFamily="34" charset="0"/>
                 <a:cs typeface="Arial" pitchFamily="34" charset="0"/>
-                <a:hlinkClick r:id="rId2">
-                  <a:extLst>
-                    <a:ext uri="{A12FA001-AC4F-418D-AE19-62706E023703}">
-                      <ahyp:hlinkClr xmlns:ahyp="http://schemas.microsoft.com/office/drawing/2018/hyperlinkcolor" val="tx"/>
-                    </a:ext>
-                  </a:extLst>
-                </a:hlinkClick>
-              </a:rPr>
-              <a:t>to </a:t>
-            </a:r>
-            <a:r>
-              <a:rPr lang="en-US" sz="2400" dirty="0">
-                <a:solidFill>
-                  <a:srgbClr val="FF9900"/>
-                </a:solidFill>
-                <a:latin typeface="Arial" pitchFamily="34" charset="0"/>
-                <a:cs typeface="Arial" pitchFamily="34" charset="0"/>
-                <a:hlinkClick r:id="rId3">
-                  <a:extLst>
-                    <a:ext uri="{A12FA001-AC4F-418D-AE19-62706E023703}">
-                      <ahyp:hlinkClr xmlns:ahyp="http://schemas.microsoft.com/office/drawing/2018/hyperlinkcolor" val="tx"/>
-                    </a:ext>
-                  </a:extLst>
-                </a:hlinkClick>
-              </a:rPr>
-              <a:t>Project</a:t>
+                <a:hlinkClick r:id="rId2"/>
+              </a:rPr>
+              <a:t>Link to Project</a:t>
             </a:r>
             <a:endParaRPr lang="en-US" sz="2400" dirty="0">
               <a:solidFill>
@@ -4133,7 +4086,7 @@
           <p:nvPr/>
         </p:nvPicPr>
         <p:blipFill>
-          <a:blip r:embed="rId4" cstate="print">
+          <a:blip r:embed="rId3" cstate="print">
             <a:extLst>
               <a:ext uri="{28A0092B-C50C-407E-A947-70E740481C1C}">
                 <a14:useLocalDpi xmlns:a14="http://schemas.microsoft.com/office/drawing/2010/main" val="0"/>
@@ -4197,7 +4150,7 @@
           <p:nvPr/>
         </p:nvPicPr>
         <p:blipFill>
-          <a:blip r:embed="rId5" cstate="print">
+          <a:blip r:embed="rId4" cstate="print">
             <a:extLst>
               <a:ext uri="{28A0092B-C50C-407E-A947-70E740481C1C}">
                 <a14:useLocalDpi xmlns:a14="http://schemas.microsoft.com/office/drawing/2010/main" val="0"/>
